--- a/Instalação Oracle Data Integrator (ODI).pptx
+++ b/Instalação Oracle Data Integrator (ODI).pptx
@@ -2,31 +2,35 @@
 <file path=ppt/presentation.xml><?xml version="1.0" encoding="utf-8"?>
 <p:presentation xmlns:a="http://schemas.openxmlformats.org/drawingml/2006/main" xmlns:r="http://schemas.openxmlformats.org/officeDocument/2006/relationships" xmlns:p="http://schemas.openxmlformats.org/presentationml/2006/main" removePersonalInfoOnSave="1" saveSubsetFonts="1">
   <p:sldMasterIdLst>
-    <p:sldMasterId id="2147483648" r:id="rId4"/>
+    <p:sldMasterId id="2147483660" r:id="rId4"/>
   </p:sldMasterIdLst>
   <p:notesMasterIdLst>
-    <p:notesMasterId r:id="rId15"/>
+    <p:notesMasterId r:id="rId19"/>
   </p:notesMasterIdLst>
   <p:handoutMasterIdLst>
-    <p:handoutMasterId r:id="rId16"/>
+    <p:handoutMasterId r:id="rId20"/>
   </p:handoutMasterIdLst>
   <p:sldIdLst>
     <p:sldId id="256" r:id="rId5"/>
     <p:sldId id="266" r:id="rId6"/>
-    <p:sldId id="267" r:id="rId7"/>
-    <p:sldId id="269" r:id="rId8"/>
-    <p:sldId id="276" r:id="rId9"/>
-    <p:sldId id="271" r:id="rId10"/>
-    <p:sldId id="272" r:id="rId11"/>
-    <p:sldId id="273" r:id="rId12"/>
-    <p:sldId id="274" r:id="rId13"/>
-    <p:sldId id="275" r:id="rId14"/>
+    <p:sldId id="277" r:id="rId7"/>
+    <p:sldId id="267" r:id="rId8"/>
+    <p:sldId id="269" r:id="rId9"/>
+    <p:sldId id="276" r:id="rId10"/>
+    <p:sldId id="278" r:id="rId11"/>
+    <p:sldId id="279" r:id="rId12"/>
+    <p:sldId id="280" r:id="rId13"/>
+    <p:sldId id="281" r:id="rId14"/>
+    <p:sldId id="282" r:id="rId15"/>
+    <p:sldId id="283" r:id="rId16"/>
+    <p:sldId id="284" r:id="rId17"/>
+    <p:sldId id="285" r:id="rId18"/>
   </p:sldIdLst>
   <p:sldSz cx="12192000" cy="6858000"/>
   <p:notesSz cx="6858000" cy="9144000"/>
   <p:defaultTextStyle>
-    <a:defPPr rtl="0">
-      <a:defRPr lang="pt-br"/>
+    <a:defPPr>
+      <a:defRPr lang="pt-BR"/>
     </a:defPPr>
     <a:lvl1pPr marL="0" algn="l" defTabSz="914400" rtl="0" eaLnBrk="1" latinLnBrk="0" hangingPunct="1">
       <a:defRPr sz="1800" kern="1200">
@@ -226,7 +230,7 @@
             <a:fld id="{D4FBF263-DEC6-4A9D-8C97-B85A8CB8C50E}" type="datetime1">
               <a:rPr lang="pt-BR" smtClean="0"/>
               <a:pPr algn="r" rtl="0"/>
-              <a:t>05/06/2018</a:t>
+              <a:t>16/01/2019</a:t>
             </a:fld>
             <a:endParaRPr lang="pt-BR" dirty="0"/>
           </a:p>
@@ -295,7 +299,7 @@
             <a:fld id="{45ACAF8E-318A-4EFE-8633-D9E72ABCE0ED}" type="slidenum">
               <a:rPr lang="pt-BR" smtClean="0"/>
               <a:pPr algn="r" rtl="0"/>
-              <a:t>‹nº›</a:t>
+              <a:t>‹#›</a:t>
             </a:fld>
             <a:endParaRPr lang="pt-BR" dirty="0"/>
           </a:p>
@@ -396,7 +400,7 @@
             <a:fld id="{8C123CB6-8505-484D-AD49-CCA5FF708E8E}" type="datetime1">
               <a:rPr lang="pt-BR" noProof="0" smtClean="0"/>
               <a:pPr/>
-              <a:t>05/06/2018</a:t>
+              <a:t>16/01/2019</a:t>
             </a:fld>
             <a:endParaRPr lang="pt-BR" noProof="0" dirty="0"/>
           </a:p>
@@ -557,7 +561,7 @@
             <a:fld id="{5EE2CF44-2B13-41B4-A334-1CDF534EEBBF}" type="slidenum">
               <a:rPr lang="pt-BR" noProof="0" smtClean="0"/>
               <a:pPr/>
-              <a:t>‹nº›</a:t>
+              <a:t>‹#›</a:t>
             </a:fld>
             <a:endParaRPr lang="pt-BR" noProof="0" dirty="0"/>
           </a:p>
@@ -668,21 +672,7 @@
 
 <file path=ppt/slideLayouts/slideLayout1.xml><?xml version="1.0" encoding="utf-8"?>
 <p:sldLayout xmlns:a="http://schemas.openxmlformats.org/drawingml/2006/main" xmlns:r="http://schemas.openxmlformats.org/officeDocument/2006/relationships" xmlns:p="http://schemas.openxmlformats.org/presentationml/2006/main" type="title" preserve="1">
-  <p:cSld name="Slide de Título">
-    <p:bg>
-      <p:bgPr>
-        <a:blipFill dpi="0" rotWithShape="1">
-          <a:blip r:embed="rId2">
-            <a:lum/>
-          </a:blip>
-          <a:srcRect/>
-          <a:stretch>
-            <a:fillRect/>
-          </a:stretch>
-        </a:blipFill>
-        <a:effectLst/>
-      </p:bgPr>
-    </p:bg>
+  <p:cSld name="Title Slide">
     <p:spTree>
       <p:nvGrpSpPr>
         <p:cNvPr id="1" name=""/>
@@ -699,145 +689,51 @@
       </p:grpSpPr>
       <p:sp>
         <p:nvSpPr>
-          <p:cNvPr id="8" name="Retângulo 7"/>
-          <p:cNvSpPr/>
-          <p:nvPr userDrawn="1"/>
-        </p:nvSpPr>
-        <p:spPr bwMode="gray">
+          <p:cNvPr id="2" name="Title 1">
+            <a:extLst>
+              <a:ext uri="{FF2B5EF4-FFF2-40B4-BE49-F238E27FC236}">
+                <a16:creationId xmlns:a16="http://schemas.microsoft.com/office/drawing/2014/main" id="{8A9A42F8-A098-4E01-9DAE-1F576E143A37}"/>
+              </a:ext>
+            </a:extLst>
+          </p:cNvPr>
+          <p:cNvSpPr>
+            <a:spLocks noGrp="1"/>
+          </p:cNvSpPr>
+          <p:nvPr>
+            <p:ph type="ctrTitle"/>
+          </p:nvPr>
+        </p:nvSpPr>
+        <p:spPr>
           <a:xfrm>
-            <a:off x="0" y="2825016"/>
-            <a:ext cx="12188952" cy="3180930"/>
-          </a:xfrm>
-          <a:prstGeom prst="rect">
-            <a:avLst/>
-          </a:prstGeom>
-          <a:solidFill>
-            <a:schemeClr val="bg1">
-              <a:lumMod val="85000"/>
-              <a:lumOff val="15000"/>
-              <a:alpha val="75000"/>
-            </a:schemeClr>
-          </a:solidFill>
-          <a:ln>
-            <a:noFill/>
-          </a:ln>
-        </p:spPr>
-        <p:style>
-          <a:lnRef idx="2">
-            <a:schemeClr val="accent1">
-              <a:shade val="50000"/>
-            </a:schemeClr>
-          </a:lnRef>
-          <a:fillRef idx="1">
-            <a:schemeClr val="accent1"/>
-          </a:fillRef>
-          <a:effectRef idx="0">
-            <a:schemeClr val="accent1"/>
-          </a:effectRef>
-          <a:fontRef idx="minor">
-            <a:schemeClr val="lt1"/>
-          </a:fontRef>
-        </p:style>
-        <p:txBody>
-          <a:bodyPr rtlCol="0" anchor="ctr"/>
-          <a:lstStyle/>
-          <a:p>
-            <a:pPr algn="ctr" rtl="0"/>
-            <a:endParaRPr lang="pt-BR" noProof="0" dirty="0"/>
-          </a:p>
-        </p:txBody>
-      </p:sp>
-      <p:sp>
-        <p:nvSpPr>
-          <p:cNvPr id="7" name="Retângulo 6"/>
-          <p:cNvSpPr/>
-          <p:nvPr userDrawn="1"/>
-        </p:nvSpPr>
-        <p:spPr bwMode="black">
-          <a:xfrm>
-            <a:off x="0" y="3075709"/>
-            <a:ext cx="12188952" cy="2639291"/>
-          </a:xfrm>
-          <a:prstGeom prst="rect">
-            <a:avLst/>
-          </a:prstGeom>
-          <a:solidFill>
-            <a:schemeClr val="bg1"/>
-          </a:solidFill>
-          <a:ln>
-            <a:noFill/>
-          </a:ln>
-        </p:spPr>
-        <p:style>
-          <a:lnRef idx="2">
-            <a:schemeClr val="accent1">
-              <a:shade val="50000"/>
-            </a:schemeClr>
-          </a:lnRef>
-          <a:fillRef idx="1">
-            <a:schemeClr val="accent1"/>
-          </a:fillRef>
-          <a:effectRef idx="0">
-            <a:schemeClr val="accent1"/>
-          </a:effectRef>
-          <a:fontRef idx="minor">
-            <a:schemeClr val="lt1"/>
-          </a:fontRef>
-        </p:style>
-        <p:txBody>
-          <a:bodyPr rtlCol="0" anchor="ctr"/>
-          <a:lstStyle/>
-          <a:p>
-            <a:pPr algn="ctr" rtl="0"/>
-            <a:endParaRPr lang="pt-BR" noProof="0" dirty="0"/>
-          </a:p>
-        </p:txBody>
-      </p:sp>
-      <p:sp>
-        <p:nvSpPr>
-          <p:cNvPr id="2" name="Título 1"/>
-          <p:cNvSpPr>
-            <a:spLocks noGrp="1"/>
-          </p:cNvSpPr>
-          <p:nvPr>
-            <p:ph type="ctrTitle"/>
-          </p:nvPr>
-        </p:nvSpPr>
-        <p:spPr bwMode="white">
-          <a:xfrm>
-            <a:off x="1066800" y="3165763"/>
-            <a:ext cx="10058400" cy="1711037"/>
+            <a:off x="1524000" y="1122363"/>
+            <a:ext cx="9144000" cy="2387600"/>
           </a:xfrm>
         </p:spPr>
         <p:txBody>
-          <a:bodyPr rtlCol="0" anchor="b">
-            <a:normAutofit/>
-          </a:bodyPr>
+          <a:bodyPr anchor="b"/>
           <a:lstStyle>
-            <a:lvl1pPr algn="l" rtl="0">
-              <a:lnSpc>
-                <a:spcPct val="80000"/>
-              </a:lnSpc>
-              <a:defRPr sz="5400">
-                <a:solidFill>
-                  <a:schemeClr val="tx1"/>
-                </a:solidFill>
-              </a:defRPr>
+            <a:lvl1pPr algn="ctr">
+              <a:defRPr sz="6000"/>
             </a:lvl1pPr>
           </a:lstStyle>
           <a:p>
-            <a:pPr rtl="0"/>
-            <a:r>
-              <a:rPr lang="pt-BR" noProof="0"/>
-              <a:t>Clique para editar o título Mestre</a:t>
-            </a:r>
-            <a:endParaRPr lang="pt-BR" noProof="0" dirty="0"/>
-          </a:p>
-        </p:txBody>
-      </p:sp>
-      <p:sp>
-        <p:nvSpPr>
-          <p:cNvPr id="3" name="Subtítulo 2"/>
+            <a:r>
+              <a:rPr lang="en-US"/>
+              <a:t>Click to edit Master title style</a:t>
+            </a:r>
+            <a:endParaRPr lang="pt-BR"/>
+          </a:p>
+        </p:txBody>
+      </p:sp>
+      <p:sp>
+        <p:nvSpPr>
+          <p:cNvPr id="3" name="Subtitle 2">
+            <a:extLst>
+              <a:ext uri="{FF2B5EF4-FFF2-40B4-BE49-F238E27FC236}">
+                <a16:creationId xmlns:a16="http://schemas.microsoft.com/office/drawing/2014/main" id="{E23DC338-8477-4B7F-8353-8A4BF92175EB}"/>
+              </a:ext>
+            </a:extLst>
+          </p:cNvPr>
           <p:cNvSpPr>
             <a:spLocks noGrp="1"/>
           </p:cNvSpPr>
@@ -845,68 +741,143 @@
             <p:ph type="subTitle" idx="1"/>
           </p:nvPr>
         </p:nvSpPr>
-        <p:spPr bwMode="white">
+        <p:spPr>
           <a:xfrm>
-            <a:off x="1066800" y="4953000"/>
-            <a:ext cx="10058400" cy="685800"/>
+            <a:off x="1524000" y="3602038"/>
+            <a:ext cx="9144000" cy="1655762"/>
           </a:xfrm>
         </p:spPr>
         <p:txBody>
-          <a:bodyPr rtlCol="0">
-            <a:normAutofit/>
-          </a:bodyPr>
+          <a:bodyPr/>
           <a:lstStyle>
-            <a:lvl1pPr marL="0" indent="0" algn="l" rtl="0">
-              <a:spcBef>
-                <a:spcPts val="0"/>
-              </a:spcBef>
+            <a:lvl1pPr marL="0" indent="0" algn="ctr">
               <a:buNone/>
-              <a:defRPr sz="2000">
-                <a:solidFill>
-                  <a:schemeClr val="accent1"/>
-                </a:solidFill>
-                <a:latin typeface="+mj-lt"/>
-              </a:defRPr>
+              <a:defRPr sz="2400"/>
             </a:lvl1pPr>
-            <a:lvl2pPr marL="457200" indent="0" algn="ctr" rtl="0">
+            <a:lvl2pPr marL="457200" indent="0" algn="ctr">
               <a:buNone/>
               <a:defRPr sz="2000"/>
             </a:lvl2pPr>
-            <a:lvl3pPr marL="914400" indent="0" algn="ctr" rtl="0">
+            <a:lvl3pPr marL="914400" indent="0" algn="ctr">
               <a:buNone/>
               <a:defRPr sz="1800"/>
             </a:lvl3pPr>
-            <a:lvl4pPr marL="1371600" indent="0" algn="ctr" rtl="0">
+            <a:lvl4pPr marL="1371600" indent="0" algn="ctr">
               <a:buNone/>
               <a:defRPr sz="1600"/>
             </a:lvl4pPr>
-            <a:lvl5pPr marL="1828800" indent="0" algn="ctr" rtl="0">
+            <a:lvl5pPr marL="1828800" indent="0" algn="ctr">
               <a:buNone/>
               <a:defRPr sz="1600"/>
             </a:lvl5pPr>
-            <a:lvl6pPr marL="2286000" indent="0" algn="ctr" rtl="0">
+            <a:lvl6pPr marL="2286000" indent="0" algn="ctr">
               <a:buNone/>
               <a:defRPr sz="1600"/>
             </a:lvl6pPr>
-            <a:lvl7pPr marL="2743200" indent="0" algn="ctr" rtl="0">
+            <a:lvl7pPr marL="2743200" indent="0" algn="ctr">
               <a:buNone/>
               <a:defRPr sz="1600"/>
             </a:lvl7pPr>
-            <a:lvl8pPr marL="3200400" indent="0" algn="ctr" rtl="0">
+            <a:lvl8pPr marL="3200400" indent="0" algn="ctr">
               <a:buNone/>
               <a:defRPr sz="1600"/>
             </a:lvl8pPr>
-            <a:lvl9pPr marL="3657600" indent="0" algn="ctr" rtl="0">
+            <a:lvl9pPr marL="3657600" indent="0" algn="ctr">
               <a:buNone/>
               <a:defRPr sz="1600"/>
             </a:lvl9pPr>
           </a:lstStyle>
           <a:p>
+            <a:r>
+              <a:rPr lang="en-US"/>
+              <a:t>Click to edit Master subtitle style</a:t>
+            </a:r>
+            <a:endParaRPr lang="pt-BR"/>
+          </a:p>
+        </p:txBody>
+      </p:sp>
+      <p:sp>
+        <p:nvSpPr>
+          <p:cNvPr id="4" name="Date Placeholder 3">
+            <a:extLst>
+              <a:ext uri="{FF2B5EF4-FFF2-40B4-BE49-F238E27FC236}">
+                <a16:creationId xmlns:a16="http://schemas.microsoft.com/office/drawing/2014/main" id="{8D1F4FE7-763C-4E2E-97CC-1E96CB3496BC}"/>
+              </a:ext>
+            </a:extLst>
+          </p:cNvPr>
+          <p:cNvSpPr>
+            <a:spLocks noGrp="1"/>
+          </p:cNvSpPr>
+          <p:nvPr>
+            <p:ph type="dt" sz="half" idx="10"/>
+          </p:nvPr>
+        </p:nvSpPr>
+        <p:spPr/>
+        <p:txBody>
+          <a:bodyPr/>
+          <a:lstStyle/>
+          <a:p>
+            <a:fld id="{E436AF61-35ED-497B-AFBC-44E1662D60CA}" type="datetime1">
+              <a:rPr lang="pt-BR" noProof="0" smtClean="0"/>
+              <a:pPr/>
+              <a:t>16/01/2019</a:t>
+            </a:fld>
+            <a:endParaRPr lang="pt-BR" noProof="0" dirty="0"/>
+          </a:p>
+        </p:txBody>
+      </p:sp>
+      <p:sp>
+        <p:nvSpPr>
+          <p:cNvPr id="5" name="Footer Placeholder 4">
+            <a:extLst>
+              <a:ext uri="{FF2B5EF4-FFF2-40B4-BE49-F238E27FC236}">
+                <a16:creationId xmlns:a16="http://schemas.microsoft.com/office/drawing/2014/main" id="{D076CC9C-EDB4-4FC8-9342-EB87BB7BBED5}"/>
+              </a:ext>
+            </a:extLst>
+          </p:cNvPr>
+          <p:cNvSpPr>
+            <a:spLocks noGrp="1"/>
+          </p:cNvSpPr>
+          <p:nvPr>
+            <p:ph type="ftr" sz="quarter" idx="11"/>
+          </p:nvPr>
+        </p:nvSpPr>
+        <p:spPr/>
+        <p:txBody>
+          <a:bodyPr/>
+          <a:lstStyle/>
+          <a:p>
             <a:pPr rtl="0"/>
-            <a:r>
-              <a:rPr lang="pt-BR" noProof="0"/>
-              <a:t>Clique para editar o estilo do subtítulo Mestre</a:t>
-            </a:r>
+            <a:endParaRPr lang="pt-BR" noProof="0" dirty="0"/>
+          </a:p>
+        </p:txBody>
+      </p:sp>
+      <p:sp>
+        <p:nvSpPr>
+          <p:cNvPr id="6" name="Slide Number Placeholder 5">
+            <a:extLst>
+              <a:ext uri="{FF2B5EF4-FFF2-40B4-BE49-F238E27FC236}">
+                <a16:creationId xmlns:a16="http://schemas.microsoft.com/office/drawing/2014/main" id="{7AC477A0-8903-40C5-A64E-0FCBFCD0AF67}"/>
+              </a:ext>
+            </a:extLst>
+          </p:cNvPr>
+          <p:cNvSpPr>
+            <a:spLocks noGrp="1"/>
+          </p:cNvSpPr>
+          <p:nvPr>
+            <p:ph type="sldNum" sz="quarter" idx="12"/>
+          </p:nvPr>
+        </p:nvSpPr>
+        <p:spPr/>
+        <p:txBody>
+          <a:bodyPr/>
+          <a:lstStyle/>
+          <a:p>
+            <a:fld id="{E31375A4-56A4-47D6-9801-1991572033F7}" type="slidenum">
+              <a:rPr lang="pt-BR" noProof="0" smtClean="0"/>
+              <a:pPr/>
+              <a:t>‹#›</a:t>
+            </a:fld>
             <a:endParaRPr lang="pt-BR" noProof="0" dirty="0"/>
           </a:p>
         </p:txBody>
@@ -914,7 +885,7 @@
     </p:spTree>
     <p:extLst>
       <p:ext uri="{BB962C8B-B14F-4D97-AF65-F5344CB8AC3E}">
-        <p14:creationId xmlns:p14="http://schemas.microsoft.com/office/powerpoint/2010/main" val="798862757"/>
+        <p14:creationId xmlns:p14="http://schemas.microsoft.com/office/powerpoint/2010/main" val="480552234"/>
       </p:ext>
     </p:extLst>
   </p:cSld>
@@ -926,7 +897,7 @@
 
 <file path=ppt/slideLayouts/slideLayout10.xml><?xml version="1.0" encoding="utf-8"?>
 <p:sldLayout xmlns:a="http://schemas.openxmlformats.org/drawingml/2006/main" xmlns:r="http://schemas.openxmlformats.org/officeDocument/2006/relationships" xmlns:p="http://schemas.openxmlformats.org/presentationml/2006/main" type="vertTx" preserve="1">
-  <p:cSld name="Título e Texto Vertical">
+  <p:cSld name="Title and Vertical Text">
     <p:spTree>
       <p:nvGrpSpPr>
         <p:cNvPr id="1" name=""/>
@@ -943,7 +914,13 @@
       </p:grpSpPr>
       <p:sp>
         <p:nvSpPr>
-          <p:cNvPr id="2" name="Título 1"/>
+          <p:cNvPr id="2" name="Title 1">
+            <a:extLst>
+              <a:ext uri="{FF2B5EF4-FFF2-40B4-BE49-F238E27FC236}">
+                <a16:creationId xmlns:a16="http://schemas.microsoft.com/office/drawing/2014/main" id="{383CE99F-79D9-4AFB-8FC2-11406D6F78FE}"/>
+              </a:ext>
+            </a:extLst>
+          </p:cNvPr>
           <p:cNvSpPr>
             <a:spLocks noGrp="1"/>
           </p:cNvSpPr>
@@ -953,25 +930,26 @@
         </p:nvSpPr>
         <p:spPr/>
         <p:txBody>
-          <a:bodyPr rtlCol="0"/>
-          <a:lstStyle>
-            <a:lvl1pPr rtl="0">
-              <a:defRPr/>
-            </a:lvl1pPr>
-          </a:lstStyle>
-          <a:p>
-            <a:pPr rtl="0"/>
-            <a:r>
-              <a:rPr lang="pt-BR" noProof="0"/>
-              <a:t>Clique para editar o título Mestre</a:t>
-            </a:r>
-            <a:endParaRPr lang="pt-BR" noProof="0" dirty="0"/>
-          </a:p>
-        </p:txBody>
-      </p:sp>
-      <p:sp>
-        <p:nvSpPr>
-          <p:cNvPr id="3" name="Espaço Reservado para Texto Vertical 2"/>
+          <a:bodyPr/>
+          <a:lstStyle/>
+          <a:p>
+            <a:r>
+              <a:rPr lang="en-US"/>
+              <a:t>Click to edit Master title style</a:t>
+            </a:r>
+            <a:endParaRPr lang="pt-BR"/>
+          </a:p>
+        </p:txBody>
+      </p:sp>
+      <p:sp>
+        <p:nvSpPr>
+          <p:cNvPr id="3" name="Vertical Text Placeholder 2">
+            <a:extLst>
+              <a:ext uri="{FF2B5EF4-FFF2-40B4-BE49-F238E27FC236}">
+                <a16:creationId xmlns:a16="http://schemas.microsoft.com/office/drawing/2014/main" id="{9FF64C83-DA69-44F9-94DC-AB431BC5F3B3}"/>
+              </a:ext>
+            </a:extLst>
+          </p:cNvPr>
           <p:cNvSpPr>
             <a:spLocks noGrp="1"/>
           </p:cNvSpPr>
@@ -981,49 +959,55 @@
         </p:nvSpPr>
         <p:spPr/>
         <p:txBody>
-          <a:bodyPr vert="eaVert" rtlCol="0"/>
-          <a:lstStyle/>
-          <a:p>
-            <a:pPr lvl="0" rtl="0"/>
-            <a:r>
-              <a:rPr lang="pt-BR" noProof="0"/>
-              <a:t>Editar estilos de texto Mestre</a:t>
-            </a:r>
-          </a:p>
-          <a:p>
-            <a:pPr lvl="1" rtl="0"/>
-            <a:r>
-              <a:rPr lang="pt-BR" noProof="0"/>
-              <a:t>Segundo nível</a:t>
-            </a:r>
-          </a:p>
-          <a:p>
-            <a:pPr lvl="2" rtl="0"/>
-            <a:r>
-              <a:rPr lang="pt-BR" noProof="0"/>
-              <a:t>Terceiro nível</a:t>
-            </a:r>
-          </a:p>
-          <a:p>
-            <a:pPr lvl="3" rtl="0"/>
-            <a:r>
-              <a:rPr lang="pt-BR" noProof="0"/>
-              <a:t>Quarto nível</a:t>
-            </a:r>
-          </a:p>
-          <a:p>
-            <a:pPr lvl="4" rtl="0"/>
-            <a:r>
-              <a:rPr lang="pt-BR" noProof="0"/>
-              <a:t>Quinto nível</a:t>
-            </a:r>
-            <a:endParaRPr lang="pt-BR" noProof="0" dirty="0"/>
-          </a:p>
-        </p:txBody>
-      </p:sp>
-      <p:sp>
-        <p:nvSpPr>
-          <p:cNvPr id="4" name="Espaço Reservado para Data 3"/>
+          <a:bodyPr vert="eaVert"/>
+          <a:lstStyle/>
+          <a:p>
+            <a:pPr lvl="0"/>
+            <a:r>
+              <a:rPr lang="en-US"/>
+              <a:t>Edit Master text styles</a:t>
+            </a:r>
+          </a:p>
+          <a:p>
+            <a:pPr lvl="1"/>
+            <a:r>
+              <a:rPr lang="en-US"/>
+              <a:t>Second level</a:t>
+            </a:r>
+          </a:p>
+          <a:p>
+            <a:pPr lvl="2"/>
+            <a:r>
+              <a:rPr lang="en-US"/>
+              <a:t>Third level</a:t>
+            </a:r>
+          </a:p>
+          <a:p>
+            <a:pPr lvl="3"/>
+            <a:r>
+              <a:rPr lang="en-US"/>
+              <a:t>Fourth level</a:t>
+            </a:r>
+          </a:p>
+          <a:p>
+            <a:pPr lvl="4"/>
+            <a:r>
+              <a:rPr lang="en-US"/>
+              <a:t>Fifth level</a:t>
+            </a:r>
+            <a:endParaRPr lang="pt-BR"/>
+          </a:p>
+        </p:txBody>
+      </p:sp>
+      <p:sp>
+        <p:nvSpPr>
+          <p:cNvPr id="4" name="Date Placeholder 3">
+            <a:extLst>
+              <a:ext uri="{FF2B5EF4-FFF2-40B4-BE49-F238E27FC236}">
+                <a16:creationId xmlns:a16="http://schemas.microsoft.com/office/drawing/2014/main" id="{50576AAD-4B2C-496D-BD2D-0C426F6BA4B8}"/>
+              </a:ext>
+            </a:extLst>
+          </p:cNvPr>
           <p:cNvSpPr>
             <a:spLocks noGrp="1"/>
           </p:cNvSpPr>
@@ -1033,17 +1017,13 @@
         </p:nvSpPr>
         <p:spPr/>
         <p:txBody>
-          <a:bodyPr rtlCol="0"/>
-          <a:lstStyle>
-            <a:lvl1pPr>
-              <a:defRPr/>
-            </a:lvl1pPr>
-          </a:lstStyle>
-          <a:p>
-            <a:fld id="{332DDEFA-DB5B-4288-BFD4-28EED68507B6}" type="datetime1">
+          <a:bodyPr/>
+          <a:lstStyle/>
+          <a:p>
+            <a:fld id="{E436AF61-35ED-497B-AFBC-44E1662D60CA}" type="datetime1">
               <a:rPr lang="pt-BR" noProof="0" smtClean="0"/>
               <a:pPr/>
-              <a:t>05/06/2018</a:t>
+              <a:t>16/01/2019</a:t>
             </a:fld>
             <a:endParaRPr lang="pt-BR" noProof="0" dirty="0"/>
           </a:p>
@@ -1051,7 +1031,13 @@
       </p:sp>
       <p:sp>
         <p:nvSpPr>
-          <p:cNvPr id="5" name="Espaço Reservado para Rodapé 4"/>
+          <p:cNvPr id="5" name="Footer Placeholder 4">
+            <a:extLst>
+              <a:ext uri="{FF2B5EF4-FFF2-40B4-BE49-F238E27FC236}">
+                <a16:creationId xmlns:a16="http://schemas.microsoft.com/office/drawing/2014/main" id="{69867176-FD67-4698-AD59-2494D8C7302D}"/>
+              </a:ext>
+            </a:extLst>
+          </p:cNvPr>
           <p:cNvSpPr>
             <a:spLocks noGrp="1"/>
           </p:cNvSpPr>
@@ -1061,7 +1047,7 @@
         </p:nvSpPr>
         <p:spPr/>
         <p:txBody>
-          <a:bodyPr rtlCol="0"/>
+          <a:bodyPr/>
           <a:lstStyle/>
           <a:p>
             <a:pPr rtl="0"/>
@@ -1071,7 +1057,13 @@
       </p:sp>
       <p:sp>
         <p:nvSpPr>
-          <p:cNvPr id="6" name="Espaço Reservado para Número de Slide 5"/>
+          <p:cNvPr id="6" name="Slide Number Placeholder 5">
+            <a:extLst>
+              <a:ext uri="{FF2B5EF4-FFF2-40B4-BE49-F238E27FC236}">
+                <a16:creationId xmlns:a16="http://schemas.microsoft.com/office/drawing/2014/main" id="{6DBDA2C5-6B1E-40F2-A061-DCCBFB970F96}"/>
+              </a:ext>
+            </a:extLst>
+          </p:cNvPr>
           <p:cNvSpPr>
             <a:spLocks noGrp="1"/>
           </p:cNvSpPr>
@@ -1081,13 +1073,13 @@
         </p:nvSpPr>
         <p:spPr/>
         <p:txBody>
-          <a:bodyPr rtlCol="0"/>
-          <a:lstStyle/>
-          <a:p>
-            <a:pPr rtl="0"/>
+          <a:bodyPr/>
+          <a:lstStyle/>
+          <a:p>
             <a:fld id="{E31375A4-56A4-47D6-9801-1991572033F7}" type="slidenum">
               <a:rPr lang="pt-BR" noProof="0" smtClean="0"/>
-              <a:t>‹nº›</a:t>
+              <a:pPr/>
+              <a:t>‹#›</a:t>
             </a:fld>
             <a:endParaRPr lang="pt-BR" noProof="0" dirty="0"/>
           </a:p>
@@ -1096,7 +1088,7 @@
     </p:spTree>
     <p:extLst>
       <p:ext uri="{BB962C8B-B14F-4D97-AF65-F5344CB8AC3E}">
-        <p14:creationId xmlns:p14="http://schemas.microsoft.com/office/powerpoint/2010/main" val="2477154221"/>
+        <p14:creationId xmlns:p14="http://schemas.microsoft.com/office/powerpoint/2010/main" val="3539909305"/>
       </p:ext>
     </p:extLst>
   </p:cSld>
@@ -1108,7 +1100,7 @@
 
 <file path=ppt/slideLayouts/slideLayout11.xml><?xml version="1.0" encoding="utf-8"?>
 <p:sldLayout xmlns:a="http://schemas.openxmlformats.org/drawingml/2006/main" xmlns:r="http://schemas.openxmlformats.org/officeDocument/2006/relationships" xmlns:p="http://schemas.openxmlformats.org/presentationml/2006/main" type="vertTitleAndTx" preserve="1">
-  <p:cSld name="Texto e Título Vertical">
+  <p:cSld name="Vertical Title and Text">
     <p:spTree>
       <p:nvGrpSpPr>
         <p:cNvPr id="1" name=""/>
@@ -1125,7 +1117,13 @@
       </p:grpSpPr>
       <p:sp>
         <p:nvSpPr>
-          <p:cNvPr id="2" name="Título Vertical 1"/>
+          <p:cNvPr id="2" name="Vertical Title 1">
+            <a:extLst>
+              <a:ext uri="{FF2B5EF4-FFF2-40B4-BE49-F238E27FC236}">
+                <a16:creationId xmlns:a16="http://schemas.microsoft.com/office/drawing/2014/main" id="{1BFDA137-29F4-47B9-BB00-73664DE6F458}"/>
+              </a:ext>
+            </a:extLst>
+          </p:cNvPr>
           <p:cNvSpPr>
             <a:spLocks noGrp="1"/>
           </p:cNvSpPr>
@@ -1135,30 +1133,31 @@
         </p:nvSpPr>
         <p:spPr>
           <a:xfrm>
-            <a:off x="8724900" y="457199"/>
-            <a:ext cx="1943100" cy="5638801"/>
+            <a:off x="8724900" y="365125"/>
+            <a:ext cx="2628900" cy="5811838"/>
           </a:xfrm>
         </p:spPr>
         <p:txBody>
-          <a:bodyPr vert="eaVert" rtlCol="0"/>
-          <a:lstStyle>
-            <a:lvl1pPr rtl="0">
-              <a:defRPr/>
-            </a:lvl1pPr>
-          </a:lstStyle>
-          <a:p>
-            <a:pPr rtl="0"/>
-            <a:r>
-              <a:rPr lang="pt-BR" noProof="0"/>
-              <a:t>Clique para editar o título Mestre</a:t>
-            </a:r>
-            <a:endParaRPr lang="pt-BR" noProof="0" dirty="0"/>
-          </a:p>
-        </p:txBody>
-      </p:sp>
-      <p:sp>
-        <p:nvSpPr>
-          <p:cNvPr id="3" name="Espaço Reservado para Texto Vertical 2"/>
+          <a:bodyPr vert="eaVert"/>
+          <a:lstStyle/>
+          <a:p>
+            <a:r>
+              <a:rPr lang="en-US"/>
+              <a:t>Click to edit Master title style</a:t>
+            </a:r>
+            <a:endParaRPr lang="pt-BR"/>
+          </a:p>
+        </p:txBody>
+      </p:sp>
+      <p:sp>
+        <p:nvSpPr>
+          <p:cNvPr id="3" name="Vertical Text Placeholder 2">
+            <a:extLst>
+              <a:ext uri="{FF2B5EF4-FFF2-40B4-BE49-F238E27FC236}">
+                <a16:creationId xmlns:a16="http://schemas.microsoft.com/office/drawing/2014/main" id="{2D3572EE-2361-45AE-9874-3F7CB3C6CDD3}"/>
+              </a:ext>
+            </a:extLst>
+          </p:cNvPr>
           <p:cNvSpPr>
             <a:spLocks noGrp="1"/>
           </p:cNvSpPr>
@@ -1168,54 +1167,60 @@
         </p:nvSpPr>
         <p:spPr>
           <a:xfrm>
-            <a:off x="1524000" y="457199"/>
-            <a:ext cx="7048500" cy="5638801"/>
+            <a:off x="838200" y="365125"/>
+            <a:ext cx="7734300" cy="5811838"/>
           </a:xfrm>
         </p:spPr>
         <p:txBody>
-          <a:bodyPr vert="eaVert" rtlCol="0"/>
-          <a:lstStyle/>
-          <a:p>
-            <a:pPr lvl="0" rtl="0"/>
-            <a:r>
-              <a:rPr lang="pt-BR" noProof="0"/>
-              <a:t>Editar estilos de texto Mestre</a:t>
-            </a:r>
-          </a:p>
-          <a:p>
-            <a:pPr lvl="1" rtl="0"/>
-            <a:r>
-              <a:rPr lang="pt-BR" noProof="0"/>
-              <a:t>Segundo nível</a:t>
-            </a:r>
-          </a:p>
-          <a:p>
-            <a:pPr lvl="2" rtl="0"/>
-            <a:r>
-              <a:rPr lang="pt-BR" noProof="0"/>
-              <a:t>Terceiro nível</a:t>
-            </a:r>
-          </a:p>
-          <a:p>
-            <a:pPr lvl="3" rtl="0"/>
-            <a:r>
-              <a:rPr lang="pt-BR" noProof="0"/>
-              <a:t>Quarto nível</a:t>
-            </a:r>
-          </a:p>
-          <a:p>
-            <a:pPr lvl="4" rtl="0"/>
-            <a:r>
-              <a:rPr lang="pt-BR" noProof="0"/>
-              <a:t>Quinto nível</a:t>
-            </a:r>
-            <a:endParaRPr lang="pt-BR" noProof="0" dirty="0"/>
-          </a:p>
-        </p:txBody>
-      </p:sp>
-      <p:sp>
-        <p:nvSpPr>
-          <p:cNvPr id="4" name="Espaço Reservado para Data 3"/>
+          <a:bodyPr vert="eaVert"/>
+          <a:lstStyle/>
+          <a:p>
+            <a:pPr lvl="0"/>
+            <a:r>
+              <a:rPr lang="en-US"/>
+              <a:t>Edit Master text styles</a:t>
+            </a:r>
+          </a:p>
+          <a:p>
+            <a:pPr lvl="1"/>
+            <a:r>
+              <a:rPr lang="en-US"/>
+              <a:t>Second level</a:t>
+            </a:r>
+          </a:p>
+          <a:p>
+            <a:pPr lvl="2"/>
+            <a:r>
+              <a:rPr lang="en-US"/>
+              <a:t>Third level</a:t>
+            </a:r>
+          </a:p>
+          <a:p>
+            <a:pPr lvl="3"/>
+            <a:r>
+              <a:rPr lang="en-US"/>
+              <a:t>Fourth level</a:t>
+            </a:r>
+          </a:p>
+          <a:p>
+            <a:pPr lvl="4"/>
+            <a:r>
+              <a:rPr lang="en-US"/>
+              <a:t>Fifth level</a:t>
+            </a:r>
+            <a:endParaRPr lang="pt-BR"/>
+          </a:p>
+        </p:txBody>
+      </p:sp>
+      <p:sp>
+        <p:nvSpPr>
+          <p:cNvPr id="4" name="Date Placeholder 3">
+            <a:extLst>
+              <a:ext uri="{FF2B5EF4-FFF2-40B4-BE49-F238E27FC236}">
+                <a16:creationId xmlns:a16="http://schemas.microsoft.com/office/drawing/2014/main" id="{85EE75AE-4E27-4243-A523-14ECC448863F}"/>
+              </a:ext>
+            </a:extLst>
+          </p:cNvPr>
           <p:cNvSpPr>
             <a:spLocks noGrp="1"/>
           </p:cNvSpPr>
@@ -1225,17 +1230,13 @@
         </p:nvSpPr>
         <p:spPr/>
         <p:txBody>
-          <a:bodyPr rtlCol="0"/>
-          <a:lstStyle>
-            <a:lvl1pPr>
-              <a:defRPr/>
-            </a:lvl1pPr>
-          </a:lstStyle>
-          <a:p>
-            <a:fld id="{22BFE731-CCCB-4F3F-8490-9D481963C25C}" type="datetime1">
+          <a:bodyPr/>
+          <a:lstStyle/>
+          <a:p>
+            <a:fld id="{E436AF61-35ED-497B-AFBC-44E1662D60CA}" type="datetime1">
               <a:rPr lang="pt-BR" noProof="0" smtClean="0"/>
               <a:pPr/>
-              <a:t>05/06/2018</a:t>
+              <a:t>16/01/2019</a:t>
             </a:fld>
             <a:endParaRPr lang="pt-BR" noProof="0" dirty="0"/>
           </a:p>
@@ -1243,7 +1244,13 @@
       </p:sp>
       <p:sp>
         <p:nvSpPr>
-          <p:cNvPr id="5" name="Espaço Reservado para Rodapé 4"/>
+          <p:cNvPr id="5" name="Footer Placeholder 4">
+            <a:extLst>
+              <a:ext uri="{FF2B5EF4-FFF2-40B4-BE49-F238E27FC236}">
+                <a16:creationId xmlns:a16="http://schemas.microsoft.com/office/drawing/2014/main" id="{A0B3E48C-6ED0-454C-90D9-C6A5C586B051}"/>
+              </a:ext>
+            </a:extLst>
+          </p:cNvPr>
           <p:cNvSpPr>
             <a:spLocks noGrp="1"/>
           </p:cNvSpPr>
@@ -1253,7 +1260,7 @@
         </p:nvSpPr>
         <p:spPr/>
         <p:txBody>
-          <a:bodyPr rtlCol="0"/>
+          <a:bodyPr/>
           <a:lstStyle/>
           <a:p>
             <a:pPr rtl="0"/>
@@ -1263,7 +1270,13 @@
       </p:sp>
       <p:sp>
         <p:nvSpPr>
-          <p:cNvPr id="6" name="Espaço Reservado para Número de Slide 5"/>
+          <p:cNvPr id="6" name="Slide Number Placeholder 5">
+            <a:extLst>
+              <a:ext uri="{FF2B5EF4-FFF2-40B4-BE49-F238E27FC236}">
+                <a16:creationId xmlns:a16="http://schemas.microsoft.com/office/drawing/2014/main" id="{44AB4511-B18E-4A5B-BBC0-B953F488D34A}"/>
+              </a:ext>
+            </a:extLst>
+          </p:cNvPr>
           <p:cNvSpPr>
             <a:spLocks noGrp="1"/>
           </p:cNvSpPr>
@@ -1273,13 +1286,13 @@
         </p:nvSpPr>
         <p:spPr/>
         <p:txBody>
-          <a:bodyPr rtlCol="0"/>
-          <a:lstStyle/>
-          <a:p>
-            <a:pPr rtl="0"/>
+          <a:bodyPr/>
+          <a:lstStyle/>
+          <a:p>
             <a:fld id="{E31375A4-56A4-47D6-9801-1991572033F7}" type="slidenum">
               <a:rPr lang="pt-BR" noProof="0" smtClean="0"/>
-              <a:t>‹nº›</a:t>
+              <a:pPr/>
+              <a:t>‹#›</a:t>
             </a:fld>
             <a:endParaRPr lang="pt-BR" noProof="0" dirty="0"/>
           </a:p>
@@ -1288,7 +1301,7 @@
     </p:spTree>
     <p:extLst>
       <p:ext uri="{BB962C8B-B14F-4D97-AF65-F5344CB8AC3E}">
-        <p14:creationId xmlns:p14="http://schemas.microsoft.com/office/powerpoint/2010/main" val="2524635021"/>
+        <p14:creationId xmlns:p14="http://schemas.microsoft.com/office/powerpoint/2010/main" val="2500584202"/>
       </p:ext>
     </p:extLst>
   </p:cSld>
@@ -1300,7 +1313,7 @@
 
 <file path=ppt/slideLayouts/slideLayout2.xml><?xml version="1.0" encoding="utf-8"?>
 <p:sldLayout xmlns:a="http://schemas.openxmlformats.org/drawingml/2006/main" xmlns:r="http://schemas.openxmlformats.org/officeDocument/2006/relationships" xmlns:p="http://schemas.openxmlformats.org/presentationml/2006/main" type="obj" preserve="1">
-  <p:cSld name="Título e Conteúdo">
+  <p:cSld name="Title and Content">
     <p:spTree>
       <p:nvGrpSpPr>
         <p:cNvPr id="1" name=""/>
@@ -1317,7 +1330,13 @@
       </p:grpSpPr>
       <p:sp>
         <p:nvSpPr>
-          <p:cNvPr id="2" name="Título 1"/>
+          <p:cNvPr id="2" name="Title 1">
+            <a:extLst>
+              <a:ext uri="{FF2B5EF4-FFF2-40B4-BE49-F238E27FC236}">
+                <a16:creationId xmlns:a16="http://schemas.microsoft.com/office/drawing/2014/main" id="{23C4B748-B9CA-47C2-ADD9-2B0A66F1FAB9}"/>
+              </a:ext>
+            </a:extLst>
+          </p:cNvPr>
           <p:cNvSpPr>
             <a:spLocks noGrp="1"/>
           </p:cNvSpPr>
@@ -1327,25 +1346,26 @@
         </p:nvSpPr>
         <p:spPr/>
         <p:txBody>
-          <a:bodyPr rtlCol="0"/>
-          <a:lstStyle>
-            <a:lvl1pPr rtl="0">
-              <a:defRPr/>
-            </a:lvl1pPr>
-          </a:lstStyle>
-          <a:p>
-            <a:pPr rtl="0"/>
-            <a:r>
-              <a:rPr lang="pt-BR" noProof="0"/>
-              <a:t>Clique para editar o título Mestre</a:t>
-            </a:r>
-            <a:endParaRPr lang="pt-BR" noProof="0" dirty="0"/>
-          </a:p>
-        </p:txBody>
-      </p:sp>
-      <p:sp>
-        <p:nvSpPr>
-          <p:cNvPr id="3" name="Espaço Reservado para Conteúdo 2"/>
+          <a:bodyPr/>
+          <a:lstStyle/>
+          <a:p>
+            <a:r>
+              <a:rPr lang="en-US"/>
+              <a:t>Click to edit Master title style</a:t>
+            </a:r>
+            <a:endParaRPr lang="pt-BR"/>
+          </a:p>
+        </p:txBody>
+      </p:sp>
+      <p:sp>
+        <p:nvSpPr>
+          <p:cNvPr id="3" name="Content Placeholder 2">
+            <a:extLst>
+              <a:ext uri="{FF2B5EF4-FFF2-40B4-BE49-F238E27FC236}">
+                <a16:creationId xmlns:a16="http://schemas.microsoft.com/office/drawing/2014/main" id="{E7FF32AB-316B-4AA3-8CAE-571A2C2442B7}"/>
+              </a:ext>
+            </a:extLst>
+          </p:cNvPr>
           <p:cNvSpPr>
             <a:spLocks noGrp="1"/>
           </p:cNvSpPr>
@@ -1355,53 +1375,55 @@
         </p:nvSpPr>
         <p:spPr/>
         <p:txBody>
-          <a:bodyPr rtlCol="0"/>
-          <a:lstStyle>
-            <a:lvl5pPr algn="l" rtl="0">
-              <a:defRPr/>
-            </a:lvl5pPr>
-          </a:lstStyle>
-          <a:p>
-            <a:pPr lvl="0" rtl="0"/>
-            <a:r>
-              <a:rPr lang="pt-BR" noProof="0"/>
-              <a:t>Editar estilos de texto Mestre</a:t>
-            </a:r>
-          </a:p>
-          <a:p>
-            <a:pPr lvl="1" rtl="0"/>
-            <a:r>
-              <a:rPr lang="pt-BR" noProof="0"/>
-              <a:t>Segundo nível</a:t>
-            </a:r>
-          </a:p>
-          <a:p>
-            <a:pPr lvl="2" rtl="0"/>
-            <a:r>
-              <a:rPr lang="pt-BR" noProof="0"/>
-              <a:t>Terceiro nível</a:t>
-            </a:r>
-          </a:p>
-          <a:p>
-            <a:pPr lvl="3" rtl="0"/>
-            <a:r>
-              <a:rPr lang="pt-BR" noProof="0"/>
-              <a:t>Quarto nível</a:t>
-            </a:r>
-          </a:p>
-          <a:p>
-            <a:pPr lvl="4" rtl="0"/>
-            <a:r>
-              <a:rPr lang="pt-BR" noProof="0"/>
-              <a:t>Quinto nível</a:t>
-            </a:r>
-            <a:endParaRPr lang="pt-BR" noProof="0" dirty="0"/>
-          </a:p>
-        </p:txBody>
-      </p:sp>
-      <p:sp>
-        <p:nvSpPr>
-          <p:cNvPr id="4" name="Espaço Reservado para Data 3"/>
+          <a:bodyPr/>
+          <a:lstStyle/>
+          <a:p>
+            <a:pPr lvl="0"/>
+            <a:r>
+              <a:rPr lang="en-US"/>
+              <a:t>Edit Master text styles</a:t>
+            </a:r>
+          </a:p>
+          <a:p>
+            <a:pPr lvl="1"/>
+            <a:r>
+              <a:rPr lang="en-US"/>
+              <a:t>Second level</a:t>
+            </a:r>
+          </a:p>
+          <a:p>
+            <a:pPr lvl="2"/>
+            <a:r>
+              <a:rPr lang="en-US"/>
+              <a:t>Third level</a:t>
+            </a:r>
+          </a:p>
+          <a:p>
+            <a:pPr lvl="3"/>
+            <a:r>
+              <a:rPr lang="en-US"/>
+              <a:t>Fourth level</a:t>
+            </a:r>
+          </a:p>
+          <a:p>
+            <a:pPr lvl="4"/>
+            <a:r>
+              <a:rPr lang="en-US"/>
+              <a:t>Fifth level</a:t>
+            </a:r>
+            <a:endParaRPr lang="pt-BR"/>
+          </a:p>
+        </p:txBody>
+      </p:sp>
+      <p:sp>
+        <p:nvSpPr>
+          <p:cNvPr id="4" name="Date Placeholder 3">
+            <a:extLst>
+              <a:ext uri="{FF2B5EF4-FFF2-40B4-BE49-F238E27FC236}">
+                <a16:creationId xmlns:a16="http://schemas.microsoft.com/office/drawing/2014/main" id="{3FE88C4A-8BF2-48FE-A43C-AB4BB3C8587E}"/>
+              </a:ext>
+            </a:extLst>
+          </p:cNvPr>
           <p:cNvSpPr>
             <a:spLocks noGrp="1"/>
           </p:cNvSpPr>
@@ -1411,17 +1433,13 @@
         </p:nvSpPr>
         <p:spPr/>
         <p:txBody>
-          <a:bodyPr rtlCol="0"/>
-          <a:lstStyle>
-            <a:lvl1pPr>
-              <a:defRPr/>
-            </a:lvl1pPr>
-          </a:lstStyle>
-          <a:p>
-            <a:fld id="{9509B53E-5F46-420C-9FC5-DAEB88ACCC36}" type="datetime1">
+          <a:bodyPr/>
+          <a:lstStyle/>
+          <a:p>
+            <a:fld id="{E436AF61-35ED-497B-AFBC-44E1662D60CA}" type="datetime1">
               <a:rPr lang="pt-BR" noProof="0" smtClean="0"/>
               <a:pPr/>
-              <a:t>05/06/2018</a:t>
+              <a:t>16/01/2019</a:t>
             </a:fld>
             <a:endParaRPr lang="pt-BR" noProof="0" dirty="0"/>
           </a:p>
@@ -1429,7 +1447,13 @@
       </p:sp>
       <p:sp>
         <p:nvSpPr>
-          <p:cNvPr id="5" name="Espaço Reservado para Rodapé 4"/>
+          <p:cNvPr id="5" name="Footer Placeholder 4">
+            <a:extLst>
+              <a:ext uri="{FF2B5EF4-FFF2-40B4-BE49-F238E27FC236}">
+                <a16:creationId xmlns:a16="http://schemas.microsoft.com/office/drawing/2014/main" id="{0D97C3B1-DFC9-490C-A791-2493F2977878}"/>
+              </a:ext>
+            </a:extLst>
+          </p:cNvPr>
           <p:cNvSpPr>
             <a:spLocks noGrp="1"/>
           </p:cNvSpPr>
@@ -1439,7 +1463,7 @@
         </p:nvSpPr>
         <p:spPr/>
         <p:txBody>
-          <a:bodyPr rtlCol="0"/>
+          <a:bodyPr/>
           <a:lstStyle/>
           <a:p>
             <a:pPr rtl="0"/>
@@ -1449,7 +1473,13 @@
       </p:sp>
       <p:sp>
         <p:nvSpPr>
-          <p:cNvPr id="6" name="Espaço Reservado para Número de Slide 5"/>
+          <p:cNvPr id="6" name="Slide Number Placeholder 5">
+            <a:extLst>
+              <a:ext uri="{FF2B5EF4-FFF2-40B4-BE49-F238E27FC236}">
+                <a16:creationId xmlns:a16="http://schemas.microsoft.com/office/drawing/2014/main" id="{6F75BEE4-698F-4DFC-9DEA-0F643FF81945}"/>
+              </a:ext>
+            </a:extLst>
+          </p:cNvPr>
           <p:cNvSpPr>
             <a:spLocks noGrp="1"/>
           </p:cNvSpPr>
@@ -1459,13 +1489,13 @@
         </p:nvSpPr>
         <p:spPr/>
         <p:txBody>
-          <a:bodyPr rtlCol="0"/>
-          <a:lstStyle/>
-          <a:p>
-            <a:pPr rtl="0"/>
+          <a:bodyPr/>
+          <a:lstStyle/>
+          <a:p>
             <a:fld id="{E31375A4-56A4-47D6-9801-1991572033F7}" type="slidenum">
               <a:rPr lang="pt-BR" noProof="0" smtClean="0"/>
-              <a:t>‹nº›</a:t>
+              <a:pPr/>
+              <a:t>‹#›</a:t>
             </a:fld>
             <a:endParaRPr lang="pt-BR" noProof="0" dirty="0"/>
           </a:p>
@@ -1474,7 +1504,7 @@
     </p:spTree>
     <p:extLst>
       <p:ext uri="{BB962C8B-B14F-4D97-AF65-F5344CB8AC3E}">
-        <p14:creationId xmlns:p14="http://schemas.microsoft.com/office/powerpoint/2010/main" val="3112444112"/>
+        <p14:creationId xmlns:p14="http://schemas.microsoft.com/office/powerpoint/2010/main" val="3806085574"/>
       </p:ext>
     </p:extLst>
   </p:cSld>
@@ -1486,7 +1516,7 @@
 
 <file path=ppt/slideLayouts/slideLayout3.xml><?xml version="1.0" encoding="utf-8"?>
 <p:sldLayout xmlns:a="http://schemas.openxmlformats.org/drawingml/2006/main" xmlns:r="http://schemas.openxmlformats.org/officeDocument/2006/relationships" xmlns:p="http://schemas.openxmlformats.org/presentationml/2006/main" type="secHead" preserve="1">
-  <p:cSld name="Cabeçalho da Seção">
+  <p:cSld name="Section Header">
     <p:spTree>
       <p:nvGrpSpPr>
         <p:cNvPr id="1" name=""/>
@@ -1503,7 +1533,13 @@
       </p:grpSpPr>
       <p:sp>
         <p:nvSpPr>
-          <p:cNvPr id="2" name="Título 1"/>
+          <p:cNvPr id="2" name="Title 1">
+            <a:extLst>
+              <a:ext uri="{FF2B5EF4-FFF2-40B4-BE49-F238E27FC236}">
+                <a16:creationId xmlns:a16="http://schemas.microsoft.com/office/drawing/2014/main" id="{44FD0219-ADA3-4232-98F8-F3AABD3284A7}"/>
+              </a:ext>
+            </a:extLst>
+          </p:cNvPr>
           <p:cNvSpPr>
             <a:spLocks noGrp="1"/>
           </p:cNvSpPr>
@@ -1513,112 +1549,241 @@
         </p:nvSpPr>
         <p:spPr>
           <a:xfrm>
-            <a:off x="1524000" y="1828800"/>
-            <a:ext cx="9144000" cy="2743200"/>
+            <a:off x="831850" y="1709738"/>
+            <a:ext cx="10515600" cy="2852737"/>
           </a:xfrm>
         </p:spPr>
         <p:txBody>
-          <a:bodyPr rtlCol="0" anchor="b">
-            <a:normAutofit/>
-          </a:bodyPr>
+          <a:bodyPr anchor="b"/>
           <a:lstStyle>
-            <a:lvl1pPr algn="l" rtl="0">
-              <a:defRPr sz="5400">
+            <a:lvl1pPr>
+              <a:defRPr sz="6000"/>
+            </a:lvl1pPr>
+          </a:lstStyle>
+          <a:p>
+            <a:r>
+              <a:rPr lang="en-US"/>
+              <a:t>Click to edit Master title style</a:t>
+            </a:r>
+            <a:endParaRPr lang="pt-BR"/>
+          </a:p>
+        </p:txBody>
+      </p:sp>
+      <p:sp>
+        <p:nvSpPr>
+          <p:cNvPr id="3" name="Text Placeholder 2">
+            <a:extLst>
+              <a:ext uri="{FF2B5EF4-FFF2-40B4-BE49-F238E27FC236}">
+                <a16:creationId xmlns:a16="http://schemas.microsoft.com/office/drawing/2014/main" id="{A81F926F-4250-4961-ACE2-BA05A18EC530}"/>
+              </a:ext>
+            </a:extLst>
+          </p:cNvPr>
+          <p:cNvSpPr>
+            <a:spLocks noGrp="1"/>
+          </p:cNvSpPr>
+          <p:nvPr>
+            <p:ph type="body" idx="1"/>
+          </p:nvPr>
+        </p:nvSpPr>
+        <p:spPr>
+          <a:xfrm>
+            <a:off x="831850" y="4589463"/>
+            <a:ext cx="10515600" cy="1500187"/>
+          </a:xfrm>
+        </p:spPr>
+        <p:txBody>
+          <a:bodyPr/>
+          <a:lstStyle>
+            <a:lvl1pPr marL="0" indent="0">
+              <a:buNone/>
+              <a:defRPr sz="2400">
                 <a:solidFill>
-                  <a:schemeClr val="tx1"/>
+                  <a:schemeClr val="tx1">
+                    <a:tint val="75000"/>
+                  </a:schemeClr>
                 </a:solidFill>
               </a:defRPr>
             </a:lvl1pPr>
-          </a:lstStyle>
-          <a:p>
-            <a:pPr rtl="0"/>
-            <a:r>
-              <a:rPr lang="pt-BR" noProof="0"/>
-              <a:t>Clique para editar o título Mestre</a:t>
-            </a:r>
-            <a:endParaRPr lang="pt-BR" noProof="0" dirty="0"/>
-          </a:p>
-        </p:txBody>
-      </p:sp>
-      <p:sp>
-        <p:nvSpPr>
-          <p:cNvPr id="3" name="Espaço Reservado para Texto 2"/>
-          <p:cNvSpPr>
-            <a:spLocks noGrp="1"/>
-          </p:cNvSpPr>
-          <p:nvPr>
-            <p:ph type="body" idx="1"/>
-          </p:nvPr>
-        </p:nvSpPr>
-        <p:spPr>
-          <a:xfrm>
-            <a:off x="1524000" y="4589463"/>
-            <a:ext cx="9144000" cy="1506537"/>
-          </a:xfrm>
-        </p:spPr>
-        <p:txBody>
-          <a:bodyPr rtlCol="0">
-            <a:normAutofit/>
-          </a:bodyPr>
-          <a:lstStyle>
-            <a:lvl1pPr marL="0" indent="0" algn="l" rtl="0">
-              <a:spcBef>
-                <a:spcPts val="0"/>
-              </a:spcBef>
+            <a:lvl2pPr marL="457200" indent="0">
               <a:buNone/>
               <a:defRPr sz="2000">
                 <a:solidFill>
-                  <a:schemeClr val="accent1"/>
+                  <a:schemeClr val="tx1">
+                    <a:tint val="75000"/>
+                  </a:schemeClr>
                 </a:solidFill>
-                <a:latin typeface="+mj-lt"/>
               </a:defRPr>
-            </a:lvl1pPr>
-            <a:lvl2pPr marL="457200" indent="0" algn="l" rtl="0">
+            </a:lvl2pPr>
+            <a:lvl3pPr marL="914400" indent="0">
               <a:buNone/>
-              <a:defRPr sz="2000"/>
-            </a:lvl2pPr>
-            <a:lvl3pPr marL="914400" indent="0" algn="l" rtl="0">
+              <a:defRPr sz="1800">
+                <a:solidFill>
+                  <a:schemeClr val="tx1">
+                    <a:tint val="75000"/>
+                  </a:schemeClr>
+                </a:solidFill>
+              </a:defRPr>
+            </a:lvl3pPr>
+            <a:lvl4pPr marL="1371600" indent="0">
               <a:buNone/>
-              <a:defRPr sz="1800"/>
-            </a:lvl3pPr>
-            <a:lvl4pPr marL="1371600" indent="0" algn="l" rtl="0">
+              <a:defRPr sz="1600">
+                <a:solidFill>
+                  <a:schemeClr val="tx1">
+                    <a:tint val="75000"/>
+                  </a:schemeClr>
+                </a:solidFill>
+              </a:defRPr>
+            </a:lvl4pPr>
+            <a:lvl5pPr marL="1828800" indent="0">
               <a:buNone/>
-              <a:defRPr sz="1600"/>
-            </a:lvl4pPr>
-            <a:lvl5pPr marL="1828800" indent="0" algn="l" rtl="0">
+              <a:defRPr sz="1600">
+                <a:solidFill>
+                  <a:schemeClr val="tx1">
+                    <a:tint val="75000"/>
+                  </a:schemeClr>
+                </a:solidFill>
+              </a:defRPr>
+            </a:lvl5pPr>
+            <a:lvl6pPr marL="2286000" indent="0">
               <a:buNone/>
-              <a:defRPr sz="1600"/>
-            </a:lvl5pPr>
-            <a:lvl6pPr marL="2286000" indent="0" algn="l" rtl="0">
+              <a:defRPr sz="1600">
+                <a:solidFill>
+                  <a:schemeClr val="tx1">
+                    <a:tint val="75000"/>
+                  </a:schemeClr>
+                </a:solidFill>
+              </a:defRPr>
+            </a:lvl6pPr>
+            <a:lvl7pPr marL="2743200" indent="0">
               <a:buNone/>
-              <a:defRPr sz="1600"/>
-            </a:lvl6pPr>
-            <a:lvl7pPr marL="2743200" indent="0" algn="l" rtl="0">
+              <a:defRPr sz="1600">
+                <a:solidFill>
+                  <a:schemeClr val="tx1">
+                    <a:tint val="75000"/>
+                  </a:schemeClr>
+                </a:solidFill>
+              </a:defRPr>
+            </a:lvl7pPr>
+            <a:lvl8pPr marL="3200400" indent="0">
               <a:buNone/>
-              <a:defRPr sz="1600"/>
-            </a:lvl7pPr>
-            <a:lvl8pPr marL="3200400" indent="0" algn="l" rtl="0">
+              <a:defRPr sz="1600">
+                <a:solidFill>
+                  <a:schemeClr val="tx1">
+                    <a:tint val="75000"/>
+                  </a:schemeClr>
+                </a:solidFill>
+              </a:defRPr>
+            </a:lvl8pPr>
+            <a:lvl9pPr marL="3657600" indent="0">
               <a:buNone/>
-              <a:defRPr sz="1600"/>
-            </a:lvl8pPr>
-            <a:lvl9pPr marL="3657600" indent="0" algn="l" rtl="0">
-              <a:buNone/>
-              <a:defRPr sz="1600"/>
+              <a:defRPr sz="1600">
+                <a:solidFill>
+                  <a:schemeClr val="tx1">
+                    <a:tint val="75000"/>
+                  </a:schemeClr>
+                </a:solidFill>
+              </a:defRPr>
             </a:lvl9pPr>
           </a:lstStyle>
           <a:p>
-            <a:pPr lvl="0" rtl="0"/>
-            <a:r>
-              <a:rPr lang="pt-BR" noProof="0"/>
-              <a:t>Editar estilos de texto Mestre</a:t>
-            </a:r>
+            <a:pPr lvl="0"/>
+            <a:r>
+              <a:rPr lang="en-US"/>
+              <a:t>Edit Master text styles</a:t>
+            </a:r>
+          </a:p>
+        </p:txBody>
+      </p:sp>
+      <p:sp>
+        <p:nvSpPr>
+          <p:cNvPr id="4" name="Date Placeholder 3">
+            <a:extLst>
+              <a:ext uri="{FF2B5EF4-FFF2-40B4-BE49-F238E27FC236}">
+                <a16:creationId xmlns:a16="http://schemas.microsoft.com/office/drawing/2014/main" id="{8D89A2FD-0EE5-4538-A816-38A7F2255A3C}"/>
+              </a:ext>
+            </a:extLst>
+          </p:cNvPr>
+          <p:cNvSpPr>
+            <a:spLocks noGrp="1"/>
+          </p:cNvSpPr>
+          <p:nvPr>
+            <p:ph type="dt" sz="half" idx="10"/>
+          </p:nvPr>
+        </p:nvSpPr>
+        <p:spPr/>
+        <p:txBody>
+          <a:bodyPr/>
+          <a:lstStyle/>
+          <a:p>
+            <a:fld id="{E436AF61-35ED-497B-AFBC-44E1662D60CA}" type="datetime1">
+              <a:rPr lang="pt-BR" noProof="0" smtClean="0"/>
+              <a:pPr/>
+              <a:t>16/01/2019</a:t>
+            </a:fld>
+            <a:endParaRPr lang="pt-BR" noProof="0" dirty="0"/>
+          </a:p>
+        </p:txBody>
+      </p:sp>
+      <p:sp>
+        <p:nvSpPr>
+          <p:cNvPr id="5" name="Footer Placeholder 4">
+            <a:extLst>
+              <a:ext uri="{FF2B5EF4-FFF2-40B4-BE49-F238E27FC236}">
+                <a16:creationId xmlns:a16="http://schemas.microsoft.com/office/drawing/2014/main" id="{165F0EA4-EC3E-4135-B527-F83498E7E811}"/>
+              </a:ext>
+            </a:extLst>
+          </p:cNvPr>
+          <p:cNvSpPr>
+            <a:spLocks noGrp="1"/>
+          </p:cNvSpPr>
+          <p:nvPr>
+            <p:ph type="ftr" sz="quarter" idx="11"/>
+          </p:nvPr>
+        </p:nvSpPr>
+        <p:spPr/>
+        <p:txBody>
+          <a:bodyPr/>
+          <a:lstStyle/>
+          <a:p>
+            <a:pPr rtl="0"/>
+            <a:endParaRPr lang="pt-BR" noProof="0" dirty="0"/>
+          </a:p>
+        </p:txBody>
+      </p:sp>
+      <p:sp>
+        <p:nvSpPr>
+          <p:cNvPr id="6" name="Slide Number Placeholder 5">
+            <a:extLst>
+              <a:ext uri="{FF2B5EF4-FFF2-40B4-BE49-F238E27FC236}">
+                <a16:creationId xmlns:a16="http://schemas.microsoft.com/office/drawing/2014/main" id="{760E0935-F07D-40A9-85C8-BA3D229725DF}"/>
+              </a:ext>
+            </a:extLst>
+          </p:cNvPr>
+          <p:cNvSpPr>
+            <a:spLocks noGrp="1"/>
+          </p:cNvSpPr>
+          <p:nvPr>
+            <p:ph type="sldNum" sz="quarter" idx="12"/>
+          </p:nvPr>
+        </p:nvSpPr>
+        <p:spPr/>
+        <p:txBody>
+          <a:bodyPr/>
+          <a:lstStyle/>
+          <a:p>
+            <a:fld id="{E31375A4-56A4-47D6-9801-1991572033F7}" type="slidenum">
+              <a:rPr lang="pt-BR" noProof="0" smtClean="0"/>
+              <a:pPr/>
+              <a:t>‹#›</a:t>
+            </a:fld>
+            <a:endParaRPr lang="pt-BR" noProof="0" dirty="0"/>
           </a:p>
         </p:txBody>
       </p:sp>
     </p:spTree>
     <p:extLst>
       <p:ext uri="{BB962C8B-B14F-4D97-AF65-F5344CB8AC3E}">
-        <p14:creationId xmlns:p14="http://schemas.microsoft.com/office/powerpoint/2010/main" val="3506778040"/>
+        <p14:creationId xmlns:p14="http://schemas.microsoft.com/office/powerpoint/2010/main" val="2822859209"/>
       </p:ext>
     </p:extLst>
   </p:cSld>
@@ -1630,7 +1795,7 @@
 
 <file path=ppt/slideLayouts/slideLayout4.xml><?xml version="1.0" encoding="utf-8"?>
 <p:sldLayout xmlns:a="http://schemas.openxmlformats.org/drawingml/2006/main" xmlns:r="http://schemas.openxmlformats.org/officeDocument/2006/relationships" xmlns:p="http://schemas.openxmlformats.org/presentationml/2006/main" type="twoObj" preserve="1">
-  <p:cSld name="Dois Conteúdos">
+  <p:cSld name="Two Content">
     <p:spTree>
       <p:nvGrpSpPr>
         <p:cNvPr id="1" name=""/>
@@ -1647,7 +1812,13 @@
       </p:grpSpPr>
       <p:sp>
         <p:nvSpPr>
-          <p:cNvPr id="2" name="Título 1"/>
+          <p:cNvPr id="2" name="Title 1">
+            <a:extLst>
+              <a:ext uri="{FF2B5EF4-FFF2-40B4-BE49-F238E27FC236}">
+                <a16:creationId xmlns:a16="http://schemas.microsoft.com/office/drawing/2014/main" id="{644E69E3-EC14-4A6D-9B1A-D9E6DBAD91F8}"/>
+              </a:ext>
+            </a:extLst>
+          </p:cNvPr>
           <p:cNvSpPr>
             <a:spLocks noGrp="1"/>
           </p:cNvSpPr>
@@ -1657,25 +1828,26 @@
         </p:nvSpPr>
         <p:spPr/>
         <p:txBody>
-          <a:bodyPr rtlCol="0"/>
-          <a:lstStyle>
-            <a:lvl1pPr rtl="0">
-              <a:defRPr/>
-            </a:lvl1pPr>
-          </a:lstStyle>
-          <a:p>
-            <a:pPr rtl="0"/>
-            <a:r>
-              <a:rPr lang="pt-BR" noProof="0"/>
-              <a:t>Clique para editar o título Mestre</a:t>
-            </a:r>
-            <a:endParaRPr lang="pt-BR" noProof="0" dirty="0"/>
-          </a:p>
-        </p:txBody>
-      </p:sp>
-      <p:sp>
-        <p:nvSpPr>
-          <p:cNvPr id="3" name="Espaço Reservado para Conteúdo 2"/>
+          <a:bodyPr/>
+          <a:lstStyle/>
+          <a:p>
+            <a:r>
+              <a:rPr lang="en-US"/>
+              <a:t>Click to edit Master title style</a:t>
+            </a:r>
+            <a:endParaRPr lang="pt-BR"/>
+          </a:p>
+        </p:txBody>
+      </p:sp>
+      <p:sp>
+        <p:nvSpPr>
+          <p:cNvPr id="3" name="Content Placeholder 2">
+            <a:extLst>
+              <a:ext uri="{FF2B5EF4-FFF2-40B4-BE49-F238E27FC236}">
+                <a16:creationId xmlns:a16="http://schemas.microsoft.com/office/drawing/2014/main" id="{F6A17220-851D-4A4E-9F98-9DFE8C616380}"/>
+              </a:ext>
+            </a:extLst>
+          </p:cNvPr>
           <p:cNvSpPr>
             <a:spLocks noGrp="1"/>
           </p:cNvSpPr>
@@ -1685,84 +1857,60 @@
         </p:nvSpPr>
         <p:spPr>
           <a:xfrm>
-            <a:off x="1524000" y="1825625"/>
-            <a:ext cx="4343400" cy="4270375"/>
+            <a:off x="838200" y="1825625"/>
+            <a:ext cx="5181600" cy="4351338"/>
           </a:xfrm>
         </p:spPr>
         <p:txBody>
-          <a:bodyPr rtlCol="0">
-            <a:normAutofit/>
-          </a:bodyPr>
-          <a:lstStyle>
-            <a:lvl1pPr algn="l" rtl="0">
-              <a:defRPr sz="2000"/>
-            </a:lvl1pPr>
-            <a:lvl2pPr algn="l" rtl="0">
-              <a:defRPr sz="1800"/>
-            </a:lvl2pPr>
-            <a:lvl3pPr algn="l" rtl="0">
-              <a:defRPr sz="1600"/>
-            </a:lvl3pPr>
-            <a:lvl4pPr algn="l" rtl="0">
-              <a:defRPr sz="1400"/>
-            </a:lvl4pPr>
-            <a:lvl5pPr algn="l" rtl="0">
-              <a:defRPr sz="1400"/>
-            </a:lvl5pPr>
-            <a:lvl6pPr algn="l" rtl="0">
-              <a:defRPr sz="1400"/>
-            </a:lvl6pPr>
-            <a:lvl7pPr algn="l" rtl="0">
-              <a:defRPr sz="1400"/>
-            </a:lvl7pPr>
-            <a:lvl8pPr algn="l" rtl="0">
-              <a:defRPr sz="1400"/>
-            </a:lvl8pPr>
-            <a:lvl9pPr algn="l" rtl="0">
-              <a:defRPr sz="1400"/>
-            </a:lvl9pPr>
-          </a:lstStyle>
-          <a:p>
-            <a:pPr lvl="0" rtl="0"/>
-            <a:r>
-              <a:rPr lang="pt-BR" noProof="0"/>
-              <a:t>Editar estilos de texto Mestre</a:t>
-            </a:r>
-          </a:p>
-          <a:p>
-            <a:pPr lvl="1" rtl="0"/>
-            <a:r>
-              <a:rPr lang="pt-BR" noProof="0"/>
-              <a:t>Segundo nível</a:t>
-            </a:r>
-          </a:p>
-          <a:p>
-            <a:pPr lvl="2" rtl="0"/>
-            <a:r>
-              <a:rPr lang="pt-BR" noProof="0"/>
-              <a:t>Terceiro nível</a:t>
-            </a:r>
-          </a:p>
-          <a:p>
-            <a:pPr lvl="3" rtl="0"/>
-            <a:r>
-              <a:rPr lang="pt-BR" noProof="0"/>
-              <a:t>Quarto nível</a:t>
-            </a:r>
-          </a:p>
-          <a:p>
-            <a:pPr lvl="4" rtl="0"/>
-            <a:r>
-              <a:rPr lang="pt-BR" noProof="0"/>
-              <a:t>Quinto nível</a:t>
-            </a:r>
-            <a:endParaRPr lang="pt-BR" noProof="0" dirty="0"/>
-          </a:p>
-        </p:txBody>
-      </p:sp>
-      <p:sp>
-        <p:nvSpPr>
-          <p:cNvPr id="4" name="Espaço Reservado para Conteúdo 3"/>
+          <a:bodyPr/>
+          <a:lstStyle/>
+          <a:p>
+            <a:pPr lvl="0"/>
+            <a:r>
+              <a:rPr lang="en-US"/>
+              <a:t>Edit Master text styles</a:t>
+            </a:r>
+          </a:p>
+          <a:p>
+            <a:pPr lvl="1"/>
+            <a:r>
+              <a:rPr lang="en-US"/>
+              <a:t>Second level</a:t>
+            </a:r>
+          </a:p>
+          <a:p>
+            <a:pPr lvl="2"/>
+            <a:r>
+              <a:rPr lang="en-US"/>
+              <a:t>Third level</a:t>
+            </a:r>
+          </a:p>
+          <a:p>
+            <a:pPr lvl="3"/>
+            <a:r>
+              <a:rPr lang="en-US"/>
+              <a:t>Fourth level</a:t>
+            </a:r>
+          </a:p>
+          <a:p>
+            <a:pPr lvl="4"/>
+            <a:r>
+              <a:rPr lang="en-US"/>
+              <a:t>Fifth level</a:t>
+            </a:r>
+            <a:endParaRPr lang="pt-BR"/>
+          </a:p>
+        </p:txBody>
+      </p:sp>
+      <p:sp>
+        <p:nvSpPr>
+          <p:cNvPr id="4" name="Content Placeholder 3">
+            <a:extLst>
+              <a:ext uri="{FF2B5EF4-FFF2-40B4-BE49-F238E27FC236}">
+                <a16:creationId xmlns:a16="http://schemas.microsoft.com/office/drawing/2014/main" id="{7C534A67-AB07-461C-BD7E-5FA02F1C6BBB}"/>
+              </a:ext>
+            </a:extLst>
+          </p:cNvPr>
           <p:cNvSpPr>
             <a:spLocks noGrp="1"/>
           </p:cNvSpPr>
@@ -1772,84 +1920,60 @@
         </p:nvSpPr>
         <p:spPr>
           <a:xfrm>
-            <a:off x="6324600" y="1825625"/>
-            <a:ext cx="4343400" cy="4270375"/>
+            <a:off x="6172200" y="1825625"/>
+            <a:ext cx="5181600" cy="4351338"/>
           </a:xfrm>
         </p:spPr>
         <p:txBody>
-          <a:bodyPr rtlCol="0">
-            <a:normAutofit/>
-          </a:bodyPr>
-          <a:lstStyle>
-            <a:lvl1pPr algn="l" rtl="0">
-              <a:defRPr sz="2000"/>
-            </a:lvl1pPr>
-            <a:lvl2pPr algn="l" rtl="0">
-              <a:defRPr sz="1800"/>
-            </a:lvl2pPr>
-            <a:lvl3pPr algn="l" rtl="0">
-              <a:defRPr sz="1600"/>
-            </a:lvl3pPr>
-            <a:lvl4pPr algn="l" rtl="0">
-              <a:defRPr sz="1400"/>
-            </a:lvl4pPr>
-            <a:lvl5pPr algn="l" rtl="0">
-              <a:defRPr sz="1400"/>
-            </a:lvl5pPr>
-            <a:lvl6pPr algn="l" rtl="0">
-              <a:defRPr sz="1400"/>
-            </a:lvl6pPr>
-            <a:lvl7pPr algn="l" rtl="0">
-              <a:defRPr sz="1400"/>
-            </a:lvl7pPr>
-            <a:lvl8pPr algn="l" rtl="0">
-              <a:defRPr sz="1400"/>
-            </a:lvl8pPr>
-            <a:lvl9pPr algn="l" rtl="0">
-              <a:defRPr sz="1400"/>
-            </a:lvl9pPr>
-          </a:lstStyle>
-          <a:p>
-            <a:pPr lvl="0" rtl="0"/>
-            <a:r>
-              <a:rPr lang="pt-BR" noProof="0"/>
-              <a:t>Editar estilos de texto Mestre</a:t>
-            </a:r>
-          </a:p>
-          <a:p>
-            <a:pPr lvl="1" rtl="0"/>
-            <a:r>
-              <a:rPr lang="pt-BR" noProof="0"/>
-              <a:t>Segundo nível</a:t>
-            </a:r>
-          </a:p>
-          <a:p>
-            <a:pPr lvl="2" rtl="0"/>
-            <a:r>
-              <a:rPr lang="pt-BR" noProof="0"/>
-              <a:t>Terceiro nível</a:t>
-            </a:r>
-          </a:p>
-          <a:p>
-            <a:pPr lvl="3" rtl="0"/>
-            <a:r>
-              <a:rPr lang="pt-BR" noProof="0"/>
-              <a:t>Quarto nível</a:t>
-            </a:r>
-          </a:p>
-          <a:p>
-            <a:pPr lvl="4" rtl="0"/>
-            <a:r>
-              <a:rPr lang="pt-BR" noProof="0"/>
-              <a:t>Quinto nível</a:t>
-            </a:r>
-            <a:endParaRPr lang="pt-BR" noProof="0" dirty="0"/>
-          </a:p>
-        </p:txBody>
-      </p:sp>
-      <p:sp>
-        <p:nvSpPr>
-          <p:cNvPr id="5" name="Espaço Reservado para Data 4"/>
+          <a:bodyPr/>
+          <a:lstStyle/>
+          <a:p>
+            <a:pPr lvl="0"/>
+            <a:r>
+              <a:rPr lang="en-US"/>
+              <a:t>Edit Master text styles</a:t>
+            </a:r>
+          </a:p>
+          <a:p>
+            <a:pPr lvl="1"/>
+            <a:r>
+              <a:rPr lang="en-US"/>
+              <a:t>Second level</a:t>
+            </a:r>
+          </a:p>
+          <a:p>
+            <a:pPr lvl="2"/>
+            <a:r>
+              <a:rPr lang="en-US"/>
+              <a:t>Third level</a:t>
+            </a:r>
+          </a:p>
+          <a:p>
+            <a:pPr lvl="3"/>
+            <a:r>
+              <a:rPr lang="en-US"/>
+              <a:t>Fourth level</a:t>
+            </a:r>
+          </a:p>
+          <a:p>
+            <a:pPr lvl="4"/>
+            <a:r>
+              <a:rPr lang="en-US"/>
+              <a:t>Fifth level</a:t>
+            </a:r>
+            <a:endParaRPr lang="pt-BR"/>
+          </a:p>
+        </p:txBody>
+      </p:sp>
+      <p:sp>
+        <p:nvSpPr>
+          <p:cNvPr id="5" name="Date Placeholder 4">
+            <a:extLst>
+              <a:ext uri="{FF2B5EF4-FFF2-40B4-BE49-F238E27FC236}">
+                <a16:creationId xmlns:a16="http://schemas.microsoft.com/office/drawing/2014/main" id="{CDC0D6B4-7D44-4299-A1F3-7C6F9D4E2DA9}"/>
+              </a:ext>
+            </a:extLst>
+          </p:cNvPr>
           <p:cNvSpPr>
             <a:spLocks noGrp="1"/>
           </p:cNvSpPr>
@@ -1859,17 +1983,13 @@
         </p:nvSpPr>
         <p:spPr/>
         <p:txBody>
-          <a:bodyPr rtlCol="0"/>
-          <a:lstStyle>
-            <a:lvl1pPr>
-              <a:defRPr/>
-            </a:lvl1pPr>
-          </a:lstStyle>
-          <a:p>
-            <a:fld id="{E7E64EAC-5602-4386-82F0-40AD884218D6}" type="datetime1">
+          <a:bodyPr/>
+          <a:lstStyle/>
+          <a:p>
+            <a:fld id="{E436AF61-35ED-497B-AFBC-44E1662D60CA}" type="datetime1">
               <a:rPr lang="pt-BR" noProof="0" smtClean="0"/>
               <a:pPr/>
-              <a:t>05/06/2018</a:t>
+              <a:t>16/01/2019</a:t>
             </a:fld>
             <a:endParaRPr lang="pt-BR" noProof="0" dirty="0"/>
           </a:p>
@@ -1877,7 +1997,13 @@
       </p:sp>
       <p:sp>
         <p:nvSpPr>
-          <p:cNvPr id="6" name="Espaço Reservado para Rodapé 5"/>
+          <p:cNvPr id="6" name="Footer Placeholder 5">
+            <a:extLst>
+              <a:ext uri="{FF2B5EF4-FFF2-40B4-BE49-F238E27FC236}">
+                <a16:creationId xmlns:a16="http://schemas.microsoft.com/office/drawing/2014/main" id="{1558AF62-2A61-498B-B297-EDB91B541BF0}"/>
+              </a:ext>
+            </a:extLst>
+          </p:cNvPr>
           <p:cNvSpPr>
             <a:spLocks noGrp="1"/>
           </p:cNvSpPr>
@@ -1887,7 +2013,7 @@
         </p:nvSpPr>
         <p:spPr/>
         <p:txBody>
-          <a:bodyPr rtlCol="0"/>
+          <a:bodyPr/>
           <a:lstStyle/>
           <a:p>
             <a:pPr rtl="0"/>
@@ -1897,7 +2023,13 @@
       </p:sp>
       <p:sp>
         <p:nvSpPr>
-          <p:cNvPr id="7" name="Espaço Reservado para Número de Slide 6"/>
+          <p:cNvPr id="7" name="Slide Number Placeholder 6">
+            <a:extLst>
+              <a:ext uri="{FF2B5EF4-FFF2-40B4-BE49-F238E27FC236}">
+                <a16:creationId xmlns:a16="http://schemas.microsoft.com/office/drawing/2014/main" id="{78E6B5AC-B55C-43B1-A9DC-076FA76C8B5F}"/>
+              </a:ext>
+            </a:extLst>
+          </p:cNvPr>
           <p:cNvSpPr>
             <a:spLocks noGrp="1"/>
           </p:cNvSpPr>
@@ -1907,13 +2039,13 @@
         </p:nvSpPr>
         <p:spPr/>
         <p:txBody>
-          <a:bodyPr rtlCol="0"/>
-          <a:lstStyle/>
-          <a:p>
-            <a:pPr rtl="0"/>
+          <a:bodyPr/>
+          <a:lstStyle/>
+          <a:p>
             <a:fld id="{E31375A4-56A4-47D6-9801-1991572033F7}" type="slidenum">
               <a:rPr lang="pt-BR" noProof="0" smtClean="0"/>
-              <a:t>‹nº›</a:t>
+              <a:pPr/>
+              <a:t>‹#›</a:t>
             </a:fld>
             <a:endParaRPr lang="pt-BR" noProof="0" dirty="0"/>
           </a:p>
@@ -1922,7 +2054,7 @@
     </p:spTree>
     <p:extLst>
       <p:ext uri="{BB962C8B-B14F-4D97-AF65-F5344CB8AC3E}">
-        <p14:creationId xmlns:p14="http://schemas.microsoft.com/office/powerpoint/2010/main" val="4044567947"/>
+        <p14:creationId xmlns:p14="http://schemas.microsoft.com/office/powerpoint/2010/main" val="1632532639"/>
       </p:ext>
     </p:extLst>
   </p:cSld>
@@ -1934,7 +2066,7 @@
 
 <file path=ppt/slideLayouts/slideLayout5.xml><?xml version="1.0" encoding="utf-8"?>
 <p:sldLayout xmlns:a="http://schemas.openxmlformats.org/drawingml/2006/main" xmlns:r="http://schemas.openxmlformats.org/officeDocument/2006/relationships" xmlns:p="http://schemas.openxmlformats.org/presentationml/2006/main" type="twoTxTwoObj" preserve="1">
-  <p:cSld name="Comparação">
+  <p:cSld name="Comparison">
     <p:spTree>
       <p:nvGrpSpPr>
         <p:cNvPr id="1" name=""/>
@@ -1951,109 +2083,118 @@
       </p:grpSpPr>
       <p:sp>
         <p:nvSpPr>
-          <p:cNvPr id="2" name="Título 1"/>
+          <p:cNvPr id="2" name="Title 1">
+            <a:extLst>
+              <a:ext uri="{FF2B5EF4-FFF2-40B4-BE49-F238E27FC236}">
+                <a16:creationId xmlns:a16="http://schemas.microsoft.com/office/drawing/2014/main" id="{4722D109-11FE-43E4-81BC-2370B8F0EAB2}"/>
+              </a:ext>
+            </a:extLst>
+          </p:cNvPr>
           <p:cNvSpPr>
             <a:spLocks noGrp="1"/>
           </p:cNvSpPr>
           <p:nvPr>
             <p:ph type="title"/>
-          </p:nvPr>
-        </p:nvSpPr>
-        <p:spPr/>
-        <p:txBody>
-          <a:bodyPr rtlCol="0"/>
-          <a:lstStyle>
-            <a:lvl1pPr rtl="0">
-              <a:defRPr/>
-            </a:lvl1pPr>
-          </a:lstStyle>
-          <a:p>
-            <a:pPr rtl="0"/>
-            <a:r>
-              <a:rPr lang="pt-BR" noProof="0"/>
-              <a:t>Clique para editar o título Mestre</a:t>
-            </a:r>
-            <a:endParaRPr lang="pt-BR" noProof="0" dirty="0"/>
-          </a:p>
-        </p:txBody>
-      </p:sp>
-      <p:sp>
-        <p:nvSpPr>
-          <p:cNvPr id="3" name="Espaço Reservado para Texto 2"/>
-          <p:cNvSpPr>
-            <a:spLocks noGrp="1"/>
-          </p:cNvSpPr>
-          <p:nvPr>
-            <p:ph type="body" idx="1"/>
           </p:nvPr>
         </p:nvSpPr>
         <p:spPr>
           <a:xfrm>
-            <a:off x="1527048" y="1828800"/>
-            <a:ext cx="4343400" cy="685800"/>
+            <a:off x="839788" y="365125"/>
+            <a:ext cx="10515600" cy="1325563"/>
           </a:xfrm>
         </p:spPr>
         <p:txBody>
-          <a:bodyPr rtlCol="0" anchor="ctr">
-            <a:normAutofit/>
-          </a:bodyPr>
+          <a:bodyPr/>
+          <a:lstStyle/>
+          <a:p>
+            <a:r>
+              <a:rPr lang="en-US"/>
+              <a:t>Click to edit Master title style</a:t>
+            </a:r>
+            <a:endParaRPr lang="pt-BR"/>
+          </a:p>
+        </p:txBody>
+      </p:sp>
+      <p:sp>
+        <p:nvSpPr>
+          <p:cNvPr id="3" name="Text Placeholder 2">
+            <a:extLst>
+              <a:ext uri="{FF2B5EF4-FFF2-40B4-BE49-F238E27FC236}">
+                <a16:creationId xmlns:a16="http://schemas.microsoft.com/office/drawing/2014/main" id="{8A94C9C0-B566-4099-874A-B30D9353F528}"/>
+              </a:ext>
+            </a:extLst>
+          </p:cNvPr>
+          <p:cNvSpPr>
+            <a:spLocks noGrp="1"/>
+          </p:cNvSpPr>
+          <p:nvPr>
+            <p:ph type="body" idx="1"/>
+          </p:nvPr>
+        </p:nvSpPr>
+        <p:spPr>
+          <a:xfrm>
+            <a:off x="839788" y="1681163"/>
+            <a:ext cx="5157787" cy="823912"/>
+          </a:xfrm>
+        </p:spPr>
+        <p:txBody>
+          <a:bodyPr anchor="b"/>
           <a:lstStyle>
-            <a:lvl1pPr marL="0" indent="0" algn="l" rtl="0">
-              <a:spcBef>
-                <a:spcPts val="0"/>
-              </a:spcBef>
+            <a:lvl1pPr marL="0" indent="0">
               <a:buNone/>
-              <a:defRPr sz="2200" b="0">
-                <a:solidFill>
-                  <a:schemeClr val="tx1"/>
-                </a:solidFill>
-              </a:defRPr>
+              <a:defRPr sz="2400" b="1"/>
             </a:lvl1pPr>
-            <a:lvl2pPr marL="457200" indent="0" algn="l" rtl="0">
+            <a:lvl2pPr marL="457200" indent="0">
               <a:buNone/>
               <a:defRPr sz="2000" b="1"/>
             </a:lvl2pPr>
-            <a:lvl3pPr marL="914400" indent="0" algn="l" rtl="0">
+            <a:lvl3pPr marL="914400" indent="0">
               <a:buNone/>
               <a:defRPr sz="1800" b="1"/>
             </a:lvl3pPr>
-            <a:lvl4pPr marL="1371600" indent="0" algn="l" rtl="0">
+            <a:lvl4pPr marL="1371600" indent="0">
               <a:buNone/>
               <a:defRPr sz="1600" b="1"/>
             </a:lvl4pPr>
-            <a:lvl5pPr marL="1828800" indent="0" algn="l" rtl="0">
+            <a:lvl5pPr marL="1828800" indent="0">
               <a:buNone/>
               <a:defRPr sz="1600" b="1"/>
             </a:lvl5pPr>
-            <a:lvl6pPr marL="2286000" indent="0" algn="l" rtl="0">
+            <a:lvl6pPr marL="2286000" indent="0">
               <a:buNone/>
               <a:defRPr sz="1600" b="1"/>
             </a:lvl6pPr>
-            <a:lvl7pPr marL="2743200" indent="0" algn="l" rtl="0">
+            <a:lvl7pPr marL="2743200" indent="0">
               <a:buNone/>
               <a:defRPr sz="1600" b="1"/>
             </a:lvl7pPr>
-            <a:lvl8pPr marL="3200400" indent="0" algn="l" rtl="0">
+            <a:lvl8pPr marL="3200400" indent="0">
               <a:buNone/>
               <a:defRPr sz="1600" b="1"/>
             </a:lvl8pPr>
-            <a:lvl9pPr marL="3657600" indent="0" algn="l" rtl="0">
+            <a:lvl9pPr marL="3657600" indent="0">
               <a:buNone/>
               <a:defRPr sz="1600" b="1"/>
             </a:lvl9pPr>
           </a:lstStyle>
           <a:p>
-            <a:pPr lvl="0" rtl="0"/>
-            <a:r>
-              <a:rPr lang="pt-BR" noProof="0"/>
-              <a:t>Editar estilos de texto Mestre</a:t>
-            </a:r>
-          </a:p>
-        </p:txBody>
-      </p:sp>
-      <p:sp>
-        <p:nvSpPr>
-          <p:cNvPr id="4" name="Espaço Reservado para Conteúdo 3"/>
+            <a:pPr lvl="0"/>
+            <a:r>
+              <a:rPr lang="en-US"/>
+              <a:t>Edit Master text styles</a:t>
+            </a:r>
+          </a:p>
+        </p:txBody>
+      </p:sp>
+      <p:sp>
+        <p:nvSpPr>
+          <p:cNvPr id="4" name="Content Placeholder 3">
+            <a:extLst>
+              <a:ext uri="{FF2B5EF4-FFF2-40B4-BE49-F238E27FC236}">
+                <a16:creationId xmlns:a16="http://schemas.microsoft.com/office/drawing/2014/main" id="{AB6EFA67-D1B2-49A4-A388-2CA131828078}"/>
+              </a:ext>
+            </a:extLst>
+          </p:cNvPr>
           <p:cNvSpPr>
             <a:spLocks noGrp="1"/>
           </p:cNvSpPr>
@@ -2063,84 +2204,60 @@
         </p:nvSpPr>
         <p:spPr>
           <a:xfrm>
-            <a:off x="1527048" y="2514600"/>
-            <a:ext cx="4343400" cy="3581401"/>
+            <a:off x="839788" y="2505075"/>
+            <a:ext cx="5157787" cy="3684588"/>
           </a:xfrm>
         </p:spPr>
         <p:txBody>
-          <a:bodyPr rtlCol="0">
-            <a:normAutofit/>
-          </a:bodyPr>
-          <a:lstStyle>
-            <a:lvl1pPr algn="l" rtl="0">
-              <a:defRPr sz="2000"/>
-            </a:lvl1pPr>
-            <a:lvl2pPr algn="l" rtl="0">
-              <a:defRPr sz="1800"/>
-            </a:lvl2pPr>
-            <a:lvl3pPr algn="l" rtl="0">
-              <a:defRPr sz="1600"/>
-            </a:lvl3pPr>
-            <a:lvl4pPr algn="l" rtl="0">
-              <a:defRPr sz="1400"/>
-            </a:lvl4pPr>
-            <a:lvl5pPr algn="l" rtl="0">
-              <a:defRPr sz="1400"/>
-            </a:lvl5pPr>
-            <a:lvl6pPr algn="l" rtl="0">
-              <a:defRPr sz="1400"/>
-            </a:lvl6pPr>
-            <a:lvl7pPr algn="l" rtl="0">
-              <a:defRPr sz="1400"/>
-            </a:lvl7pPr>
-            <a:lvl8pPr algn="l" rtl="0">
-              <a:defRPr sz="1400"/>
-            </a:lvl8pPr>
-            <a:lvl9pPr algn="l" rtl="0">
-              <a:defRPr sz="1400"/>
-            </a:lvl9pPr>
-          </a:lstStyle>
-          <a:p>
-            <a:pPr lvl="0" rtl="0"/>
-            <a:r>
-              <a:rPr lang="pt-BR" noProof="0"/>
-              <a:t>Editar estilos de texto Mestre</a:t>
-            </a:r>
-          </a:p>
-          <a:p>
-            <a:pPr lvl="1" rtl="0"/>
-            <a:r>
-              <a:rPr lang="pt-BR" noProof="0"/>
-              <a:t>Segundo nível</a:t>
-            </a:r>
-          </a:p>
-          <a:p>
-            <a:pPr lvl="2" rtl="0"/>
-            <a:r>
-              <a:rPr lang="pt-BR" noProof="0"/>
-              <a:t>Terceiro nível</a:t>
-            </a:r>
-          </a:p>
-          <a:p>
-            <a:pPr lvl="3" rtl="0"/>
-            <a:r>
-              <a:rPr lang="pt-BR" noProof="0"/>
-              <a:t>Quarto nível</a:t>
-            </a:r>
-          </a:p>
-          <a:p>
-            <a:pPr lvl="4" rtl="0"/>
-            <a:r>
-              <a:rPr lang="pt-BR" noProof="0"/>
-              <a:t>Quinto nível</a:t>
-            </a:r>
-            <a:endParaRPr lang="pt-BR" noProof="0" dirty="0"/>
-          </a:p>
-        </p:txBody>
-      </p:sp>
-      <p:sp>
-        <p:nvSpPr>
-          <p:cNvPr id="5" name="Espaço Reservado para Texto 4"/>
+          <a:bodyPr/>
+          <a:lstStyle/>
+          <a:p>
+            <a:pPr lvl="0"/>
+            <a:r>
+              <a:rPr lang="en-US"/>
+              <a:t>Edit Master text styles</a:t>
+            </a:r>
+          </a:p>
+          <a:p>
+            <a:pPr lvl="1"/>
+            <a:r>
+              <a:rPr lang="en-US"/>
+              <a:t>Second level</a:t>
+            </a:r>
+          </a:p>
+          <a:p>
+            <a:pPr lvl="2"/>
+            <a:r>
+              <a:rPr lang="en-US"/>
+              <a:t>Third level</a:t>
+            </a:r>
+          </a:p>
+          <a:p>
+            <a:pPr lvl="3"/>
+            <a:r>
+              <a:rPr lang="en-US"/>
+              <a:t>Fourth level</a:t>
+            </a:r>
+          </a:p>
+          <a:p>
+            <a:pPr lvl="4"/>
+            <a:r>
+              <a:rPr lang="en-US"/>
+              <a:t>Fifth level</a:t>
+            </a:r>
+            <a:endParaRPr lang="pt-BR"/>
+          </a:p>
+        </p:txBody>
+      </p:sp>
+      <p:sp>
+        <p:nvSpPr>
+          <p:cNvPr id="5" name="Text Placeholder 4">
+            <a:extLst>
+              <a:ext uri="{FF2B5EF4-FFF2-40B4-BE49-F238E27FC236}">
+                <a16:creationId xmlns:a16="http://schemas.microsoft.com/office/drawing/2014/main" id="{B911D95B-3B0E-435C-9330-0DF0C4A30C7E}"/>
+              </a:ext>
+            </a:extLst>
+          </p:cNvPr>
           <p:cNvSpPr>
             <a:spLocks noGrp="1"/>
           </p:cNvSpPr>
@@ -2150,71 +2267,68 @@
         </p:nvSpPr>
         <p:spPr>
           <a:xfrm>
-            <a:off x="6327648" y="1828800"/>
-            <a:ext cx="4343400" cy="685800"/>
+            <a:off x="6172200" y="1681163"/>
+            <a:ext cx="5183188" cy="823912"/>
           </a:xfrm>
         </p:spPr>
         <p:txBody>
-          <a:bodyPr rtlCol="0" anchor="ctr">
-            <a:normAutofit/>
-          </a:bodyPr>
+          <a:bodyPr anchor="b"/>
           <a:lstStyle>
-            <a:lvl1pPr marL="0" indent="0" algn="l" rtl="0">
-              <a:spcBef>
-                <a:spcPts val="0"/>
-              </a:spcBef>
+            <a:lvl1pPr marL="0" indent="0">
               <a:buNone/>
-              <a:defRPr sz="2200" b="0">
-                <a:solidFill>
-                  <a:schemeClr val="tx1"/>
-                </a:solidFill>
-              </a:defRPr>
+              <a:defRPr sz="2400" b="1"/>
             </a:lvl1pPr>
-            <a:lvl2pPr marL="457200" indent="0" algn="l" rtl="0">
+            <a:lvl2pPr marL="457200" indent="0">
               <a:buNone/>
               <a:defRPr sz="2000" b="1"/>
             </a:lvl2pPr>
-            <a:lvl3pPr marL="914400" indent="0" algn="l" rtl="0">
+            <a:lvl3pPr marL="914400" indent="0">
               <a:buNone/>
               <a:defRPr sz="1800" b="1"/>
             </a:lvl3pPr>
-            <a:lvl4pPr marL="1371600" indent="0" algn="l" rtl="0">
+            <a:lvl4pPr marL="1371600" indent="0">
               <a:buNone/>
               <a:defRPr sz="1600" b="1"/>
             </a:lvl4pPr>
-            <a:lvl5pPr marL="1828800" indent="0" algn="l" rtl="0">
+            <a:lvl5pPr marL="1828800" indent="0">
               <a:buNone/>
               <a:defRPr sz="1600" b="1"/>
             </a:lvl5pPr>
-            <a:lvl6pPr marL="2286000" indent="0" algn="l" rtl="0">
+            <a:lvl6pPr marL="2286000" indent="0">
               <a:buNone/>
               <a:defRPr sz="1600" b="1"/>
             </a:lvl6pPr>
-            <a:lvl7pPr marL="2743200" indent="0" algn="l" rtl="0">
+            <a:lvl7pPr marL="2743200" indent="0">
               <a:buNone/>
               <a:defRPr sz="1600" b="1"/>
             </a:lvl7pPr>
-            <a:lvl8pPr marL="3200400" indent="0" algn="l" rtl="0">
+            <a:lvl8pPr marL="3200400" indent="0">
               <a:buNone/>
               <a:defRPr sz="1600" b="1"/>
             </a:lvl8pPr>
-            <a:lvl9pPr marL="3657600" indent="0" algn="l" rtl="0">
+            <a:lvl9pPr marL="3657600" indent="0">
               <a:buNone/>
               <a:defRPr sz="1600" b="1"/>
             </a:lvl9pPr>
           </a:lstStyle>
           <a:p>
-            <a:pPr lvl="0" rtl="0"/>
-            <a:r>
-              <a:rPr lang="pt-BR" noProof="0"/>
-              <a:t>Editar estilos de texto Mestre</a:t>
-            </a:r>
-          </a:p>
-        </p:txBody>
-      </p:sp>
-      <p:sp>
-        <p:nvSpPr>
-          <p:cNvPr id="6" name="Espaço Reservado para Conteúdo 5"/>
+            <a:pPr lvl="0"/>
+            <a:r>
+              <a:rPr lang="en-US"/>
+              <a:t>Edit Master text styles</a:t>
+            </a:r>
+          </a:p>
+        </p:txBody>
+      </p:sp>
+      <p:sp>
+        <p:nvSpPr>
+          <p:cNvPr id="6" name="Content Placeholder 5">
+            <a:extLst>
+              <a:ext uri="{FF2B5EF4-FFF2-40B4-BE49-F238E27FC236}">
+                <a16:creationId xmlns:a16="http://schemas.microsoft.com/office/drawing/2014/main" id="{DCDACB8D-206B-44D1-9DF1-56F5CE4DC2F0}"/>
+              </a:ext>
+            </a:extLst>
+          </p:cNvPr>
           <p:cNvSpPr>
             <a:spLocks noGrp="1"/>
           </p:cNvSpPr>
@@ -2224,84 +2338,60 @@
         </p:nvSpPr>
         <p:spPr>
           <a:xfrm>
-            <a:off x="6327648" y="2514600"/>
-            <a:ext cx="4343400" cy="3581401"/>
+            <a:off x="6172200" y="2505075"/>
+            <a:ext cx="5183188" cy="3684588"/>
           </a:xfrm>
         </p:spPr>
         <p:txBody>
-          <a:bodyPr rtlCol="0">
-            <a:normAutofit/>
-          </a:bodyPr>
-          <a:lstStyle>
-            <a:lvl1pPr algn="l" rtl="0">
-              <a:defRPr sz="2000"/>
-            </a:lvl1pPr>
-            <a:lvl2pPr algn="l" rtl="0">
-              <a:defRPr sz="1800"/>
-            </a:lvl2pPr>
-            <a:lvl3pPr algn="l" rtl="0">
-              <a:defRPr sz="1600"/>
-            </a:lvl3pPr>
-            <a:lvl4pPr algn="l" rtl="0">
-              <a:defRPr sz="1400"/>
-            </a:lvl4pPr>
-            <a:lvl5pPr algn="l" rtl="0">
-              <a:defRPr sz="1400"/>
-            </a:lvl5pPr>
-            <a:lvl6pPr algn="l" rtl="0">
-              <a:defRPr sz="1400"/>
-            </a:lvl6pPr>
-            <a:lvl7pPr algn="l" rtl="0">
-              <a:defRPr sz="1400"/>
-            </a:lvl7pPr>
-            <a:lvl8pPr algn="l" rtl="0">
-              <a:defRPr sz="1400"/>
-            </a:lvl8pPr>
-            <a:lvl9pPr algn="l" rtl="0">
-              <a:defRPr sz="1400"/>
-            </a:lvl9pPr>
-          </a:lstStyle>
-          <a:p>
-            <a:pPr lvl="0" rtl="0"/>
-            <a:r>
-              <a:rPr lang="pt-BR" noProof="0"/>
-              <a:t>Editar estilos de texto Mestre</a:t>
-            </a:r>
-          </a:p>
-          <a:p>
-            <a:pPr lvl="1" rtl="0"/>
-            <a:r>
-              <a:rPr lang="pt-BR" noProof="0"/>
-              <a:t>Segundo nível</a:t>
-            </a:r>
-          </a:p>
-          <a:p>
-            <a:pPr lvl="2" rtl="0"/>
-            <a:r>
-              <a:rPr lang="pt-BR" noProof="0"/>
-              <a:t>Terceiro nível</a:t>
-            </a:r>
-          </a:p>
-          <a:p>
-            <a:pPr lvl="3" rtl="0"/>
-            <a:r>
-              <a:rPr lang="pt-BR" noProof="0"/>
-              <a:t>Quarto nível</a:t>
-            </a:r>
-          </a:p>
-          <a:p>
-            <a:pPr lvl="4" rtl="0"/>
-            <a:r>
-              <a:rPr lang="pt-BR" noProof="0"/>
-              <a:t>Quinto nível</a:t>
-            </a:r>
-            <a:endParaRPr lang="pt-BR" noProof="0" dirty="0"/>
-          </a:p>
-        </p:txBody>
-      </p:sp>
-      <p:sp>
-        <p:nvSpPr>
-          <p:cNvPr id="7" name="Espaço Reservado para Data 6"/>
+          <a:bodyPr/>
+          <a:lstStyle/>
+          <a:p>
+            <a:pPr lvl="0"/>
+            <a:r>
+              <a:rPr lang="en-US"/>
+              <a:t>Edit Master text styles</a:t>
+            </a:r>
+          </a:p>
+          <a:p>
+            <a:pPr lvl="1"/>
+            <a:r>
+              <a:rPr lang="en-US"/>
+              <a:t>Second level</a:t>
+            </a:r>
+          </a:p>
+          <a:p>
+            <a:pPr lvl="2"/>
+            <a:r>
+              <a:rPr lang="en-US"/>
+              <a:t>Third level</a:t>
+            </a:r>
+          </a:p>
+          <a:p>
+            <a:pPr lvl="3"/>
+            <a:r>
+              <a:rPr lang="en-US"/>
+              <a:t>Fourth level</a:t>
+            </a:r>
+          </a:p>
+          <a:p>
+            <a:pPr lvl="4"/>
+            <a:r>
+              <a:rPr lang="en-US"/>
+              <a:t>Fifth level</a:t>
+            </a:r>
+            <a:endParaRPr lang="pt-BR"/>
+          </a:p>
+        </p:txBody>
+      </p:sp>
+      <p:sp>
+        <p:nvSpPr>
+          <p:cNvPr id="7" name="Date Placeholder 6">
+            <a:extLst>
+              <a:ext uri="{FF2B5EF4-FFF2-40B4-BE49-F238E27FC236}">
+                <a16:creationId xmlns:a16="http://schemas.microsoft.com/office/drawing/2014/main" id="{96169E3D-02AA-4AE8-BDD3-F9EED53E8567}"/>
+              </a:ext>
+            </a:extLst>
+          </p:cNvPr>
           <p:cNvSpPr>
             <a:spLocks noGrp="1"/>
           </p:cNvSpPr>
@@ -2311,17 +2401,13 @@
         </p:nvSpPr>
         <p:spPr/>
         <p:txBody>
-          <a:bodyPr rtlCol="0"/>
-          <a:lstStyle>
-            <a:lvl1pPr>
-              <a:defRPr/>
-            </a:lvl1pPr>
-          </a:lstStyle>
-          <a:p>
-            <a:fld id="{7A9F0ECE-4690-40DC-8016-3D7B9FECC6A6}" type="datetime1">
+          <a:bodyPr/>
+          <a:lstStyle/>
+          <a:p>
+            <a:fld id="{E436AF61-35ED-497B-AFBC-44E1662D60CA}" type="datetime1">
               <a:rPr lang="pt-BR" noProof="0" smtClean="0"/>
               <a:pPr/>
-              <a:t>05/06/2018</a:t>
+              <a:t>16/01/2019</a:t>
             </a:fld>
             <a:endParaRPr lang="pt-BR" noProof="0" dirty="0"/>
           </a:p>
@@ -2329,7 +2415,13 @@
       </p:sp>
       <p:sp>
         <p:nvSpPr>
-          <p:cNvPr id="8" name="Espaço Reservado para Rodapé 7"/>
+          <p:cNvPr id="8" name="Footer Placeholder 7">
+            <a:extLst>
+              <a:ext uri="{FF2B5EF4-FFF2-40B4-BE49-F238E27FC236}">
+                <a16:creationId xmlns:a16="http://schemas.microsoft.com/office/drawing/2014/main" id="{97369C4E-A4EB-4A54-AE19-BB839488F38B}"/>
+              </a:ext>
+            </a:extLst>
+          </p:cNvPr>
           <p:cNvSpPr>
             <a:spLocks noGrp="1"/>
           </p:cNvSpPr>
@@ -2339,7 +2431,7 @@
         </p:nvSpPr>
         <p:spPr/>
         <p:txBody>
-          <a:bodyPr rtlCol="0"/>
+          <a:bodyPr/>
           <a:lstStyle/>
           <a:p>
             <a:pPr rtl="0"/>
@@ -2349,7 +2441,13 @@
       </p:sp>
       <p:sp>
         <p:nvSpPr>
-          <p:cNvPr id="9" name="Espaço Reservado para o Número do Slide 8"/>
+          <p:cNvPr id="9" name="Slide Number Placeholder 8">
+            <a:extLst>
+              <a:ext uri="{FF2B5EF4-FFF2-40B4-BE49-F238E27FC236}">
+                <a16:creationId xmlns:a16="http://schemas.microsoft.com/office/drawing/2014/main" id="{41D8B8D9-D105-492E-AAF6-DC731F8FAA43}"/>
+              </a:ext>
+            </a:extLst>
+          </p:cNvPr>
           <p:cNvSpPr>
             <a:spLocks noGrp="1"/>
           </p:cNvSpPr>
@@ -2359,13 +2457,13 @@
         </p:nvSpPr>
         <p:spPr/>
         <p:txBody>
-          <a:bodyPr rtlCol="0"/>
-          <a:lstStyle/>
-          <a:p>
-            <a:pPr rtl="0"/>
+          <a:bodyPr/>
+          <a:lstStyle/>
+          <a:p>
             <a:fld id="{E31375A4-56A4-47D6-9801-1991572033F7}" type="slidenum">
               <a:rPr lang="pt-BR" noProof="0" smtClean="0"/>
-              <a:t>‹nº›</a:t>
+              <a:pPr/>
+              <a:t>‹#›</a:t>
             </a:fld>
             <a:endParaRPr lang="pt-BR" noProof="0" dirty="0"/>
           </a:p>
@@ -2374,7 +2472,7 @@
     </p:spTree>
     <p:extLst>
       <p:ext uri="{BB962C8B-B14F-4D97-AF65-F5344CB8AC3E}">
-        <p14:creationId xmlns:p14="http://schemas.microsoft.com/office/powerpoint/2010/main" val="3397906568"/>
+        <p14:creationId xmlns:p14="http://schemas.microsoft.com/office/powerpoint/2010/main" val="3451634076"/>
       </p:ext>
     </p:extLst>
   </p:cSld>
@@ -2386,7 +2484,7 @@
 
 <file path=ppt/slideLayouts/slideLayout6.xml><?xml version="1.0" encoding="utf-8"?>
 <p:sldLayout xmlns:a="http://schemas.openxmlformats.org/drawingml/2006/main" xmlns:r="http://schemas.openxmlformats.org/officeDocument/2006/relationships" xmlns:p="http://schemas.openxmlformats.org/presentationml/2006/main" type="titleOnly" preserve="1">
-  <p:cSld name="Somente Título">
+  <p:cSld name="Title Only">
     <p:spTree>
       <p:nvGrpSpPr>
         <p:cNvPr id="1" name=""/>
@@ -2403,7 +2501,13 @@
       </p:grpSpPr>
       <p:sp>
         <p:nvSpPr>
-          <p:cNvPr id="2" name="Título 1"/>
+          <p:cNvPr id="2" name="Title 1">
+            <a:extLst>
+              <a:ext uri="{FF2B5EF4-FFF2-40B4-BE49-F238E27FC236}">
+                <a16:creationId xmlns:a16="http://schemas.microsoft.com/office/drawing/2014/main" id="{1CED14A2-16B6-4AB4-B21A-BBB37B6DABA1}"/>
+              </a:ext>
+            </a:extLst>
+          </p:cNvPr>
           <p:cNvSpPr>
             <a:spLocks noGrp="1"/>
           </p:cNvSpPr>
@@ -2413,25 +2517,26 @@
         </p:nvSpPr>
         <p:spPr/>
         <p:txBody>
-          <a:bodyPr rtlCol="0"/>
-          <a:lstStyle>
-            <a:lvl1pPr rtl="0">
-              <a:defRPr/>
-            </a:lvl1pPr>
-          </a:lstStyle>
-          <a:p>
-            <a:pPr rtl="0"/>
-            <a:r>
-              <a:rPr lang="pt-BR" noProof="0"/>
-              <a:t>Clique para editar o título Mestre</a:t>
-            </a:r>
-            <a:endParaRPr lang="pt-BR" noProof="0" dirty="0"/>
-          </a:p>
-        </p:txBody>
-      </p:sp>
-      <p:sp>
-        <p:nvSpPr>
-          <p:cNvPr id="3" name="Espaço Reservado para Data 2"/>
+          <a:bodyPr/>
+          <a:lstStyle/>
+          <a:p>
+            <a:r>
+              <a:rPr lang="en-US"/>
+              <a:t>Click to edit Master title style</a:t>
+            </a:r>
+            <a:endParaRPr lang="pt-BR"/>
+          </a:p>
+        </p:txBody>
+      </p:sp>
+      <p:sp>
+        <p:nvSpPr>
+          <p:cNvPr id="3" name="Date Placeholder 2">
+            <a:extLst>
+              <a:ext uri="{FF2B5EF4-FFF2-40B4-BE49-F238E27FC236}">
+                <a16:creationId xmlns:a16="http://schemas.microsoft.com/office/drawing/2014/main" id="{31EC9FE1-4588-48B6-AE23-54AFCAD8E322}"/>
+              </a:ext>
+            </a:extLst>
+          </p:cNvPr>
           <p:cNvSpPr>
             <a:spLocks noGrp="1"/>
           </p:cNvSpPr>
@@ -2441,17 +2546,13 @@
         </p:nvSpPr>
         <p:spPr/>
         <p:txBody>
-          <a:bodyPr rtlCol="0"/>
-          <a:lstStyle>
-            <a:lvl1pPr>
-              <a:defRPr/>
-            </a:lvl1pPr>
-          </a:lstStyle>
-          <a:p>
-            <a:fld id="{7D2E0B61-5964-4D91-A168-D7CB792A2B2D}" type="datetime1">
+          <a:bodyPr/>
+          <a:lstStyle/>
+          <a:p>
+            <a:fld id="{E436AF61-35ED-497B-AFBC-44E1662D60CA}" type="datetime1">
               <a:rPr lang="pt-BR" noProof="0" smtClean="0"/>
               <a:pPr/>
-              <a:t>05/06/2018</a:t>
+              <a:t>16/01/2019</a:t>
             </a:fld>
             <a:endParaRPr lang="pt-BR" noProof="0" dirty="0"/>
           </a:p>
@@ -2459,7 +2560,13 @@
       </p:sp>
       <p:sp>
         <p:nvSpPr>
-          <p:cNvPr id="4" name="Espaço Reservado para Rodapé 3"/>
+          <p:cNvPr id="4" name="Footer Placeholder 3">
+            <a:extLst>
+              <a:ext uri="{FF2B5EF4-FFF2-40B4-BE49-F238E27FC236}">
+                <a16:creationId xmlns:a16="http://schemas.microsoft.com/office/drawing/2014/main" id="{3DE61026-567D-4065-AF13-C468E6D29347}"/>
+              </a:ext>
+            </a:extLst>
+          </p:cNvPr>
           <p:cNvSpPr>
             <a:spLocks noGrp="1"/>
           </p:cNvSpPr>
@@ -2469,7 +2576,7 @@
         </p:nvSpPr>
         <p:spPr/>
         <p:txBody>
-          <a:bodyPr rtlCol="0"/>
+          <a:bodyPr/>
           <a:lstStyle/>
           <a:p>
             <a:pPr rtl="0"/>
@@ -2479,7 +2586,13 @@
       </p:sp>
       <p:sp>
         <p:nvSpPr>
-          <p:cNvPr id="5" name="Espaço Reservado para Número de Slide 4"/>
+          <p:cNvPr id="5" name="Slide Number Placeholder 4">
+            <a:extLst>
+              <a:ext uri="{FF2B5EF4-FFF2-40B4-BE49-F238E27FC236}">
+                <a16:creationId xmlns:a16="http://schemas.microsoft.com/office/drawing/2014/main" id="{CB1A1301-4937-4F1F-AB0F-A5D310EFB689}"/>
+              </a:ext>
+            </a:extLst>
+          </p:cNvPr>
           <p:cNvSpPr>
             <a:spLocks noGrp="1"/>
           </p:cNvSpPr>
@@ -2489,13 +2602,13 @@
         </p:nvSpPr>
         <p:spPr/>
         <p:txBody>
-          <a:bodyPr rtlCol="0"/>
-          <a:lstStyle/>
-          <a:p>
-            <a:pPr rtl="0"/>
+          <a:bodyPr/>
+          <a:lstStyle/>
+          <a:p>
             <a:fld id="{E31375A4-56A4-47D6-9801-1991572033F7}" type="slidenum">
               <a:rPr lang="pt-BR" noProof="0" smtClean="0"/>
-              <a:t>‹nº›</a:t>
+              <a:pPr/>
+              <a:t>‹#›</a:t>
             </a:fld>
             <a:endParaRPr lang="pt-BR" noProof="0" dirty="0"/>
           </a:p>
@@ -2504,7 +2617,7 @@
     </p:spTree>
     <p:extLst>
       <p:ext uri="{BB962C8B-B14F-4D97-AF65-F5344CB8AC3E}">
-        <p14:creationId xmlns:p14="http://schemas.microsoft.com/office/powerpoint/2010/main" val="3238976713"/>
+        <p14:creationId xmlns:p14="http://schemas.microsoft.com/office/powerpoint/2010/main" val="4233121328"/>
       </p:ext>
     </p:extLst>
   </p:cSld>
@@ -2516,7 +2629,7 @@
 
 <file path=ppt/slideLayouts/slideLayout7.xml><?xml version="1.0" encoding="utf-8"?>
 <p:sldLayout xmlns:a="http://schemas.openxmlformats.org/drawingml/2006/main" xmlns:r="http://schemas.openxmlformats.org/officeDocument/2006/relationships" xmlns:p="http://schemas.openxmlformats.org/presentationml/2006/main" type="blank" preserve="1">
-  <p:cSld name="Em branco">
+  <p:cSld name="Blank">
     <p:spTree>
       <p:nvGrpSpPr>
         <p:cNvPr id="1" name=""/>
@@ -2533,7 +2646,13 @@
       </p:grpSpPr>
       <p:sp>
         <p:nvSpPr>
-          <p:cNvPr id="2" name="Espaço Reservado para Data 1"/>
+          <p:cNvPr id="2" name="Date Placeholder 1">
+            <a:extLst>
+              <a:ext uri="{FF2B5EF4-FFF2-40B4-BE49-F238E27FC236}">
+                <a16:creationId xmlns:a16="http://schemas.microsoft.com/office/drawing/2014/main" id="{45969E8C-6EB3-4A49-A5C5-194A49C845D7}"/>
+              </a:ext>
+            </a:extLst>
+          </p:cNvPr>
           <p:cNvSpPr>
             <a:spLocks noGrp="1"/>
           </p:cNvSpPr>
@@ -2543,17 +2662,13 @@
         </p:nvSpPr>
         <p:spPr/>
         <p:txBody>
-          <a:bodyPr rtlCol="0"/>
-          <a:lstStyle>
-            <a:lvl1pPr>
-              <a:defRPr/>
-            </a:lvl1pPr>
-          </a:lstStyle>
-          <a:p>
-            <a:fld id="{14555902-7965-4B4C-B9FC-820C063D4756}" type="datetime1">
+          <a:bodyPr/>
+          <a:lstStyle/>
+          <a:p>
+            <a:fld id="{E436AF61-35ED-497B-AFBC-44E1662D60CA}" type="datetime1">
               <a:rPr lang="pt-BR" noProof="0" smtClean="0"/>
               <a:pPr/>
-              <a:t>05/06/2018</a:t>
+              <a:t>16/01/2019</a:t>
             </a:fld>
             <a:endParaRPr lang="pt-BR" noProof="0" dirty="0"/>
           </a:p>
@@ -2561,7 +2676,13 @@
       </p:sp>
       <p:sp>
         <p:nvSpPr>
-          <p:cNvPr id="3" name="Espaço Reservado para Rodapé 2"/>
+          <p:cNvPr id="3" name="Footer Placeholder 2">
+            <a:extLst>
+              <a:ext uri="{FF2B5EF4-FFF2-40B4-BE49-F238E27FC236}">
+                <a16:creationId xmlns:a16="http://schemas.microsoft.com/office/drawing/2014/main" id="{2409BB0B-E428-4C70-8753-A21E2BC747A3}"/>
+              </a:ext>
+            </a:extLst>
+          </p:cNvPr>
           <p:cNvSpPr>
             <a:spLocks noGrp="1"/>
           </p:cNvSpPr>
@@ -2571,7 +2692,7 @@
         </p:nvSpPr>
         <p:spPr/>
         <p:txBody>
-          <a:bodyPr rtlCol="0"/>
+          <a:bodyPr/>
           <a:lstStyle/>
           <a:p>
             <a:pPr rtl="0"/>
@@ -2581,7 +2702,13 @@
       </p:sp>
       <p:sp>
         <p:nvSpPr>
-          <p:cNvPr id="4" name="Espaço Reservado para Número de Slide 3"/>
+          <p:cNvPr id="4" name="Slide Number Placeholder 3">
+            <a:extLst>
+              <a:ext uri="{FF2B5EF4-FFF2-40B4-BE49-F238E27FC236}">
+                <a16:creationId xmlns:a16="http://schemas.microsoft.com/office/drawing/2014/main" id="{1139B7ED-736B-4FA9-B56C-A708D2B9586B}"/>
+              </a:ext>
+            </a:extLst>
+          </p:cNvPr>
           <p:cNvSpPr>
             <a:spLocks noGrp="1"/>
           </p:cNvSpPr>
@@ -2591,13 +2718,13 @@
         </p:nvSpPr>
         <p:spPr/>
         <p:txBody>
-          <a:bodyPr rtlCol="0"/>
-          <a:lstStyle/>
-          <a:p>
-            <a:pPr rtl="0"/>
+          <a:bodyPr/>
+          <a:lstStyle/>
+          <a:p>
             <a:fld id="{E31375A4-56A4-47D6-9801-1991572033F7}" type="slidenum">
               <a:rPr lang="pt-BR" noProof="0" smtClean="0"/>
-              <a:t>‹nº›</a:t>
+              <a:pPr/>
+              <a:t>‹#›</a:t>
             </a:fld>
             <a:endParaRPr lang="pt-BR" noProof="0" dirty="0"/>
           </a:p>
@@ -2606,7 +2733,7 @@
     </p:spTree>
     <p:extLst>
       <p:ext uri="{BB962C8B-B14F-4D97-AF65-F5344CB8AC3E}">
-        <p14:creationId xmlns:p14="http://schemas.microsoft.com/office/powerpoint/2010/main" val="2146817227"/>
+        <p14:creationId xmlns:p14="http://schemas.microsoft.com/office/powerpoint/2010/main" val="3634951083"/>
       </p:ext>
     </p:extLst>
   </p:cSld>
@@ -2617,8 +2744,8 @@
 </file>
 
 <file path=ppt/slideLayouts/slideLayout8.xml><?xml version="1.0" encoding="utf-8"?>
-<p:sldLayout xmlns:a="http://schemas.openxmlformats.org/drawingml/2006/main" xmlns:r="http://schemas.openxmlformats.org/officeDocument/2006/relationships" xmlns:p="http://schemas.openxmlformats.org/presentationml/2006/main" preserve="1" userDrawn="1">
-  <p:cSld name="Conteúdo com Legenda">
+<p:sldLayout xmlns:a="http://schemas.openxmlformats.org/drawingml/2006/main" xmlns:r="http://schemas.openxmlformats.org/officeDocument/2006/relationships" xmlns:p="http://schemas.openxmlformats.org/presentationml/2006/main" type="objTx" preserve="1">
+  <p:cSld name="Content with Caption">
     <p:spTree>
       <p:nvGrpSpPr>
         <p:cNvPr id="1" name=""/>
@@ -2635,7 +2762,13 @@
       </p:grpSpPr>
       <p:sp>
         <p:nvSpPr>
-          <p:cNvPr id="2" name="Título 1"/>
+          <p:cNvPr id="2" name="Title 1">
+            <a:extLst>
+              <a:ext uri="{FF2B5EF4-FFF2-40B4-BE49-F238E27FC236}">
+                <a16:creationId xmlns:a16="http://schemas.microsoft.com/office/drawing/2014/main" id="{75841F56-4498-4075-911E-0AC98808BB1B}"/>
+              </a:ext>
+            </a:extLst>
+          </p:cNvPr>
           <p:cNvSpPr>
             <a:spLocks noGrp="1"/>
           </p:cNvSpPr>
@@ -2645,32 +2778,35 @@
         </p:nvSpPr>
         <p:spPr>
           <a:xfrm>
-            <a:off x="8002587" y="1600200"/>
-            <a:ext cx="3122613" cy="1828800"/>
+            <a:off x="839788" y="457200"/>
+            <a:ext cx="3932237" cy="1600200"/>
           </a:xfrm>
         </p:spPr>
         <p:txBody>
-          <a:bodyPr rtlCol="0" anchor="b">
-            <a:normAutofit/>
-          </a:bodyPr>
+          <a:bodyPr anchor="b"/>
           <a:lstStyle>
-            <a:lvl1pPr algn="l" rtl="0">
-              <a:defRPr sz="3400"/>
+            <a:lvl1pPr>
+              <a:defRPr sz="3200"/>
             </a:lvl1pPr>
           </a:lstStyle>
           <a:p>
-            <a:pPr rtl="0"/>
-            <a:r>
-              <a:rPr lang="pt-BR" noProof="0"/>
-              <a:t>Clique para editar o título Mestre</a:t>
-            </a:r>
-            <a:endParaRPr lang="pt-BR" noProof="0" dirty="0"/>
-          </a:p>
-        </p:txBody>
-      </p:sp>
-      <p:sp>
-        <p:nvSpPr>
-          <p:cNvPr id="3" name="Espaço Reservado para Conteúdo 2"/>
+            <a:r>
+              <a:rPr lang="en-US"/>
+              <a:t>Click to edit Master title style</a:t>
+            </a:r>
+            <a:endParaRPr lang="pt-BR"/>
+          </a:p>
+        </p:txBody>
+      </p:sp>
+      <p:sp>
+        <p:nvSpPr>
+          <p:cNvPr id="3" name="Content Placeholder 2">
+            <a:extLst>
+              <a:ext uri="{FF2B5EF4-FFF2-40B4-BE49-F238E27FC236}">
+                <a16:creationId xmlns:a16="http://schemas.microsoft.com/office/drawing/2014/main" id="{CC9ADDC1-B8D0-4081-85A0-2454604FB373}"/>
+              </a:ext>
+            </a:extLst>
+          </p:cNvPr>
           <p:cNvSpPr>
             <a:spLocks noGrp="1"/>
           </p:cNvSpPr>
@@ -2680,84 +2816,88 @@
         </p:nvSpPr>
         <p:spPr>
           <a:xfrm>
-            <a:off x="760412" y="762000"/>
-            <a:ext cx="6400800" cy="5334000"/>
+            <a:off x="5183188" y="987425"/>
+            <a:ext cx="6172200" cy="4873625"/>
           </a:xfrm>
         </p:spPr>
         <p:txBody>
-          <a:bodyPr rtlCol="0">
-            <a:normAutofit/>
-          </a:bodyPr>
+          <a:bodyPr/>
           <a:lstStyle>
-            <a:lvl1pPr algn="l" rtl="0">
+            <a:lvl1pPr>
+              <a:defRPr sz="3200"/>
+            </a:lvl1pPr>
+            <a:lvl2pPr>
+              <a:defRPr sz="2800"/>
+            </a:lvl2pPr>
+            <a:lvl3pPr>
+              <a:defRPr sz="2400"/>
+            </a:lvl3pPr>
+            <a:lvl4pPr>
               <a:defRPr sz="2000"/>
-            </a:lvl1pPr>
-            <a:lvl2pPr algn="l" rtl="0">
-              <a:defRPr sz="1800"/>
-            </a:lvl2pPr>
-            <a:lvl3pPr algn="l" rtl="0">
-              <a:defRPr sz="1600"/>
-            </a:lvl3pPr>
-            <a:lvl4pPr algn="l" rtl="0">
-              <a:defRPr sz="1400"/>
             </a:lvl4pPr>
-            <a:lvl5pPr algn="l" rtl="0">
-              <a:defRPr sz="1400"/>
+            <a:lvl5pPr>
+              <a:defRPr sz="2000"/>
             </a:lvl5pPr>
-            <a:lvl6pPr algn="l" rtl="0">
-              <a:defRPr sz="1400"/>
+            <a:lvl6pPr>
+              <a:defRPr sz="2000"/>
             </a:lvl6pPr>
-            <a:lvl7pPr algn="l" rtl="0">
-              <a:defRPr sz="1400"/>
+            <a:lvl7pPr>
+              <a:defRPr sz="2000"/>
             </a:lvl7pPr>
-            <a:lvl8pPr algn="l" rtl="0">
-              <a:defRPr sz="1400"/>
+            <a:lvl8pPr>
+              <a:defRPr sz="2000"/>
             </a:lvl8pPr>
-            <a:lvl9pPr algn="l" rtl="0">
-              <a:defRPr sz="1400"/>
+            <a:lvl9pPr>
+              <a:defRPr sz="2000"/>
             </a:lvl9pPr>
           </a:lstStyle>
           <a:p>
-            <a:pPr lvl="0" rtl="0"/>
-            <a:r>
-              <a:rPr lang="pt-BR" noProof="0"/>
-              <a:t>Editar estilos de texto Mestre</a:t>
-            </a:r>
-          </a:p>
-          <a:p>
-            <a:pPr lvl="1" rtl="0"/>
-            <a:r>
-              <a:rPr lang="pt-BR" noProof="0"/>
-              <a:t>Segundo nível</a:t>
-            </a:r>
-          </a:p>
-          <a:p>
-            <a:pPr lvl="2" rtl="0"/>
-            <a:r>
-              <a:rPr lang="pt-BR" noProof="0"/>
-              <a:t>Terceiro nível</a:t>
-            </a:r>
-          </a:p>
-          <a:p>
-            <a:pPr lvl="3" rtl="0"/>
-            <a:r>
-              <a:rPr lang="pt-BR" noProof="0"/>
-              <a:t>Quarto nível</a:t>
-            </a:r>
-          </a:p>
-          <a:p>
-            <a:pPr lvl="4" rtl="0"/>
-            <a:r>
-              <a:rPr lang="pt-BR" noProof="0"/>
-              <a:t>Quinto nível</a:t>
-            </a:r>
-            <a:endParaRPr lang="pt-BR" noProof="0" dirty="0"/>
-          </a:p>
-        </p:txBody>
-      </p:sp>
-      <p:sp>
-        <p:nvSpPr>
-          <p:cNvPr id="4" name="Espaço Reservado para Texto 3"/>
+            <a:pPr lvl="0"/>
+            <a:r>
+              <a:rPr lang="en-US"/>
+              <a:t>Edit Master text styles</a:t>
+            </a:r>
+          </a:p>
+          <a:p>
+            <a:pPr lvl="1"/>
+            <a:r>
+              <a:rPr lang="en-US"/>
+              <a:t>Second level</a:t>
+            </a:r>
+          </a:p>
+          <a:p>
+            <a:pPr lvl="2"/>
+            <a:r>
+              <a:rPr lang="en-US"/>
+              <a:t>Third level</a:t>
+            </a:r>
+          </a:p>
+          <a:p>
+            <a:pPr lvl="3"/>
+            <a:r>
+              <a:rPr lang="en-US"/>
+              <a:t>Fourth level</a:t>
+            </a:r>
+          </a:p>
+          <a:p>
+            <a:pPr lvl="4"/>
+            <a:r>
+              <a:rPr lang="en-US"/>
+              <a:t>Fifth level</a:t>
+            </a:r>
+            <a:endParaRPr lang="pt-BR"/>
+          </a:p>
+        </p:txBody>
+      </p:sp>
+      <p:sp>
+        <p:nvSpPr>
+          <p:cNvPr id="4" name="Text Placeholder 3">
+            <a:extLst>
+              <a:ext uri="{FF2B5EF4-FFF2-40B4-BE49-F238E27FC236}">
+                <a16:creationId xmlns:a16="http://schemas.microsoft.com/office/drawing/2014/main" id="{9DDD0775-6ADC-4921-86D1-7925C2D1D87E}"/>
+              </a:ext>
+            </a:extLst>
+          </p:cNvPr>
           <p:cNvSpPr>
             <a:spLocks noGrp="1"/>
           </p:cNvSpPr>
@@ -2767,65 +2907,68 @@
         </p:nvSpPr>
         <p:spPr>
           <a:xfrm>
-            <a:off x="8001039" y="3429000"/>
-            <a:ext cx="3124161" cy="1828800"/>
+            <a:off x="839788" y="2057400"/>
+            <a:ext cx="3932237" cy="3811588"/>
           </a:xfrm>
         </p:spPr>
         <p:txBody>
-          <a:bodyPr rtlCol="0"/>
+          <a:bodyPr/>
           <a:lstStyle>
-            <a:lvl1pPr marL="0" indent="0" algn="l" rtl="0">
-              <a:spcBef>
-                <a:spcPts val="0"/>
-              </a:spcBef>
+            <a:lvl1pPr marL="0" indent="0">
               <a:buNone/>
               <a:defRPr sz="1600"/>
             </a:lvl1pPr>
-            <a:lvl2pPr marL="457200" indent="0" algn="l" rtl="0">
+            <a:lvl2pPr marL="457200" indent="0">
               <a:buNone/>
               <a:defRPr sz="1400"/>
             </a:lvl2pPr>
-            <a:lvl3pPr marL="914400" indent="0" algn="l" rtl="0">
+            <a:lvl3pPr marL="914400" indent="0">
               <a:buNone/>
               <a:defRPr sz="1200"/>
             </a:lvl3pPr>
-            <a:lvl4pPr marL="1371600" indent="0" algn="l" rtl="0">
+            <a:lvl4pPr marL="1371600" indent="0">
               <a:buNone/>
               <a:defRPr sz="1000"/>
             </a:lvl4pPr>
-            <a:lvl5pPr marL="1828800" indent="0" algn="l" rtl="0">
+            <a:lvl5pPr marL="1828800" indent="0">
               <a:buNone/>
               <a:defRPr sz="1000"/>
             </a:lvl5pPr>
-            <a:lvl6pPr marL="2286000" indent="0" algn="l" rtl="0">
+            <a:lvl6pPr marL="2286000" indent="0">
               <a:buNone/>
               <a:defRPr sz="1000"/>
             </a:lvl6pPr>
-            <a:lvl7pPr marL="2743200" indent="0" algn="l" rtl="0">
+            <a:lvl7pPr marL="2743200" indent="0">
               <a:buNone/>
               <a:defRPr sz="1000"/>
             </a:lvl7pPr>
-            <a:lvl8pPr marL="3200400" indent="0" algn="l" rtl="0">
+            <a:lvl8pPr marL="3200400" indent="0">
               <a:buNone/>
               <a:defRPr sz="1000"/>
             </a:lvl8pPr>
-            <a:lvl9pPr marL="3657600" indent="0" algn="l" rtl="0">
+            <a:lvl9pPr marL="3657600" indent="0">
               <a:buNone/>
               <a:defRPr sz="1000"/>
             </a:lvl9pPr>
           </a:lstStyle>
           <a:p>
-            <a:pPr lvl="0" rtl="0"/>
-            <a:r>
-              <a:rPr lang="pt-BR" noProof="0"/>
-              <a:t>Editar estilos de texto Mestre</a:t>
-            </a:r>
-          </a:p>
-        </p:txBody>
-      </p:sp>
-      <p:sp>
-        <p:nvSpPr>
-          <p:cNvPr id="5" name="Espaço Reservado para Data 4"/>
+            <a:pPr lvl="0"/>
+            <a:r>
+              <a:rPr lang="en-US"/>
+              <a:t>Edit Master text styles</a:t>
+            </a:r>
+          </a:p>
+        </p:txBody>
+      </p:sp>
+      <p:sp>
+        <p:nvSpPr>
+          <p:cNvPr id="5" name="Date Placeholder 4">
+            <a:extLst>
+              <a:ext uri="{FF2B5EF4-FFF2-40B4-BE49-F238E27FC236}">
+                <a16:creationId xmlns:a16="http://schemas.microsoft.com/office/drawing/2014/main" id="{95B38C26-F261-4555-9A70-7060FB35F756}"/>
+              </a:ext>
+            </a:extLst>
+          </p:cNvPr>
           <p:cNvSpPr>
             <a:spLocks noGrp="1"/>
           </p:cNvSpPr>
@@ -2835,17 +2978,13 @@
         </p:nvSpPr>
         <p:spPr/>
         <p:txBody>
-          <a:bodyPr rtlCol="0"/>
-          <a:lstStyle>
-            <a:lvl1pPr>
-              <a:defRPr/>
-            </a:lvl1pPr>
-          </a:lstStyle>
-          <a:p>
-            <a:fld id="{297EB872-3A44-4095-8573-160D8312FA73}" type="datetime1">
+          <a:bodyPr/>
+          <a:lstStyle/>
+          <a:p>
+            <a:fld id="{E436AF61-35ED-497B-AFBC-44E1662D60CA}" type="datetime1">
               <a:rPr lang="pt-BR" noProof="0" smtClean="0"/>
               <a:pPr/>
-              <a:t>05/06/2018</a:t>
+              <a:t>16/01/2019</a:t>
             </a:fld>
             <a:endParaRPr lang="pt-BR" noProof="0" dirty="0"/>
           </a:p>
@@ -2853,7 +2992,13 @@
       </p:sp>
       <p:sp>
         <p:nvSpPr>
-          <p:cNvPr id="6" name="Espaço Reservado para Rodapé 5"/>
+          <p:cNvPr id="6" name="Footer Placeholder 5">
+            <a:extLst>
+              <a:ext uri="{FF2B5EF4-FFF2-40B4-BE49-F238E27FC236}">
+                <a16:creationId xmlns:a16="http://schemas.microsoft.com/office/drawing/2014/main" id="{6B9A5199-422C-4092-AE7B-647C8F3B7774}"/>
+              </a:ext>
+            </a:extLst>
+          </p:cNvPr>
           <p:cNvSpPr>
             <a:spLocks noGrp="1"/>
           </p:cNvSpPr>
@@ -2863,7 +3008,7 @@
         </p:nvSpPr>
         <p:spPr/>
         <p:txBody>
-          <a:bodyPr rtlCol="0"/>
+          <a:bodyPr/>
           <a:lstStyle/>
           <a:p>
             <a:pPr rtl="0"/>
@@ -2873,7 +3018,13 @@
       </p:sp>
       <p:sp>
         <p:nvSpPr>
-          <p:cNvPr id="7" name="Espaço Reservado para Número de Slide 6"/>
+          <p:cNvPr id="7" name="Slide Number Placeholder 6">
+            <a:extLst>
+              <a:ext uri="{FF2B5EF4-FFF2-40B4-BE49-F238E27FC236}">
+                <a16:creationId xmlns:a16="http://schemas.microsoft.com/office/drawing/2014/main" id="{921DF833-C83A-409A-A479-6A3F52779E2D}"/>
+              </a:ext>
+            </a:extLst>
+          </p:cNvPr>
           <p:cNvSpPr>
             <a:spLocks noGrp="1"/>
           </p:cNvSpPr>
@@ -2883,13 +3034,13 @@
         </p:nvSpPr>
         <p:spPr/>
         <p:txBody>
-          <a:bodyPr rtlCol="0"/>
-          <a:lstStyle/>
-          <a:p>
-            <a:pPr rtl="0"/>
+          <a:bodyPr/>
+          <a:lstStyle/>
+          <a:p>
             <a:fld id="{E31375A4-56A4-47D6-9801-1991572033F7}" type="slidenum">
               <a:rPr lang="pt-BR" noProof="0" smtClean="0"/>
-              <a:t>‹nº›</a:t>
+              <a:pPr/>
+              <a:t>‹#›</a:t>
             </a:fld>
             <a:endParaRPr lang="pt-BR" noProof="0" dirty="0"/>
           </a:p>
@@ -2898,7 +3049,7 @@
     </p:spTree>
     <p:extLst>
       <p:ext uri="{BB962C8B-B14F-4D97-AF65-F5344CB8AC3E}">
-        <p14:creationId xmlns:p14="http://schemas.microsoft.com/office/powerpoint/2010/main" val="1667374130"/>
+        <p14:creationId xmlns:p14="http://schemas.microsoft.com/office/powerpoint/2010/main" val="1076567951"/>
       </p:ext>
     </p:extLst>
   </p:cSld>
@@ -2910,7 +3061,7 @@
 
 <file path=ppt/slideLayouts/slideLayout9.xml><?xml version="1.0" encoding="utf-8"?>
 <p:sldLayout xmlns:a="http://schemas.openxmlformats.org/drawingml/2006/main" xmlns:r="http://schemas.openxmlformats.org/officeDocument/2006/relationships" xmlns:p="http://schemas.openxmlformats.org/presentationml/2006/main" type="picTx" preserve="1">
-  <p:cSld name="Imagem com Legenda">
+  <p:cSld name="Picture with Caption">
     <p:spTree>
       <p:nvGrpSpPr>
         <p:cNvPr id="1" name=""/>
@@ -2927,56 +3078,13 @@
       </p:grpSpPr>
       <p:sp>
         <p:nvSpPr>
-          <p:cNvPr id="8" name="Retângulo 7"/>
-          <p:cNvSpPr/>
-          <p:nvPr userDrawn="1"/>
-        </p:nvSpPr>
-        <p:spPr bwMode="blackWhite">
-          <a:xfrm>
-            <a:off x="644091" y="640080"/>
-            <a:ext cx="6675120" cy="5577840"/>
-          </a:xfrm>
-          <a:prstGeom prst="rect">
-            <a:avLst/>
-          </a:prstGeom>
-          <a:solidFill>
-            <a:srgbClr val="000000"/>
-          </a:solidFill>
-          <a:ln w="101600">
-            <a:solidFill>
-              <a:schemeClr val="tx1"/>
-            </a:solidFill>
-            <a:miter lim="800000"/>
-          </a:ln>
-        </p:spPr>
-        <p:style>
-          <a:lnRef idx="2">
-            <a:schemeClr val="accent1">
-              <a:shade val="50000"/>
-            </a:schemeClr>
-          </a:lnRef>
-          <a:fillRef idx="1">
-            <a:schemeClr val="accent1"/>
-          </a:fillRef>
-          <a:effectRef idx="0">
-            <a:schemeClr val="accent1"/>
-          </a:effectRef>
-          <a:fontRef idx="minor">
-            <a:schemeClr val="lt1"/>
-          </a:fontRef>
-        </p:style>
-        <p:txBody>
-          <a:bodyPr rtlCol="0" anchor="ctr"/>
-          <a:lstStyle/>
-          <a:p>
-            <a:pPr algn="ctr" rtl="0"/>
-            <a:endParaRPr lang="pt-BR" sz="1600" noProof="0" dirty="0"/>
-          </a:p>
-        </p:txBody>
-      </p:sp>
-      <p:sp>
-        <p:nvSpPr>
-          <p:cNvPr id="2" name="Título 1"/>
+          <p:cNvPr id="2" name="Title 1">
+            <a:extLst>
+              <a:ext uri="{FF2B5EF4-FFF2-40B4-BE49-F238E27FC236}">
+                <a16:creationId xmlns:a16="http://schemas.microsoft.com/office/drawing/2014/main" id="{9F5F5695-A5E0-4C28-9F25-698BA777BFA3}"/>
+              </a:ext>
+            </a:extLst>
+          </p:cNvPr>
           <p:cNvSpPr>
             <a:spLocks noGrp="1"/>
           </p:cNvSpPr>
@@ -2986,32 +3094,35 @@
         </p:nvSpPr>
         <p:spPr>
           <a:xfrm>
-            <a:off x="7997952" y="1600200"/>
-            <a:ext cx="3127248" cy="1828800"/>
+            <a:off x="839788" y="457200"/>
+            <a:ext cx="3932237" cy="1600200"/>
           </a:xfrm>
         </p:spPr>
         <p:txBody>
-          <a:bodyPr rtlCol="0" anchor="b">
-            <a:normAutofit/>
-          </a:bodyPr>
+          <a:bodyPr anchor="b"/>
           <a:lstStyle>
-            <a:lvl1pPr algn="l" rtl="0">
-              <a:defRPr sz="3400"/>
+            <a:lvl1pPr>
+              <a:defRPr sz="3200"/>
             </a:lvl1pPr>
           </a:lstStyle>
           <a:p>
-            <a:pPr rtl="0"/>
-            <a:r>
-              <a:rPr lang="pt-BR" noProof="0"/>
-              <a:t>Clique para editar o título Mestre</a:t>
-            </a:r>
-            <a:endParaRPr lang="pt-BR" noProof="0" dirty="0"/>
-          </a:p>
-        </p:txBody>
-      </p:sp>
-      <p:sp>
-        <p:nvSpPr>
-          <p:cNvPr id="3" name="Espaço Reservado para Imagem 2"/>
+            <a:r>
+              <a:rPr lang="en-US"/>
+              <a:t>Click to edit Master title style</a:t>
+            </a:r>
+            <a:endParaRPr lang="pt-BR"/>
+          </a:p>
+        </p:txBody>
+      </p:sp>
+      <p:sp>
+        <p:nvSpPr>
+          <p:cNvPr id="3" name="Picture Placeholder 2">
+            <a:extLst>
+              <a:ext uri="{FF2B5EF4-FFF2-40B4-BE49-F238E27FC236}">
+                <a16:creationId xmlns:a16="http://schemas.microsoft.com/office/drawing/2014/main" id="{66A7C2EE-366A-43DC-BAE7-12F14BC34B19}"/>
+              </a:ext>
+            </a:extLst>
+          </p:cNvPr>
           <p:cNvSpPr>
             <a:spLocks noGrp="1"/>
           </p:cNvSpPr>
@@ -3021,65 +3132,64 @@
         </p:nvSpPr>
         <p:spPr>
           <a:xfrm>
-            <a:off x="781251" y="777240"/>
-            <a:ext cx="6400800" cy="5303520"/>
+            <a:off x="5183188" y="987425"/>
+            <a:ext cx="6172200" cy="4873625"/>
           </a:xfrm>
         </p:spPr>
         <p:txBody>
-          <a:bodyPr tIns="457200" rtlCol="0">
-            <a:normAutofit/>
-          </a:bodyPr>
+          <a:bodyPr/>
           <a:lstStyle>
-            <a:lvl1pPr marL="0" indent="0" algn="ctr" rtl="0">
+            <a:lvl1pPr marL="0" indent="0">
               <a:buNone/>
-              <a:defRPr sz="2000"/>
+              <a:defRPr sz="3200"/>
             </a:lvl1pPr>
-            <a:lvl2pPr marL="457200" indent="0" algn="l" rtl="0">
+            <a:lvl2pPr marL="457200" indent="0">
               <a:buNone/>
               <a:defRPr sz="2800"/>
             </a:lvl2pPr>
-            <a:lvl3pPr marL="914400" indent="0" algn="l" rtl="0">
+            <a:lvl3pPr marL="914400" indent="0">
               <a:buNone/>
               <a:defRPr sz="2400"/>
             </a:lvl3pPr>
-            <a:lvl4pPr marL="1371600" indent="0" algn="l" rtl="0">
+            <a:lvl4pPr marL="1371600" indent="0">
               <a:buNone/>
               <a:defRPr sz="2000"/>
             </a:lvl4pPr>
-            <a:lvl5pPr marL="1828800" indent="0" algn="l" rtl="0">
+            <a:lvl5pPr marL="1828800" indent="0">
               <a:buNone/>
               <a:defRPr sz="2000"/>
             </a:lvl5pPr>
-            <a:lvl6pPr marL="2286000" indent="0" algn="l" rtl="0">
+            <a:lvl6pPr marL="2286000" indent="0">
               <a:buNone/>
               <a:defRPr sz="2000"/>
             </a:lvl6pPr>
-            <a:lvl7pPr marL="2743200" indent="0" algn="l" rtl="0">
+            <a:lvl7pPr marL="2743200" indent="0">
               <a:buNone/>
               <a:defRPr sz="2000"/>
             </a:lvl7pPr>
-            <a:lvl8pPr marL="3200400" indent="0" algn="l" rtl="0">
+            <a:lvl8pPr marL="3200400" indent="0">
               <a:buNone/>
               <a:defRPr sz="2000"/>
             </a:lvl8pPr>
-            <a:lvl9pPr marL="3657600" indent="0" algn="l" rtl="0">
+            <a:lvl9pPr marL="3657600" indent="0">
               <a:buNone/>
               <a:defRPr sz="2000"/>
             </a:lvl9pPr>
           </a:lstStyle>
           <a:p>
-            <a:pPr rtl="0"/>
-            <a:r>
-              <a:rPr lang="pt-BR" noProof="0"/>
-              <a:t>Clique no ícone para adicionar uma imagem</a:t>
-            </a:r>
-            <a:endParaRPr lang="pt-BR" noProof="0" dirty="0"/>
-          </a:p>
-        </p:txBody>
-      </p:sp>
-      <p:sp>
-        <p:nvSpPr>
-          <p:cNvPr id="4" name="Espaço Reservado para Texto 3"/>
+            <a:endParaRPr lang="pt-BR"/>
+          </a:p>
+        </p:txBody>
+      </p:sp>
+      <p:sp>
+        <p:nvSpPr>
+          <p:cNvPr id="4" name="Text Placeholder 3">
+            <a:extLst>
+              <a:ext uri="{FF2B5EF4-FFF2-40B4-BE49-F238E27FC236}">
+                <a16:creationId xmlns:a16="http://schemas.microsoft.com/office/drawing/2014/main" id="{7357FC37-D5A7-4DBE-967E-F4C794679CFE}"/>
+              </a:ext>
+            </a:extLst>
+          </p:cNvPr>
           <p:cNvSpPr>
             <a:spLocks noGrp="1"/>
           </p:cNvSpPr>
@@ -3089,65 +3199,68 @@
         </p:nvSpPr>
         <p:spPr>
           <a:xfrm>
-            <a:off x="7997952" y="3429000"/>
-            <a:ext cx="3127248" cy="1828800"/>
+            <a:off x="839788" y="2057400"/>
+            <a:ext cx="3932237" cy="3811588"/>
           </a:xfrm>
         </p:spPr>
         <p:txBody>
-          <a:bodyPr rtlCol="0"/>
+          <a:bodyPr/>
           <a:lstStyle>
-            <a:lvl1pPr marL="0" indent="0" algn="l" rtl="0">
-              <a:spcBef>
-                <a:spcPts val="0"/>
-              </a:spcBef>
+            <a:lvl1pPr marL="0" indent="0">
               <a:buNone/>
               <a:defRPr sz="1600"/>
             </a:lvl1pPr>
-            <a:lvl2pPr marL="457200" indent="0" algn="l" rtl="0">
+            <a:lvl2pPr marL="457200" indent="0">
               <a:buNone/>
               <a:defRPr sz="1400"/>
             </a:lvl2pPr>
-            <a:lvl3pPr marL="914400" indent="0" algn="l" rtl="0">
+            <a:lvl3pPr marL="914400" indent="0">
               <a:buNone/>
               <a:defRPr sz="1200"/>
             </a:lvl3pPr>
-            <a:lvl4pPr marL="1371600" indent="0" algn="l" rtl="0">
+            <a:lvl4pPr marL="1371600" indent="0">
               <a:buNone/>
               <a:defRPr sz="1000"/>
             </a:lvl4pPr>
-            <a:lvl5pPr marL="1828800" indent="0" algn="l" rtl="0">
+            <a:lvl5pPr marL="1828800" indent="0">
               <a:buNone/>
               <a:defRPr sz="1000"/>
             </a:lvl5pPr>
-            <a:lvl6pPr marL="2286000" indent="0" algn="l" rtl="0">
+            <a:lvl6pPr marL="2286000" indent="0">
               <a:buNone/>
               <a:defRPr sz="1000"/>
             </a:lvl6pPr>
-            <a:lvl7pPr marL="2743200" indent="0" algn="l" rtl="0">
+            <a:lvl7pPr marL="2743200" indent="0">
               <a:buNone/>
               <a:defRPr sz="1000"/>
             </a:lvl7pPr>
-            <a:lvl8pPr marL="3200400" indent="0" algn="l" rtl="0">
+            <a:lvl8pPr marL="3200400" indent="0">
               <a:buNone/>
               <a:defRPr sz="1000"/>
             </a:lvl8pPr>
-            <a:lvl9pPr marL="3657600" indent="0" algn="l" rtl="0">
+            <a:lvl9pPr marL="3657600" indent="0">
               <a:buNone/>
               <a:defRPr sz="1000"/>
             </a:lvl9pPr>
           </a:lstStyle>
           <a:p>
-            <a:pPr lvl="0" rtl="0"/>
-            <a:r>
-              <a:rPr lang="pt-BR" noProof="0"/>
-              <a:t>Editar estilos de texto Mestre</a:t>
-            </a:r>
-          </a:p>
-        </p:txBody>
-      </p:sp>
-      <p:sp>
-        <p:nvSpPr>
-          <p:cNvPr id="5" name="Espaço Reservado para Data 4"/>
+            <a:pPr lvl="0"/>
+            <a:r>
+              <a:rPr lang="en-US"/>
+              <a:t>Edit Master text styles</a:t>
+            </a:r>
+          </a:p>
+        </p:txBody>
+      </p:sp>
+      <p:sp>
+        <p:nvSpPr>
+          <p:cNvPr id="5" name="Date Placeholder 4">
+            <a:extLst>
+              <a:ext uri="{FF2B5EF4-FFF2-40B4-BE49-F238E27FC236}">
+                <a16:creationId xmlns:a16="http://schemas.microsoft.com/office/drawing/2014/main" id="{646DC7A7-A0E8-41FC-8115-08A27B7C8E96}"/>
+              </a:ext>
+            </a:extLst>
+          </p:cNvPr>
           <p:cNvSpPr>
             <a:spLocks noGrp="1"/>
           </p:cNvSpPr>
@@ -3157,17 +3270,13 @@
         </p:nvSpPr>
         <p:spPr/>
         <p:txBody>
-          <a:bodyPr rtlCol="0"/>
-          <a:lstStyle>
-            <a:lvl1pPr>
-              <a:defRPr/>
-            </a:lvl1pPr>
-          </a:lstStyle>
-          <a:p>
-            <a:fld id="{550E4E7D-D0A9-4DEE-9266-00B85AF59F3B}" type="datetime1">
+          <a:bodyPr/>
+          <a:lstStyle/>
+          <a:p>
+            <a:fld id="{E436AF61-35ED-497B-AFBC-44E1662D60CA}" type="datetime1">
               <a:rPr lang="pt-BR" noProof="0" smtClean="0"/>
               <a:pPr/>
-              <a:t>05/06/2018</a:t>
+              <a:t>16/01/2019</a:t>
             </a:fld>
             <a:endParaRPr lang="pt-BR" noProof="0" dirty="0"/>
           </a:p>
@@ -3175,7 +3284,13 @@
       </p:sp>
       <p:sp>
         <p:nvSpPr>
-          <p:cNvPr id="6" name="Espaço Reservado para Rodapé 5"/>
+          <p:cNvPr id="6" name="Footer Placeholder 5">
+            <a:extLst>
+              <a:ext uri="{FF2B5EF4-FFF2-40B4-BE49-F238E27FC236}">
+                <a16:creationId xmlns:a16="http://schemas.microsoft.com/office/drawing/2014/main" id="{2B5F7D95-FCDB-4A8E-9744-8A0E862A4B68}"/>
+              </a:ext>
+            </a:extLst>
+          </p:cNvPr>
           <p:cNvSpPr>
             <a:spLocks noGrp="1"/>
           </p:cNvSpPr>
@@ -3185,7 +3300,7 @@
         </p:nvSpPr>
         <p:spPr/>
         <p:txBody>
-          <a:bodyPr rtlCol="0"/>
+          <a:bodyPr/>
           <a:lstStyle/>
           <a:p>
             <a:pPr rtl="0"/>
@@ -3195,7 +3310,13 @@
       </p:sp>
       <p:sp>
         <p:nvSpPr>
-          <p:cNvPr id="7" name="Espaço Reservado para Número de Slide 6"/>
+          <p:cNvPr id="7" name="Slide Number Placeholder 6">
+            <a:extLst>
+              <a:ext uri="{FF2B5EF4-FFF2-40B4-BE49-F238E27FC236}">
+                <a16:creationId xmlns:a16="http://schemas.microsoft.com/office/drawing/2014/main" id="{DF400671-CE30-45E3-9F2A-EFF010CF9C44}"/>
+              </a:ext>
+            </a:extLst>
+          </p:cNvPr>
           <p:cNvSpPr>
             <a:spLocks noGrp="1"/>
           </p:cNvSpPr>
@@ -3205,13 +3326,13 @@
         </p:nvSpPr>
         <p:spPr/>
         <p:txBody>
-          <a:bodyPr rtlCol="0"/>
-          <a:lstStyle/>
-          <a:p>
-            <a:pPr rtl="0"/>
+          <a:bodyPr/>
+          <a:lstStyle/>
+          <a:p>
             <a:fld id="{E31375A4-56A4-47D6-9801-1991572033F7}" type="slidenum">
               <a:rPr lang="pt-BR" noProof="0" smtClean="0"/>
-              <a:t>‹nº›</a:t>
+              <a:pPr/>
+              <a:t>‹#›</a:t>
             </a:fld>
             <a:endParaRPr lang="pt-BR" noProof="0" dirty="0"/>
           </a:p>
@@ -3220,7 +3341,7 @@
     </p:spTree>
     <p:extLst>
       <p:ext uri="{BB962C8B-B14F-4D97-AF65-F5344CB8AC3E}">
-        <p14:creationId xmlns:p14="http://schemas.microsoft.com/office/powerpoint/2010/main" val="2977249753"/>
+        <p14:creationId xmlns:p14="http://schemas.microsoft.com/office/powerpoint/2010/main" val="2582960381"/>
       </p:ext>
     </p:extLst>
   </p:cSld>
@@ -3254,7 +3375,13 @@
       </p:grpSpPr>
       <p:sp>
         <p:nvSpPr>
-          <p:cNvPr id="2" name="Espaço Reservado para Título 1"/>
+          <p:cNvPr id="2" name="Title Placeholder 1">
+            <a:extLst>
+              <a:ext uri="{FF2B5EF4-FFF2-40B4-BE49-F238E27FC236}">
+                <a16:creationId xmlns:a16="http://schemas.microsoft.com/office/drawing/2014/main" id="{3F890C72-A335-4D9C-9A74-DD357656F095}"/>
+              </a:ext>
+            </a:extLst>
+          </p:cNvPr>
           <p:cNvSpPr>
             <a:spLocks noGrp="1"/>
           </p:cNvSpPr>
@@ -3264,30 +3391,36 @@
         </p:nvSpPr>
         <p:spPr>
           <a:xfrm>
-            <a:off x="1524000" y="457200"/>
-            <a:ext cx="9144000" cy="1143000"/>
+            <a:off x="838200" y="365125"/>
+            <a:ext cx="10515600" cy="1325563"/>
           </a:xfrm>
           <a:prstGeom prst="rect">
             <a:avLst/>
           </a:prstGeom>
         </p:spPr>
         <p:txBody>
-          <a:bodyPr vert="horz" lIns="91440" tIns="45720" rIns="91440" bIns="45720" rtlCol="0" anchor="b">
+          <a:bodyPr vert="horz" lIns="91440" tIns="45720" rIns="91440" bIns="45720" rtlCol="0" anchor="ctr">
             <a:normAutofit/>
           </a:bodyPr>
           <a:lstStyle/>
           <a:p>
-            <a:pPr rtl="0"/>
-            <a:r>
-              <a:rPr lang="pt-BR" noProof="0" dirty="0"/>
-              <a:t>Clique para editar o título mestre</a:t>
-            </a:r>
-          </a:p>
-        </p:txBody>
-      </p:sp>
-      <p:sp>
-        <p:nvSpPr>
-          <p:cNvPr id="3" name="Espaço Reservado para Texto 2"/>
+            <a:r>
+              <a:rPr lang="en-US"/>
+              <a:t>Click to edit Master title style</a:t>
+            </a:r>
+            <a:endParaRPr lang="pt-BR"/>
+          </a:p>
+        </p:txBody>
+      </p:sp>
+      <p:sp>
+        <p:nvSpPr>
+          <p:cNvPr id="3" name="Text Placeholder 2">
+            <a:extLst>
+              <a:ext uri="{FF2B5EF4-FFF2-40B4-BE49-F238E27FC236}">
+                <a16:creationId xmlns:a16="http://schemas.microsoft.com/office/drawing/2014/main" id="{F5B19451-EE10-4904-BD80-88FA52BCD71C}"/>
+              </a:ext>
+            </a:extLst>
+          </p:cNvPr>
           <p:cNvSpPr>
             <a:spLocks noGrp="1"/>
           </p:cNvSpPr>
@@ -3297,8 +3430,8 @@
         </p:nvSpPr>
         <p:spPr>
           <a:xfrm>
-            <a:off x="1524000" y="1828800"/>
-            <a:ext cx="9144000" cy="4267200"/>
+            <a:off x="838200" y="1825625"/>
+            <a:ext cx="10515600" cy="4351338"/>
           </a:xfrm>
           <a:prstGeom prst="rect">
             <a:avLst/>
@@ -3310,45 +3443,52 @@
           </a:bodyPr>
           <a:lstStyle/>
           <a:p>
-            <a:pPr lvl="0" rtl="0"/>
-            <a:r>
-              <a:rPr lang="pt-BR" noProof="0" dirty="0"/>
-              <a:t>Clique para editar o texto Mestre</a:t>
-            </a:r>
-          </a:p>
-          <a:p>
-            <a:pPr lvl="1" rtl="0"/>
-            <a:r>
-              <a:rPr lang="pt-BR" noProof="0" dirty="0"/>
-              <a:t>Segundo nível</a:t>
-            </a:r>
-          </a:p>
-          <a:p>
-            <a:pPr lvl="2" rtl="0"/>
-            <a:r>
-              <a:rPr lang="pt-BR" noProof="0" dirty="0"/>
-              <a:t>Terceiro nível</a:t>
-            </a:r>
-          </a:p>
-          <a:p>
-            <a:pPr lvl="3" rtl="0"/>
-            <a:r>
-              <a:rPr lang="pt-BR" noProof="0" dirty="0"/>
-              <a:t>Quarto nível</a:t>
-            </a:r>
-          </a:p>
-          <a:p>
-            <a:pPr lvl="4" rtl="0"/>
-            <a:r>
-              <a:rPr lang="pt-BR" noProof="0" dirty="0"/>
-              <a:t>Quinto nível</a:t>
-            </a:r>
-          </a:p>
-        </p:txBody>
-      </p:sp>
-      <p:sp>
-        <p:nvSpPr>
-          <p:cNvPr id="4" name="Espaço Reservado para Data 3"/>
+            <a:pPr lvl="0"/>
+            <a:r>
+              <a:rPr lang="en-US"/>
+              <a:t>Edit Master text styles</a:t>
+            </a:r>
+          </a:p>
+          <a:p>
+            <a:pPr lvl="1"/>
+            <a:r>
+              <a:rPr lang="en-US"/>
+              <a:t>Second level</a:t>
+            </a:r>
+          </a:p>
+          <a:p>
+            <a:pPr lvl="2"/>
+            <a:r>
+              <a:rPr lang="en-US"/>
+              <a:t>Third level</a:t>
+            </a:r>
+          </a:p>
+          <a:p>
+            <a:pPr lvl="3"/>
+            <a:r>
+              <a:rPr lang="en-US"/>
+              <a:t>Fourth level</a:t>
+            </a:r>
+          </a:p>
+          <a:p>
+            <a:pPr lvl="4"/>
+            <a:r>
+              <a:rPr lang="en-US"/>
+              <a:t>Fifth level</a:t>
+            </a:r>
+            <a:endParaRPr lang="pt-BR"/>
+          </a:p>
+        </p:txBody>
+      </p:sp>
+      <p:sp>
+        <p:nvSpPr>
+          <p:cNvPr id="4" name="Date Placeholder 3">
+            <a:extLst>
+              <a:ext uri="{FF2B5EF4-FFF2-40B4-BE49-F238E27FC236}">
+                <a16:creationId xmlns:a16="http://schemas.microsoft.com/office/drawing/2014/main" id="{6AB86672-9375-40A6-985B-A93346ADA4B1}"/>
+              </a:ext>
+            </a:extLst>
+          </p:cNvPr>
           <p:cNvSpPr>
             <a:spLocks noGrp="1"/>
           </p:cNvSpPr>
@@ -3358,8 +3498,8 @@
         </p:nvSpPr>
         <p:spPr>
           <a:xfrm>
-            <a:off x="8610600" y="6362700"/>
-            <a:ext cx="990600" cy="257176"/>
+            <a:off x="838200" y="6356350"/>
+            <a:ext cx="2743200" cy="365125"/>
           </a:xfrm>
           <a:prstGeom prst="rect">
             <a:avLst/>
@@ -3368,11 +3508,11 @@
         <p:txBody>
           <a:bodyPr vert="horz" lIns="91440" tIns="45720" rIns="91440" bIns="45720" rtlCol="0" anchor="ctr"/>
           <a:lstStyle>
-            <a:lvl1pPr algn="r" rtl="0">
-              <a:defRPr sz="800">
+            <a:lvl1pPr algn="l">
+              <a:defRPr sz="1200">
                 <a:solidFill>
                   <a:schemeClr val="tx1">
-                    <a:lumMod val="85000"/>
+                    <a:tint val="75000"/>
                   </a:schemeClr>
                 </a:solidFill>
               </a:defRPr>
@@ -3382,7 +3522,7 @@
             <a:fld id="{E436AF61-35ED-497B-AFBC-44E1662D60CA}" type="datetime1">
               <a:rPr lang="pt-BR" noProof="0" smtClean="0"/>
               <a:pPr/>
-              <a:t>05/06/2018</a:t>
+              <a:t>16/01/2019</a:t>
             </a:fld>
             <a:endParaRPr lang="pt-BR" noProof="0" dirty="0"/>
           </a:p>
@@ -3390,7 +3530,13 @@
       </p:sp>
       <p:sp>
         <p:nvSpPr>
-          <p:cNvPr id="5" name="Espaço Reservado para Rodapé 4"/>
+          <p:cNvPr id="5" name="Footer Placeholder 4">
+            <a:extLst>
+              <a:ext uri="{FF2B5EF4-FFF2-40B4-BE49-F238E27FC236}">
+                <a16:creationId xmlns:a16="http://schemas.microsoft.com/office/drawing/2014/main" id="{26E676F3-C2B2-4A59-A2A3-A3E207C52458}"/>
+              </a:ext>
+            </a:extLst>
+          </p:cNvPr>
           <p:cNvSpPr>
             <a:spLocks noGrp="1"/>
           </p:cNvSpPr>
@@ -3400,8 +3546,8 @@
         </p:nvSpPr>
         <p:spPr>
           <a:xfrm>
-            <a:off x="1524000" y="6362700"/>
-            <a:ext cx="6881553" cy="257176"/>
+            <a:off x="4038600" y="6356350"/>
+            <a:ext cx="4114800" cy="365125"/>
           </a:xfrm>
           <a:prstGeom prst="rect">
             <a:avLst/>
@@ -3410,11 +3556,11 @@
         <p:txBody>
           <a:bodyPr vert="horz" lIns="91440" tIns="45720" rIns="91440" bIns="45720" rtlCol="0" anchor="ctr"/>
           <a:lstStyle>
-            <a:lvl1pPr algn="l" rtl="0">
-              <a:defRPr sz="800">
+            <a:lvl1pPr algn="ctr">
+              <a:defRPr sz="1200">
                 <a:solidFill>
                   <a:schemeClr val="tx1">
-                    <a:lumMod val="85000"/>
+                    <a:tint val="75000"/>
                   </a:schemeClr>
                 </a:solidFill>
               </a:defRPr>
@@ -3428,7 +3574,13 @@
       </p:sp>
       <p:sp>
         <p:nvSpPr>
-          <p:cNvPr id="6" name="Espaço Reservado para Número de Slide 5"/>
+          <p:cNvPr id="6" name="Slide Number Placeholder 5">
+            <a:extLst>
+              <a:ext uri="{FF2B5EF4-FFF2-40B4-BE49-F238E27FC236}">
+                <a16:creationId xmlns:a16="http://schemas.microsoft.com/office/drawing/2014/main" id="{D91D828D-E939-460B-95CF-A167D314A9B8}"/>
+              </a:ext>
+            </a:extLst>
+          </p:cNvPr>
           <p:cNvSpPr>
             <a:spLocks noGrp="1"/>
           </p:cNvSpPr>
@@ -3438,8 +3590,8 @@
         </p:nvSpPr>
         <p:spPr>
           <a:xfrm>
-            <a:off x="9829800" y="6362700"/>
-            <a:ext cx="838200" cy="257176"/>
+            <a:off x="8610600" y="6356350"/>
+            <a:ext cx="2743200" cy="365125"/>
           </a:xfrm>
           <a:prstGeom prst="rect">
             <a:avLst/>
@@ -3448,11 +3600,11 @@
         <p:txBody>
           <a:bodyPr vert="horz" lIns="91440" tIns="45720" rIns="91440" bIns="45720" rtlCol="0" anchor="ctr"/>
           <a:lstStyle>
-            <a:lvl1pPr algn="r" rtl="0">
-              <a:defRPr sz="800">
+            <a:lvl1pPr algn="r">
+              <a:defRPr sz="1200">
                 <a:solidFill>
                   <a:schemeClr val="tx1">
-                    <a:lumMod val="85000"/>
+                    <a:tint val="75000"/>
                   </a:schemeClr>
                 </a:solidFill>
               </a:defRPr>
@@ -3462,7 +3614,7 @@
             <a:fld id="{E31375A4-56A4-47D6-9801-1991572033F7}" type="slidenum">
               <a:rPr lang="pt-BR" noProof="0" smtClean="0"/>
               <a:pPr/>
-              <a:t>‹nº›</a:t>
+              <a:t>‹#›</a:t>
             </a:fld>
             <a:endParaRPr lang="pt-BR" noProof="0" dirty="0"/>
           </a:p>
@@ -3471,23 +3623,23 @@
     </p:spTree>
     <p:extLst>
       <p:ext uri="{BB962C8B-B14F-4D97-AF65-F5344CB8AC3E}">
-        <p14:creationId xmlns:p14="http://schemas.microsoft.com/office/powerpoint/2010/main" val="1943259863"/>
+        <p14:creationId xmlns:p14="http://schemas.microsoft.com/office/powerpoint/2010/main" val="2401872516"/>
       </p:ext>
     </p:extLst>
   </p:cSld>
-  <p:clrMap bg1="dk1" tx1="lt1" bg2="dk2" tx2="lt2" accent1="accent1" accent2="accent2" accent3="accent3" accent4="accent4" accent5="accent5" accent6="accent6" hlink="hlink" folHlink="folHlink"/>
+  <p:clrMap bg1="lt1" tx1="dk1" bg2="lt2" tx2="dk2" accent1="accent1" accent2="accent2" accent3="accent3" accent4="accent4" accent5="accent5" accent6="accent6" hlink="hlink" folHlink="folHlink"/>
   <p:sldLayoutIdLst>
-    <p:sldLayoutId id="2147483649" r:id="rId1"/>
-    <p:sldLayoutId id="2147483650" r:id="rId2"/>
-    <p:sldLayoutId id="2147483651" r:id="rId3"/>
-    <p:sldLayoutId id="2147483652" r:id="rId4"/>
-    <p:sldLayoutId id="2147483653" r:id="rId5"/>
-    <p:sldLayoutId id="2147483654" r:id="rId6"/>
-    <p:sldLayoutId id="2147483655" r:id="rId7"/>
-    <p:sldLayoutId id="2147483656" r:id="rId8"/>
-    <p:sldLayoutId id="2147483657" r:id="rId9"/>
-    <p:sldLayoutId id="2147483658" r:id="rId10"/>
-    <p:sldLayoutId id="2147483659" r:id="rId11"/>
+    <p:sldLayoutId id="2147483661" r:id="rId1"/>
+    <p:sldLayoutId id="2147483662" r:id="rId2"/>
+    <p:sldLayoutId id="2147483663" r:id="rId3"/>
+    <p:sldLayoutId id="2147483664" r:id="rId4"/>
+    <p:sldLayoutId id="2147483665" r:id="rId5"/>
+    <p:sldLayoutId id="2147483666" r:id="rId6"/>
+    <p:sldLayoutId id="2147483667" r:id="rId7"/>
+    <p:sldLayoutId id="2147483668" r:id="rId8"/>
+    <p:sldLayoutId id="2147483669" r:id="rId9"/>
+    <p:sldLayoutId id="2147483670" r:id="rId10"/>
+    <p:sldLayoutId id="2147483671" r:id="rId11"/>
   </p:sldLayoutIdLst>
   <p:txStyles>
     <p:titleStyle>
@@ -3499,9 +3651,9 @@
           <a:spcPct val="0"/>
         </a:spcBef>
         <a:buNone/>
-        <a:defRPr sz="3400" kern="1200">
+        <a:defRPr sz="4400" kern="1200">
           <a:solidFill>
-            <a:schemeClr val="accent1"/>
+            <a:schemeClr val="tx1"/>
           </a:solidFill>
           <a:latin typeface="+mj-lt"/>
           <a:ea typeface="+mj-ea"/>
@@ -3515,129 +3667,101 @@
           <a:spcPct val="90000"/>
         </a:lnSpc>
         <a:spcBef>
-          <a:spcPts val="1800"/>
+          <a:spcPts val="1000"/>
         </a:spcBef>
-        <a:buClr>
-          <a:schemeClr val="accent1"/>
-        </a:buClr>
-        <a:buFont typeface="Arial" pitchFamily="34" charset="0"/>
+        <a:buFont typeface="Arial" panose="020B0604020202020204" pitchFamily="34" charset="0"/>
         <a:buChar char="•"/>
-        <a:defRPr sz="2000" kern="1200">
+        <a:defRPr sz="2800" kern="1200">
           <a:solidFill>
-            <a:schemeClr val="tx1">
-              <a:lumMod val="85000"/>
-            </a:schemeClr>
+            <a:schemeClr val="tx1"/>
           </a:solidFill>
           <a:latin typeface="+mn-lt"/>
           <a:ea typeface="+mn-ea"/>
           <a:cs typeface="+mn-cs"/>
         </a:defRPr>
       </a:lvl1pPr>
-      <a:lvl2pPr marL="594360" indent="-228600" algn="l" defTabSz="914400" rtl="0" eaLnBrk="1" latinLnBrk="0" hangingPunct="1">
+      <a:lvl2pPr marL="685800" indent="-228600" algn="l" defTabSz="914400" rtl="0" eaLnBrk="1" latinLnBrk="0" hangingPunct="1">
         <a:lnSpc>
           <a:spcPct val="90000"/>
         </a:lnSpc>
         <a:spcBef>
-          <a:spcPts val="1000"/>
+          <a:spcPts val="500"/>
         </a:spcBef>
-        <a:buClr>
-          <a:schemeClr val="accent1"/>
-        </a:buClr>
-        <a:buFont typeface="Arial" pitchFamily="34" charset="0"/>
+        <a:buFont typeface="Arial" panose="020B0604020202020204" pitchFamily="34" charset="0"/>
         <a:buChar char="•"/>
-        <a:defRPr sz="1800" kern="1200">
+        <a:defRPr sz="2400" kern="1200">
           <a:solidFill>
-            <a:schemeClr val="tx1">
-              <a:lumMod val="85000"/>
-            </a:schemeClr>
+            <a:schemeClr val="tx1"/>
           </a:solidFill>
           <a:latin typeface="+mn-lt"/>
           <a:ea typeface="+mn-ea"/>
           <a:cs typeface="+mn-cs"/>
         </a:defRPr>
       </a:lvl2pPr>
-      <a:lvl3pPr marL="914400" indent="-228600" algn="l" defTabSz="914400" rtl="0" eaLnBrk="1" latinLnBrk="0" hangingPunct="1">
+      <a:lvl3pPr marL="1143000" indent="-228600" algn="l" defTabSz="914400" rtl="0" eaLnBrk="1" latinLnBrk="0" hangingPunct="1">
         <a:lnSpc>
           <a:spcPct val="90000"/>
         </a:lnSpc>
         <a:spcBef>
-          <a:spcPts val="800"/>
+          <a:spcPts val="500"/>
         </a:spcBef>
-        <a:buClr>
-          <a:schemeClr val="accent1"/>
-        </a:buClr>
-        <a:buFont typeface="Arial" pitchFamily="34" charset="0"/>
+        <a:buFont typeface="Arial" panose="020B0604020202020204" pitchFamily="34" charset="0"/>
         <a:buChar char="•"/>
-        <a:defRPr sz="1600" kern="1200">
+        <a:defRPr sz="2000" kern="1200">
           <a:solidFill>
-            <a:schemeClr val="tx1">
-              <a:lumMod val="85000"/>
-            </a:schemeClr>
+            <a:schemeClr val="tx1"/>
           </a:solidFill>
           <a:latin typeface="+mn-lt"/>
           <a:ea typeface="+mn-ea"/>
           <a:cs typeface="+mn-cs"/>
         </a:defRPr>
       </a:lvl3pPr>
-      <a:lvl4pPr marL="1234440" indent="-228600" algn="l" defTabSz="914400" rtl="0" eaLnBrk="1" latinLnBrk="0" hangingPunct="1">
+      <a:lvl4pPr marL="1600200" indent="-228600" algn="l" defTabSz="914400" rtl="0" eaLnBrk="1" latinLnBrk="0" hangingPunct="1">
         <a:lnSpc>
           <a:spcPct val="90000"/>
         </a:lnSpc>
         <a:spcBef>
-          <a:spcPts val="800"/>
+          <a:spcPts val="500"/>
         </a:spcBef>
-        <a:buClr>
-          <a:schemeClr val="accent1"/>
-        </a:buClr>
-        <a:buFont typeface="Arial" pitchFamily="34" charset="0"/>
+        <a:buFont typeface="Arial" panose="020B0604020202020204" pitchFamily="34" charset="0"/>
         <a:buChar char="•"/>
-        <a:defRPr sz="1400" kern="1200">
+        <a:defRPr sz="1800" kern="1200">
           <a:solidFill>
-            <a:schemeClr val="tx1">
-              <a:lumMod val="85000"/>
-            </a:schemeClr>
+            <a:schemeClr val="tx1"/>
           </a:solidFill>
           <a:latin typeface="+mn-lt"/>
           <a:ea typeface="+mn-ea"/>
           <a:cs typeface="+mn-cs"/>
         </a:defRPr>
       </a:lvl4pPr>
-      <a:lvl5pPr marL="1508760" indent="-228600" algn="l" defTabSz="914400" rtl="0" eaLnBrk="1" latinLnBrk="0" hangingPunct="1">
+      <a:lvl5pPr marL="2057400" indent="-228600" algn="l" defTabSz="914400" rtl="0" eaLnBrk="1" latinLnBrk="0" hangingPunct="1">
         <a:lnSpc>
           <a:spcPct val="90000"/>
         </a:lnSpc>
         <a:spcBef>
-          <a:spcPts val="800"/>
+          <a:spcPts val="500"/>
         </a:spcBef>
-        <a:buClr>
-          <a:schemeClr val="accent1"/>
-        </a:buClr>
-        <a:buFont typeface="Arial" pitchFamily="34" charset="0"/>
+        <a:buFont typeface="Arial" panose="020B0604020202020204" pitchFamily="34" charset="0"/>
         <a:buChar char="•"/>
-        <a:defRPr sz="1400" kern="1200">
+        <a:defRPr sz="1800" kern="1200">
           <a:solidFill>
-            <a:schemeClr val="tx1">
-              <a:lumMod val="85000"/>
-            </a:schemeClr>
+            <a:schemeClr val="tx1"/>
           </a:solidFill>
           <a:latin typeface="+mn-lt"/>
           <a:ea typeface="+mn-ea"/>
           <a:cs typeface="+mn-cs"/>
         </a:defRPr>
       </a:lvl5pPr>
-      <a:lvl6pPr marL="1783080" indent="-228600" algn="l" defTabSz="914400" rtl="0" eaLnBrk="1" latinLnBrk="0" hangingPunct="1">
+      <a:lvl6pPr marL="2514600" indent="-228600" algn="l" defTabSz="914400" rtl="0" eaLnBrk="1" latinLnBrk="0" hangingPunct="1">
         <a:lnSpc>
           <a:spcPct val="90000"/>
         </a:lnSpc>
         <a:spcBef>
-          <a:spcPts val="800"/>
+          <a:spcPts val="500"/>
         </a:spcBef>
-        <a:buClr>
-          <a:schemeClr val="accent1"/>
-        </a:buClr>
-        <a:buFont typeface="Arial" pitchFamily="34" charset="0"/>
+        <a:buFont typeface="Arial" panose="020B0604020202020204" pitchFamily="34" charset="0"/>
         <a:buChar char="•"/>
-        <a:defRPr sz="1400" kern="1200">
+        <a:defRPr sz="1800" kern="1200">
           <a:solidFill>
             <a:schemeClr val="tx1"/>
           </a:solidFill>
@@ -3646,19 +3770,16 @@
           <a:cs typeface="+mn-cs"/>
         </a:defRPr>
       </a:lvl6pPr>
-      <a:lvl7pPr marL="2057400" indent="-228600" algn="l" defTabSz="914400" rtl="0" eaLnBrk="1" latinLnBrk="0" hangingPunct="1">
+      <a:lvl7pPr marL="2971800" indent="-228600" algn="l" defTabSz="914400" rtl="0" eaLnBrk="1" latinLnBrk="0" hangingPunct="1">
         <a:lnSpc>
           <a:spcPct val="90000"/>
         </a:lnSpc>
         <a:spcBef>
-          <a:spcPts val="800"/>
+          <a:spcPts val="500"/>
         </a:spcBef>
-        <a:buClr>
-          <a:schemeClr val="accent1"/>
-        </a:buClr>
-        <a:buFont typeface="Arial" pitchFamily="34" charset="0"/>
+        <a:buFont typeface="Arial" panose="020B0604020202020204" pitchFamily="34" charset="0"/>
         <a:buChar char="•"/>
-        <a:defRPr sz="1400" kern="1200">
+        <a:defRPr sz="1800" kern="1200">
           <a:solidFill>
             <a:schemeClr val="tx1"/>
           </a:solidFill>
@@ -3667,19 +3788,16 @@
           <a:cs typeface="+mn-cs"/>
         </a:defRPr>
       </a:lvl7pPr>
-      <a:lvl8pPr marL="2331720" indent="-228600" algn="l" defTabSz="914400" rtl="0" eaLnBrk="1" latinLnBrk="0" hangingPunct="1">
+      <a:lvl8pPr marL="3429000" indent="-228600" algn="l" defTabSz="914400" rtl="0" eaLnBrk="1" latinLnBrk="0" hangingPunct="1">
         <a:lnSpc>
           <a:spcPct val="90000"/>
         </a:lnSpc>
         <a:spcBef>
-          <a:spcPts val="800"/>
+          <a:spcPts val="500"/>
         </a:spcBef>
-        <a:buClr>
-          <a:schemeClr val="accent1"/>
-        </a:buClr>
-        <a:buFont typeface="Arial" pitchFamily="34" charset="0"/>
+        <a:buFont typeface="Arial" panose="020B0604020202020204" pitchFamily="34" charset="0"/>
         <a:buChar char="•"/>
-        <a:defRPr sz="1400" kern="1200">
+        <a:defRPr sz="1800" kern="1200">
           <a:solidFill>
             <a:schemeClr val="tx1"/>
           </a:solidFill>
@@ -3688,19 +3806,16 @@
           <a:cs typeface="+mn-cs"/>
         </a:defRPr>
       </a:lvl8pPr>
-      <a:lvl9pPr marL="2606040" indent="-228600" algn="l" defTabSz="914400" rtl="0" eaLnBrk="1" latinLnBrk="0" hangingPunct="1">
+      <a:lvl9pPr marL="3886200" indent="-228600" algn="l" defTabSz="914400" rtl="0" eaLnBrk="1" latinLnBrk="0" hangingPunct="1">
         <a:lnSpc>
           <a:spcPct val="90000"/>
         </a:lnSpc>
         <a:spcBef>
-          <a:spcPts val="800"/>
+          <a:spcPts val="500"/>
         </a:spcBef>
-        <a:buClr>
-          <a:schemeClr val="accent1"/>
-        </a:buClr>
-        <a:buFont typeface="Arial" pitchFamily="34" charset="0"/>
+        <a:buFont typeface="Arial" panose="020B0604020202020204" pitchFamily="34" charset="0"/>
         <a:buChar char="•"/>
-        <a:defRPr sz="1400" kern="1200">
+        <a:defRPr sz="1800" kern="1200">
           <a:solidFill>
             <a:schemeClr val="tx1"/>
           </a:solidFill>
@@ -3712,7 +3827,7 @@
     </p:bodyStyle>
     <p:otherStyle>
       <a:defPPr>
-        <a:defRPr/>
+        <a:defRPr lang="pt-BR"/>
       </a:defPPr>
       <a:lvl1pPr marL="0" algn="l" defTabSz="914400" rtl="0" eaLnBrk="1" latinLnBrk="0" hangingPunct="1">
         <a:defRPr sz="1800" kern="1200">
@@ -3806,20 +3921,9 @@
       </a:lvl9pPr>
     </p:otherStyle>
   </p:txStyles>
-  <p:extLst mod="1">
+  <p:extLst>
     <p:ext uri="{27BBF7A9-308A-43DC-89C8-2F10F3537804}">
-      <p15:sldGuideLst xmlns:p15="http://schemas.microsoft.com/office/powerpoint/2012/main">
-        <p15:guide id="1" orient="horz" pos="2160">
-          <p15:clr>
-            <a:srgbClr val="F26B43"/>
-          </p15:clr>
-        </p15:guide>
-        <p15:guide id="2" pos="3840">
-          <p15:clr>
-            <a:srgbClr val="F26B43"/>
-          </p15:clr>
-        </p15:guide>
-      </p15:sldGuideLst>
+      <p15:sldGuideLst xmlns:p15="http://schemas.microsoft.com/office/powerpoint/2012/main"/>
     </p:ext>
   </p:extLst>
 </p:sldMaster>
@@ -3854,43 +3958,39 @@
         </p:nvSpPr>
         <p:spPr/>
         <p:txBody>
-          <a:bodyPr rtlCol="0"/>
+          <a:bodyPr/>
           <a:lstStyle/>
           <a:p>
             <a:r>
               <a:rPr lang="pt-BR" dirty="0"/>
-              <a:t>Instalação Oracle Data </a:t>
-            </a:r>
-            <a:r>
-              <a:rPr lang="pt-BR" dirty="0" err="1"/>
-              <a:t>Integrator</a:t>
-            </a:r>
+              <a:t>Instalação Oracle Data Integrator (ODI)</a:t>
+            </a:r>
+          </a:p>
+        </p:txBody>
+      </p:sp>
+      <p:sp>
+        <p:nvSpPr>
+          <p:cNvPr id="3" name="Subtítulo 2"/>
+          <p:cNvSpPr>
+            <a:spLocks noGrp="1"/>
+          </p:cNvSpPr>
+          <p:nvPr>
+            <p:ph type="subTitle" idx="1"/>
+          </p:nvPr>
+        </p:nvSpPr>
+        <p:spPr>
+          <a:xfrm>
+            <a:off x="5021312" y="3933056"/>
+            <a:ext cx="2149376" cy="719658"/>
+          </a:xfrm>
+        </p:spPr>
+        <p:txBody>
+          <a:bodyPr/>
+          <a:lstStyle/>
+          <a:p>
             <a:r>
               <a:rPr lang="pt-BR" dirty="0"/>
-              <a:t> (ODI)</a:t>
-            </a:r>
-          </a:p>
-        </p:txBody>
-      </p:sp>
-      <p:sp>
-        <p:nvSpPr>
-          <p:cNvPr id="3" name="Subtítulo 2"/>
-          <p:cNvSpPr>
-            <a:spLocks noGrp="1"/>
-          </p:cNvSpPr>
-          <p:nvPr>
-            <p:ph type="subTitle" idx="1"/>
-          </p:nvPr>
-        </p:nvSpPr>
-        <p:spPr/>
-        <p:txBody>
-          <a:bodyPr rtlCol="0"/>
-          <a:lstStyle/>
-          <a:p>
-            <a:pPr rtl="0"/>
-            <a:r>
-              <a:rPr lang="pt-BR" dirty="0"/>
-              <a:t>Subtítulo</a:t>
+              <a:t>Thayse Jordão</a:t>
             </a:r>
           </a:p>
         </p:txBody>
@@ -3939,7 +4039,13 @@
       </p:grpSpPr>
       <p:sp>
         <p:nvSpPr>
-          <p:cNvPr id="2" name="Título 1"/>
+          <p:cNvPr id="2" name="Title 1">
+            <a:extLst>
+              <a:ext uri="{FF2B5EF4-FFF2-40B4-BE49-F238E27FC236}">
+                <a16:creationId xmlns:a16="http://schemas.microsoft.com/office/drawing/2014/main" id="{E5F2F1AF-EF8F-4249-B5F0-7D7F3C75749A}"/>
+              </a:ext>
+            </a:extLst>
+          </p:cNvPr>
           <p:cNvSpPr>
             <a:spLocks noGrp="1"/>
           </p:cNvSpPr>
@@ -3949,50 +4055,512 @@
         </p:nvSpPr>
         <p:spPr/>
         <p:txBody>
-          <a:bodyPr rtlCol="0"/>
-          <a:lstStyle/>
-          <a:p>
-            <a:pPr rtl="0"/>
-            <a:endParaRPr lang="pt-BR" dirty="0"/>
-          </a:p>
-        </p:txBody>
-      </p:sp>
-      <p:sp>
-        <p:nvSpPr>
-          <p:cNvPr id="3" name="Espaço Reservado para Imagem 2"/>
-          <p:cNvSpPr>
-            <a:spLocks noGrp="1"/>
-          </p:cNvSpPr>
-          <p:nvPr>
-            <p:ph type="pic" idx="1"/>
+          <a:bodyPr/>
+          <a:lstStyle/>
+          <a:p>
+            <a:endParaRPr lang="pt-BR"/>
+          </a:p>
+        </p:txBody>
+      </p:sp>
+      <p:sp>
+        <p:nvSpPr>
+          <p:cNvPr id="3" name="Content Placeholder 2">
+            <a:extLst>
+              <a:ext uri="{FF2B5EF4-FFF2-40B4-BE49-F238E27FC236}">
+                <a16:creationId xmlns:a16="http://schemas.microsoft.com/office/drawing/2014/main" id="{455F8FA7-9A64-41DA-8E00-D05A036D9C00}"/>
+              </a:ext>
+            </a:extLst>
+          </p:cNvPr>
+          <p:cNvSpPr>
+            <a:spLocks noGrp="1"/>
+          </p:cNvSpPr>
+          <p:nvPr>
+            <p:ph idx="1"/>
           </p:nvPr>
         </p:nvSpPr>
         <p:spPr/>
-      </p:sp>
-      <p:sp>
-        <p:nvSpPr>
-          <p:cNvPr id="4" name="Espaço Reservado para Texto 3"/>
-          <p:cNvSpPr>
-            <a:spLocks noGrp="1"/>
-          </p:cNvSpPr>
-          <p:nvPr>
-            <p:ph type="body" sz="half" idx="2"/>
-          </p:nvPr>
-        </p:nvSpPr>
-        <p:spPr/>
-        <p:txBody>
-          <a:bodyPr rtlCol="0"/>
-          <a:lstStyle/>
-          <a:p>
-            <a:pPr rtl="0"/>
-            <a:endParaRPr lang="pt-BR" dirty="0"/>
-          </a:p>
-        </p:txBody>
-      </p:sp>
+        <p:txBody>
+          <a:bodyPr/>
+          <a:lstStyle/>
+          <a:p>
+            <a:endParaRPr lang="pt-BR"/>
+          </a:p>
+        </p:txBody>
+      </p:sp>
+      <p:pic>
+        <p:nvPicPr>
+          <p:cNvPr id="4" name="Picture 3">
+            <a:extLst>
+              <a:ext uri="{FF2B5EF4-FFF2-40B4-BE49-F238E27FC236}">
+                <a16:creationId xmlns:a16="http://schemas.microsoft.com/office/drawing/2014/main" id="{9139226D-2A07-462B-AC0C-3E7E7213B921}"/>
+              </a:ext>
+            </a:extLst>
+          </p:cNvPr>
+          <p:cNvPicPr>
+            <a:picLocks noChangeAspect="1"/>
+          </p:cNvPicPr>
+          <p:nvPr/>
+        </p:nvPicPr>
+        <p:blipFill>
+          <a:blip r:embed="rId2"/>
+          <a:stretch>
+            <a:fillRect/>
+          </a:stretch>
+        </p:blipFill>
+        <p:spPr>
+          <a:xfrm>
+            <a:off x="2314575" y="385589"/>
+            <a:ext cx="7562850" cy="5895975"/>
+          </a:xfrm>
+          <a:prstGeom prst="rect">
+            <a:avLst/>
+          </a:prstGeom>
+        </p:spPr>
+      </p:pic>
     </p:spTree>
     <p:extLst>
       <p:ext uri="{BB962C8B-B14F-4D97-AF65-F5344CB8AC3E}">
-        <p14:creationId xmlns:p14="http://schemas.microsoft.com/office/powerpoint/2010/main" val="1857640680"/>
+        <p14:creationId xmlns:p14="http://schemas.microsoft.com/office/powerpoint/2010/main" val="2530084679"/>
+      </p:ext>
+    </p:extLst>
+  </p:cSld>
+  <p:clrMapOvr>
+    <a:masterClrMapping/>
+  </p:clrMapOvr>
+</p:sld>
+</file>
+
+<file path=ppt/slides/slide11.xml><?xml version="1.0" encoding="utf-8"?>
+<p:sld xmlns:a="http://schemas.openxmlformats.org/drawingml/2006/main" xmlns:r="http://schemas.openxmlformats.org/officeDocument/2006/relationships" xmlns:p="http://schemas.openxmlformats.org/presentationml/2006/main">
+  <p:cSld>
+    <p:spTree>
+      <p:nvGrpSpPr>
+        <p:cNvPr id="1" name=""/>
+        <p:cNvGrpSpPr/>
+        <p:nvPr/>
+      </p:nvGrpSpPr>
+      <p:grpSpPr>
+        <a:xfrm>
+          <a:off x="0" y="0"/>
+          <a:ext cx="0" cy="0"/>
+          <a:chOff x="0" y="0"/>
+          <a:chExt cx="0" cy="0"/>
+        </a:xfrm>
+      </p:grpSpPr>
+      <p:sp>
+        <p:nvSpPr>
+          <p:cNvPr id="2" name="Title 1">
+            <a:extLst>
+              <a:ext uri="{FF2B5EF4-FFF2-40B4-BE49-F238E27FC236}">
+                <a16:creationId xmlns:a16="http://schemas.microsoft.com/office/drawing/2014/main" id="{101C559E-BD15-4A71-B07D-557EE6FAAA3C}"/>
+              </a:ext>
+            </a:extLst>
+          </p:cNvPr>
+          <p:cNvSpPr>
+            <a:spLocks noGrp="1"/>
+          </p:cNvSpPr>
+          <p:nvPr>
+            <p:ph type="title"/>
+          </p:nvPr>
+        </p:nvSpPr>
+        <p:spPr/>
+        <p:txBody>
+          <a:bodyPr/>
+          <a:lstStyle/>
+          <a:p>
+            <a:endParaRPr lang="pt-BR"/>
+          </a:p>
+        </p:txBody>
+      </p:sp>
+      <p:sp>
+        <p:nvSpPr>
+          <p:cNvPr id="3" name="Content Placeholder 2">
+            <a:extLst>
+              <a:ext uri="{FF2B5EF4-FFF2-40B4-BE49-F238E27FC236}">
+                <a16:creationId xmlns:a16="http://schemas.microsoft.com/office/drawing/2014/main" id="{7383E2B7-9B23-44BB-B9AE-68EF680A756F}"/>
+              </a:ext>
+            </a:extLst>
+          </p:cNvPr>
+          <p:cNvSpPr>
+            <a:spLocks noGrp="1"/>
+          </p:cNvSpPr>
+          <p:nvPr>
+            <p:ph idx="1"/>
+          </p:nvPr>
+        </p:nvSpPr>
+        <p:spPr/>
+        <p:txBody>
+          <a:bodyPr/>
+          <a:lstStyle/>
+          <a:p>
+            <a:endParaRPr lang="pt-BR"/>
+          </a:p>
+        </p:txBody>
+      </p:sp>
+      <p:pic>
+        <p:nvPicPr>
+          <p:cNvPr id="4" name="Picture 3">
+            <a:extLst>
+              <a:ext uri="{FF2B5EF4-FFF2-40B4-BE49-F238E27FC236}">
+                <a16:creationId xmlns:a16="http://schemas.microsoft.com/office/drawing/2014/main" id="{D8479EBE-40B2-4A98-99AE-05693B69298A}"/>
+              </a:ext>
+            </a:extLst>
+          </p:cNvPr>
+          <p:cNvPicPr>
+            <a:picLocks noChangeAspect="1"/>
+          </p:cNvPicPr>
+          <p:nvPr/>
+        </p:nvPicPr>
+        <p:blipFill>
+          <a:blip r:embed="rId2"/>
+          <a:stretch>
+            <a:fillRect/>
+          </a:stretch>
+        </p:blipFill>
+        <p:spPr>
+          <a:xfrm>
+            <a:off x="2314575" y="365125"/>
+            <a:ext cx="7562850" cy="5924550"/>
+          </a:xfrm>
+          <a:prstGeom prst="rect">
+            <a:avLst/>
+          </a:prstGeom>
+        </p:spPr>
+      </p:pic>
+    </p:spTree>
+    <p:extLst>
+      <p:ext uri="{BB962C8B-B14F-4D97-AF65-F5344CB8AC3E}">
+        <p14:creationId xmlns:p14="http://schemas.microsoft.com/office/powerpoint/2010/main" val="1341138665"/>
+      </p:ext>
+    </p:extLst>
+  </p:cSld>
+  <p:clrMapOvr>
+    <a:masterClrMapping/>
+  </p:clrMapOvr>
+</p:sld>
+</file>
+
+<file path=ppt/slides/slide12.xml><?xml version="1.0" encoding="utf-8"?>
+<p:sld xmlns:a="http://schemas.openxmlformats.org/drawingml/2006/main" xmlns:r="http://schemas.openxmlformats.org/officeDocument/2006/relationships" xmlns:p="http://schemas.openxmlformats.org/presentationml/2006/main">
+  <p:cSld>
+    <p:spTree>
+      <p:nvGrpSpPr>
+        <p:cNvPr id="1" name=""/>
+        <p:cNvGrpSpPr/>
+        <p:nvPr/>
+      </p:nvGrpSpPr>
+      <p:grpSpPr>
+        <a:xfrm>
+          <a:off x="0" y="0"/>
+          <a:ext cx="0" cy="0"/>
+          <a:chOff x="0" y="0"/>
+          <a:chExt cx="0" cy="0"/>
+        </a:xfrm>
+      </p:grpSpPr>
+      <p:sp>
+        <p:nvSpPr>
+          <p:cNvPr id="2" name="Title 1">
+            <a:extLst>
+              <a:ext uri="{FF2B5EF4-FFF2-40B4-BE49-F238E27FC236}">
+                <a16:creationId xmlns:a16="http://schemas.microsoft.com/office/drawing/2014/main" id="{08C4151B-259D-4410-A4F9-E24248FF08C7}"/>
+              </a:ext>
+            </a:extLst>
+          </p:cNvPr>
+          <p:cNvSpPr>
+            <a:spLocks noGrp="1"/>
+          </p:cNvSpPr>
+          <p:nvPr>
+            <p:ph type="title"/>
+          </p:nvPr>
+        </p:nvSpPr>
+        <p:spPr/>
+        <p:txBody>
+          <a:bodyPr/>
+          <a:lstStyle/>
+          <a:p>
+            <a:endParaRPr lang="pt-BR"/>
+          </a:p>
+        </p:txBody>
+      </p:sp>
+      <p:sp>
+        <p:nvSpPr>
+          <p:cNvPr id="3" name="Content Placeholder 2">
+            <a:extLst>
+              <a:ext uri="{FF2B5EF4-FFF2-40B4-BE49-F238E27FC236}">
+                <a16:creationId xmlns:a16="http://schemas.microsoft.com/office/drawing/2014/main" id="{D030D840-F127-42F4-9B12-588C8CC846A9}"/>
+              </a:ext>
+            </a:extLst>
+          </p:cNvPr>
+          <p:cNvSpPr>
+            <a:spLocks noGrp="1"/>
+          </p:cNvSpPr>
+          <p:nvPr>
+            <p:ph idx="1"/>
+          </p:nvPr>
+        </p:nvSpPr>
+        <p:spPr/>
+        <p:txBody>
+          <a:bodyPr/>
+          <a:lstStyle/>
+          <a:p>
+            <a:endParaRPr lang="pt-BR"/>
+          </a:p>
+        </p:txBody>
+      </p:sp>
+      <p:pic>
+        <p:nvPicPr>
+          <p:cNvPr id="4" name="Picture 3">
+            <a:extLst>
+              <a:ext uri="{FF2B5EF4-FFF2-40B4-BE49-F238E27FC236}">
+                <a16:creationId xmlns:a16="http://schemas.microsoft.com/office/drawing/2014/main" id="{4B2AF85B-C9FE-486F-B1D6-4CA823523C58}"/>
+              </a:ext>
+            </a:extLst>
+          </p:cNvPr>
+          <p:cNvPicPr>
+            <a:picLocks noChangeAspect="1"/>
+          </p:cNvPicPr>
+          <p:nvPr/>
+        </p:nvPicPr>
+        <p:blipFill>
+          <a:blip r:embed="rId2"/>
+          <a:stretch>
+            <a:fillRect/>
+          </a:stretch>
+        </p:blipFill>
+        <p:spPr>
+          <a:xfrm>
+            <a:off x="2319337" y="365125"/>
+            <a:ext cx="7553325" cy="5953125"/>
+          </a:xfrm>
+          <a:prstGeom prst="rect">
+            <a:avLst/>
+          </a:prstGeom>
+        </p:spPr>
+      </p:pic>
+    </p:spTree>
+    <p:extLst>
+      <p:ext uri="{BB962C8B-B14F-4D97-AF65-F5344CB8AC3E}">
+        <p14:creationId xmlns:p14="http://schemas.microsoft.com/office/powerpoint/2010/main" val="503080595"/>
+      </p:ext>
+    </p:extLst>
+  </p:cSld>
+  <p:clrMapOvr>
+    <a:masterClrMapping/>
+  </p:clrMapOvr>
+</p:sld>
+</file>
+
+<file path=ppt/slides/slide13.xml><?xml version="1.0" encoding="utf-8"?>
+<p:sld xmlns:a="http://schemas.openxmlformats.org/drawingml/2006/main" xmlns:r="http://schemas.openxmlformats.org/officeDocument/2006/relationships" xmlns:p="http://schemas.openxmlformats.org/presentationml/2006/main">
+  <p:cSld>
+    <p:spTree>
+      <p:nvGrpSpPr>
+        <p:cNvPr id="1" name=""/>
+        <p:cNvGrpSpPr/>
+        <p:nvPr/>
+      </p:nvGrpSpPr>
+      <p:grpSpPr>
+        <a:xfrm>
+          <a:off x="0" y="0"/>
+          <a:ext cx="0" cy="0"/>
+          <a:chOff x="0" y="0"/>
+          <a:chExt cx="0" cy="0"/>
+        </a:xfrm>
+      </p:grpSpPr>
+      <p:sp>
+        <p:nvSpPr>
+          <p:cNvPr id="2" name="Title 1">
+            <a:extLst>
+              <a:ext uri="{FF2B5EF4-FFF2-40B4-BE49-F238E27FC236}">
+                <a16:creationId xmlns:a16="http://schemas.microsoft.com/office/drawing/2014/main" id="{0961646C-985B-466E-B44D-07C2DBF41715}"/>
+              </a:ext>
+            </a:extLst>
+          </p:cNvPr>
+          <p:cNvSpPr>
+            <a:spLocks noGrp="1"/>
+          </p:cNvSpPr>
+          <p:nvPr>
+            <p:ph type="title"/>
+          </p:nvPr>
+        </p:nvSpPr>
+        <p:spPr/>
+        <p:txBody>
+          <a:bodyPr/>
+          <a:lstStyle/>
+          <a:p>
+            <a:endParaRPr lang="pt-BR"/>
+          </a:p>
+        </p:txBody>
+      </p:sp>
+      <p:sp>
+        <p:nvSpPr>
+          <p:cNvPr id="3" name="Content Placeholder 2">
+            <a:extLst>
+              <a:ext uri="{FF2B5EF4-FFF2-40B4-BE49-F238E27FC236}">
+                <a16:creationId xmlns:a16="http://schemas.microsoft.com/office/drawing/2014/main" id="{ED82B595-7825-4CE0-A57B-DEFD010EBB50}"/>
+              </a:ext>
+            </a:extLst>
+          </p:cNvPr>
+          <p:cNvSpPr>
+            <a:spLocks noGrp="1"/>
+          </p:cNvSpPr>
+          <p:nvPr>
+            <p:ph idx="1"/>
+          </p:nvPr>
+        </p:nvSpPr>
+        <p:spPr/>
+        <p:txBody>
+          <a:bodyPr/>
+          <a:lstStyle/>
+          <a:p>
+            <a:endParaRPr lang="pt-BR"/>
+          </a:p>
+        </p:txBody>
+      </p:sp>
+      <p:pic>
+        <p:nvPicPr>
+          <p:cNvPr id="4" name="Picture 3">
+            <a:extLst>
+              <a:ext uri="{FF2B5EF4-FFF2-40B4-BE49-F238E27FC236}">
+                <a16:creationId xmlns:a16="http://schemas.microsoft.com/office/drawing/2014/main" id="{11DCCFE6-E788-4B51-86A8-A04B3EAD432D}"/>
+              </a:ext>
+            </a:extLst>
+          </p:cNvPr>
+          <p:cNvPicPr>
+            <a:picLocks noChangeAspect="1"/>
+          </p:cNvPicPr>
+          <p:nvPr/>
+        </p:nvPicPr>
+        <p:blipFill>
+          <a:blip r:embed="rId2"/>
+          <a:stretch>
+            <a:fillRect/>
+          </a:stretch>
+        </p:blipFill>
+        <p:spPr>
+          <a:xfrm>
+            <a:off x="2309812" y="323850"/>
+            <a:ext cx="7572375" cy="5915025"/>
+          </a:xfrm>
+          <a:prstGeom prst="rect">
+            <a:avLst/>
+          </a:prstGeom>
+        </p:spPr>
+      </p:pic>
+    </p:spTree>
+    <p:extLst>
+      <p:ext uri="{BB962C8B-B14F-4D97-AF65-F5344CB8AC3E}">
+        <p14:creationId xmlns:p14="http://schemas.microsoft.com/office/powerpoint/2010/main" val="1689799115"/>
+      </p:ext>
+    </p:extLst>
+  </p:cSld>
+  <p:clrMapOvr>
+    <a:masterClrMapping/>
+  </p:clrMapOvr>
+</p:sld>
+</file>
+
+<file path=ppt/slides/slide14.xml><?xml version="1.0" encoding="utf-8"?>
+<p:sld xmlns:a="http://schemas.openxmlformats.org/drawingml/2006/main" xmlns:r="http://schemas.openxmlformats.org/officeDocument/2006/relationships" xmlns:p="http://schemas.openxmlformats.org/presentationml/2006/main">
+  <p:cSld>
+    <p:spTree>
+      <p:nvGrpSpPr>
+        <p:cNvPr id="1" name=""/>
+        <p:cNvGrpSpPr/>
+        <p:nvPr/>
+      </p:nvGrpSpPr>
+      <p:grpSpPr>
+        <a:xfrm>
+          <a:off x="0" y="0"/>
+          <a:ext cx="0" cy="0"/>
+          <a:chOff x="0" y="0"/>
+          <a:chExt cx="0" cy="0"/>
+        </a:xfrm>
+      </p:grpSpPr>
+      <p:sp>
+        <p:nvSpPr>
+          <p:cNvPr id="2" name="Title 1">
+            <a:extLst>
+              <a:ext uri="{FF2B5EF4-FFF2-40B4-BE49-F238E27FC236}">
+                <a16:creationId xmlns:a16="http://schemas.microsoft.com/office/drawing/2014/main" id="{D15C4A57-0C82-4E34-B930-5D5A6064B7C9}"/>
+              </a:ext>
+            </a:extLst>
+          </p:cNvPr>
+          <p:cNvSpPr>
+            <a:spLocks noGrp="1"/>
+          </p:cNvSpPr>
+          <p:nvPr>
+            <p:ph type="title"/>
+          </p:nvPr>
+        </p:nvSpPr>
+        <p:spPr/>
+        <p:txBody>
+          <a:bodyPr/>
+          <a:lstStyle/>
+          <a:p>
+            <a:endParaRPr lang="pt-BR"/>
+          </a:p>
+        </p:txBody>
+      </p:sp>
+      <p:sp>
+        <p:nvSpPr>
+          <p:cNvPr id="3" name="Content Placeholder 2">
+            <a:extLst>
+              <a:ext uri="{FF2B5EF4-FFF2-40B4-BE49-F238E27FC236}">
+                <a16:creationId xmlns:a16="http://schemas.microsoft.com/office/drawing/2014/main" id="{AD5C5F0B-C26B-46AE-B552-41097FB8A022}"/>
+              </a:ext>
+            </a:extLst>
+          </p:cNvPr>
+          <p:cNvSpPr>
+            <a:spLocks noGrp="1"/>
+          </p:cNvSpPr>
+          <p:nvPr>
+            <p:ph idx="1"/>
+          </p:nvPr>
+        </p:nvSpPr>
+        <p:spPr/>
+        <p:txBody>
+          <a:bodyPr/>
+          <a:lstStyle/>
+          <a:p>
+            <a:endParaRPr lang="pt-BR"/>
+          </a:p>
+        </p:txBody>
+      </p:sp>
+      <p:pic>
+        <p:nvPicPr>
+          <p:cNvPr id="4" name="Picture 3">
+            <a:extLst>
+              <a:ext uri="{FF2B5EF4-FFF2-40B4-BE49-F238E27FC236}">
+                <a16:creationId xmlns:a16="http://schemas.microsoft.com/office/drawing/2014/main" id="{9DB668CF-3AA4-4587-B772-1FE32B0C185F}"/>
+              </a:ext>
+            </a:extLst>
+          </p:cNvPr>
+          <p:cNvPicPr>
+            <a:picLocks noChangeAspect="1"/>
+          </p:cNvPicPr>
+          <p:nvPr/>
+        </p:nvPicPr>
+        <p:blipFill>
+          <a:blip r:embed="rId2"/>
+          <a:stretch>
+            <a:fillRect/>
+          </a:stretch>
+        </p:blipFill>
+        <p:spPr>
+          <a:xfrm>
+            <a:off x="4605337" y="2571750"/>
+            <a:ext cx="2981325" cy="1714500"/>
+          </a:xfrm>
+          <a:prstGeom prst="rect">
+            <a:avLst/>
+          </a:prstGeom>
+        </p:spPr>
+      </p:pic>
+    </p:spTree>
+    <p:extLst>
+      <p:ext uri="{BB962C8B-B14F-4D97-AF65-F5344CB8AC3E}">
+        <p14:creationId xmlns:p14="http://schemas.microsoft.com/office/powerpoint/2010/main" val="1007144253"/>
       </p:ext>
     </p:extLst>
   </p:cSld>
@@ -4075,37 +4643,21 @@
             <a:pPr lvl="1"/>
             <a:r>
               <a:rPr lang="pt-BR" dirty="0"/>
-              <a:t>Java – JKD &gt; 1.7</a:t>
+              <a:t>Java – 1.8.191 &lt; JKD &gt; 1.8.161 para ODI 12c “12.2.1.3.0_odi”</a:t>
             </a:r>
           </a:p>
           <a:p>
             <a:pPr lvl="1"/>
             <a:r>
               <a:rPr lang="pt-BR" dirty="0"/>
-              <a:t>Oracle Data </a:t>
-            </a:r>
-            <a:r>
-              <a:rPr lang="pt-BR" dirty="0" err="1"/>
-              <a:t>Integrator</a:t>
-            </a:r>
+              <a:t>Oracle Data Integrator 12c “12.2.1.3.0_odi”;</a:t>
+            </a:r>
+          </a:p>
+          <a:p>
+            <a:pPr lvl="1"/>
             <a:r>
               <a:rPr lang="pt-BR" dirty="0"/>
-              <a:t> 12c;</a:t>
-            </a:r>
-          </a:p>
-          <a:p>
-            <a:pPr lvl="1"/>
-            <a:r>
-              <a:rPr lang="pt-BR" dirty="0"/>
-              <a:t>Oracle </a:t>
-            </a:r>
-            <a:r>
-              <a:rPr lang="pt-BR" dirty="0" err="1"/>
               <a:t>Database</a:t>
-            </a:r>
-            <a:r>
-              <a:rPr lang="pt-BR" dirty="0"/>
-              <a:t> &gt; 11g </a:t>
             </a:r>
           </a:p>
         </p:txBody>
@@ -4142,6 +4694,98 @@
       </p:grpSpPr>
       <p:sp>
         <p:nvSpPr>
+          <p:cNvPr id="2" name="Title 1">
+            <a:extLst>
+              <a:ext uri="{FF2B5EF4-FFF2-40B4-BE49-F238E27FC236}">
+                <a16:creationId xmlns:a16="http://schemas.microsoft.com/office/drawing/2014/main" id="{4ADEAEC2-248D-4E93-8459-D487FF175683}"/>
+              </a:ext>
+            </a:extLst>
+          </p:cNvPr>
+          <p:cNvSpPr>
+            <a:spLocks noGrp="1"/>
+          </p:cNvSpPr>
+          <p:nvPr>
+            <p:ph type="title"/>
+          </p:nvPr>
+        </p:nvSpPr>
+        <p:spPr/>
+        <p:txBody>
+          <a:bodyPr/>
+          <a:lstStyle/>
+          <a:p>
+            <a:r>
+              <a:rPr lang="pt-BR" dirty="0"/>
+              <a:t>Opções de instalação</a:t>
+            </a:r>
+          </a:p>
+        </p:txBody>
+      </p:sp>
+      <p:sp>
+        <p:nvSpPr>
+          <p:cNvPr id="3" name="Content Placeholder 2">
+            <a:extLst>
+              <a:ext uri="{FF2B5EF4-FFF2-40B4-BE49-F238E27FC236}">
+                <a16:creationId xmlns:a16="http://schemas.microsoft.com/office/drawing/2014/main" id="{AA4B9775-87C7-4F6B-8940-55FFD110B808}"/>
+              </a:ext>
+            </a:extLst>
+          </p:cNvPr>
+          <p:cNvSpPr>
+            <a:spLocks noGrp="1"/>
+          </p:cNvSpPr>
+          <p:nvPr>
+            <p:ph idx="1"/>
+          </p:nvPr>
+        </p:nvSpPr>
+        <p:spPr/>
+        <p:txBody>
+          <a:bodyPr/>
+          <a:lstStyle/>
+          <a:p>
+            <a:r>
+              <a:rPr lang="pt-BR" dirty="0"/>
+              <a:t>Configuração de Variável ambiente;</a:t>
+            </a:r>
+          </a:p>
+          <a:p>
+            <a:r>
+              <a:rPr lang="pt-BR" dirty="0"/>
+              <a:t>Sem configuração de Variável ambiente;</a:t>
+            </a:r>
+          </a:p>
+        </p:txBody>
+      </p:sp>
+    </p:spTree>
+    <p:extLst>
+      <p:ext uri="{BB962C8B-B14F-4D97-AF65-F5344CB8AC3E}">
+        <p14:creationId xmlns:p14="http://schemas.microsoft.com/office/powerpoint/2010/main" val="3854859337"/>
+      </p:ext>
+    </p:extLst>
+  </p:cSld>
+  <p:clrMapOvr>
+    <a:masterClrMapping/>
+  </p:clrMapOvr>
+</p:sld>
+</file>
+
+<file path=ppt/slides/slide4.xml><?xml version="1.0" encoding="utf-8"?>
+<p:sld xmlns:a="http://schemas.openxmlformats.org/drawingml/2006/main" xmlns:r="http://schemas.openxmlformats.org/officeDocument/2006/relationships" xmlns:p="http://schemas.openxmlformats.org/presentationml/2006/main">
+  <p:cSld>
+    <p:spTree>
+      <p:nvGrpSpPr>
+        <p:cNvPr id="1" name=""/>
+        <p:cNvGrpSpPr/>
+        <p:nvPr/>
+      </p:nvGrpSpPr>
+      <p:grpSpPr>
+        <a:xfrm>
+          <a:off x="0" y="0"/>
+          <a:ext cx="0" cy="0"/>
+          <a:chOff x="0" y="0"/>
+          <a:chExt cx="0" cy="0"/>
+        </a:xfrm>
+      </p:grpSpPr>
+      <p:sp>
+        <p:nvSpPr>
           <p:cNvPr id="2" name="Título 1"/>
           <p:cNvSpPr>
             <a:spLocks noGrp="1"/>
@@ -4158,7 +4802,7 @@
             <a:pPr rtl="0"/>
             <a:r>
               <a:rPr lang="pt-BR" dirty="0"/>
-              <a:t>Configuração JDK</a:t>
+              <a:t>Configuração JDK (variável ambiente)</a:t>
             </a:r>
           </a:p>
         </p:txBody>
@@ -4181,7 +4825,7 @@
         </p:spPr>
         <p:txBody>
           <a:bodyPr rtlCol="0">
-            <a:normAutofit fontScale="92500" lnSpcReduction="10000"/>
+            <a:normAutofit fontScale="77500" lnSpcReduction="20000"/>
           </a:bodyPr>
           <a:lstStyle/>
           <a:p>
@@ -4292,7 +4936,7 @@
 </p:sld>
 </file>
 
-<file path=ppt/slides/slide4.xml><?xml version="1.0" encoding="utf-8"?>
+<file path=ppt/slides/slide5.xml><?xml version="1.0" encoding="utf-8"?>
 <p:sld xmlns:a="http://schemas.openxmlformats.org/drawingml/2006/main" xmlns:r="http://schemas.openxmlformats.org/officeDocument/2006/relationships" xmlns:p="http://schemas.openxmlformats.org/presentationml/2006/main">
   <p:cSld>
     <p:spTree>
@@ -4454,139 +5098,6 @@
 </p:sld>
 </file>
 
-<file path=ppt/slides/slide5.xml><?xml version="1.0" encoding="utf-8"?>
-<p:sld xmlns:a="http://schemas.openxmlformats.org/drawingml/2006/main" xmlns:r="http://schemas.openxmlformats.org/officeDocument/2006/relationships" xmlns:p="http://schemas.openxmlformats.org/presentationml/2006/main">
-  <p:cSld>
-    <p:spTree>
-      <p:nvGrpSpPr>
-        <p:cNvPr id="1" name=""/>
-        <p:cNvGrpSpPr/>
-        <p:nvPr/>
-      </p:nvGrpSpPr>
-      <p:grpSpPr>
-        <a:xfrm>
-          <a:off x="0" y="0"/>
-          <a:ext cx="0" cy="0"/>
-          <a:chOff x="0" y="0"/>
-          <a:chExt cx="0" cy="0"/>
-        </a:xfrm>
-      </p:grpSpPr>
-      <p:sp>
-        <p:nvSpPr>
-          <p:cNvPr id="2" name="Título 1"/>
-          <p:cNvSpPr>
-            <a:spLocks noGrp="1"/>
-          </p:cNvSpPr>
-          <p:nvPr>
-            <p:ph type="title"/>
-          </p:nvPr>
-        </p:nvSpPr>
-        <p:spPr/>
-        <p:txBody>
-          <a:bodyPr rtlCol="0"/>
-          <a:lstStyle/>
-          <a:p>
-            <a:pPr rtl="0"/>
-            <a:r>
-              <a:rPr lang="pt-BR" dirty="0"/>
-              <a:t>Instalando ODI	</a:t>
-            </a:r>
-          </a:p>
-        </p:txBody>
-      </p:sp>
-      <p:sp>
-        <p:nvSpPr>
-          <p:cNvPr id="3" name="Espaço Reservado para Conteúdo 2">
-            <a:extLst>
-              <a:ext uri="{FF2B5EF4-FFF2-40B4-BE49-F238E27FC236}">
-                <a16:creationId xmlns:a16="http://schemas.microsoft.com/office/drawing/2014/main" id="{78609324-3BF0-4674-9A07-27E86D8CA8DA}"/>
-              </a:ext>
-            </a:extLst>
-          </p:cNvPr>
-          <p:cNvSpPr>
-            <a:spLocks noGrp="1"/>
-          </p:cNvSpPr>
-          <p:nvPr>
-            <p:ph idx="1"/>
-          </p:nvPr>
-        </p:nvSpPr>
-        <p:spPr/>
-        <p:txBody>
-          <a:bodyPr/>
-          <a:lstStyle/>
-          <a:p>
-            <a:r>
-              <a:rPr lang="pt-BR" b="1" dirty="0" err="1"/>
-              <a:t>Ctrl</a:t>
-            </a:r>
-            <a:r>
-              <a:rPr lang="pt-BR" b="1" dirty="0"/>
-              <a:t> + r</a:t>
-            </a:r>
-            <a:r>
-              <a:rPr lang="pt-BR" dirty="0"/>
-              <a:t> </a:t>
-            </a:r>
-            <a:r>
-              <a:rPr lang="pt-BR" dirty="0">
-                <a:solidFill>
-                  <a:schemeClr val="tx1">
-                    <a:lumMod val="50000"/>
-                  </a:schemeClr>
-                </a:solidFill>
-              </a:rPr>
-              <a:t>&gt;</a:t>
-            </a:r>
-            <a:r>
-              <a:rPr lang="pt-BR" dirty="0"/>
-              <a:t> </a:t>
-            </a:r>
-            <a:r>
-              <a:rPr lang="pt-BR" b="1" dirty="0" err="1"/>
-              <a:t>cmd</a:t>
-            </a:r>
-            <a:r>
-              <a:rPr lang="pt-BR" dirty="0"/>
-              <a:t> </a:t>
-            </a:r>
-            <a:r>
-              <a:rPr lang="pt-BR" dirty="0">
-                <a:solidFill>
-                  <a:schemeClr val="tx1">
-                    <a:lumMod val="50000"/>
-                  </a:schemeClr>
-                </a:solidFill>
-              </a:rPr>
-              <a:t>&gt;</a:t>
-            </a:r>
-            <a:r>
-              <a:rPr lang="pt-BR" dirty="0"/>
-              <a:t> </a:t>
-            </a:r>
-            <a:r>
-              <a:rPr lang="pt-BR" b="1" dirty="0" err="1"/>
-              <a:t>javac</a:t>
-            </a:r>
-            <a:endParaRPr lang="pt-BR" b="1" dirty="0"/>
-          </a:p>
-          <a:p>
-            <a:endParaRPr lang="pt-BR" dirty="0"/>
-          </a:p>
-        </p:txBody>
-      </p:sp>
-    </p:spTree>
-    <p:extLst>
-      <p:ext uri="{BB962C8B-B14F-4D97-AF65-F5344CB8AC3E}">
-        <p14:creationId xmlns:p14="http://schemas.microsoft.com/office/powerpoint/2010/main" val="1038502352"/>
-      </p:ext>
-    </p:extLst>
-  </p:cSld>
-  <p:clrMapOvr>
-    <a:masterClrMapping/>
-  </p:clrMapOvr>
-</p:sld>
-</file>
-
 <file path=ppt/slides/slide6.xml><?xml version="1.0" encoding="utf-8"?>
 <p:sld xmlns:a="http://schemas.openxmlformats.org/drawingml/2006/main" xmlns:r="http://schemas.openxmlformats.org/officeDocument/2006/relationships" xmlns:p="http://schemas.openxmlformats.org/presentationml/2006/main">
   <p:cSld>
@@ -4620,86 +5131,85 @@
           <a:lstStyle/>
           <a:p>
             <a:pPr rtl="0"/>
-            <a:endParaRPr lang="pt-BR" dirty="0"/>
-          </a:p>
-        </p:txBody>
-      </p:sp>
-      <p:sp>
-        <p:nvSpPr>
-          <p:cNvPr id="3" name="Espaço Reservado para Texto 2"/>
-          <p:cNvSpPr>
-            <a:spLocks noGrp="1"/>
-          </p:cNvSpPr>
-          <p:nvPr>
-            <p:ph type="body" idx="1"/>
+            <a:r>
+              <a:rPr lang="pt-BR" dirty="0"/>
+              <a:t>Instalando ODI 	</a:t>
+            </a:r>
+          </a:p>
+        </p:txBody>
+      </p:sp>
+      <p:sp>
+        <p:nvSpPr>
+          <p:cNvPr id="3" name="Espaço Reservado para Conteúdo 2">
+            <a:extLst>
+              <a:ext uri="{FF2B5EF4-FFF2-40B4-BE49-F238E27FC236}">
+                <a16:creationId xmlns:a16="http://schemas.microsoft.com/office/drawing/2014/main" id="{78609324-3BF0-4674-9A07-27E86D8CA8DA}"/>
+              </a:ext>
+            </a:extLst>
+          </p:cNvPr>
+          <p:cNvSpPr>
+            <a:spLocks noGrp="1"/>
+          </p:cNvSpPr>
+          <p:nvPr>
+            <p:ph idx="1"/>
           </p:nvPr>
         </p:nvSpPr>
         <p:spPr/>
         <p:txBody>
-          <a:bodyPr rtlCol="0"/>
-          <a:lstStyle/>
-          <a:p>
-            <a:pPr rtl="0"/>
-            <a:endParaRPr lang="pt-BR" dirty="0"/>
-          </a:p>
-        </p:txBody>
-      </p:sp>
-      <p:sp>
-        <p:nvSpPr>
-          <p:cNvPr id="4" name="Espaço Reservado para Conteúdo 3"/>
-          <p:cNvSpPr>
-            <a:spLocks noGrp="1"/>
-          </p:cNvSpPr>
-          <p:nvPr>
-            <p:ph sz="half" idx="2"/>
-          </p:nvPr>
-        </p:nvSpPr>
-        <p:spPr/>
-        <p:txBody>
-          <a:bodyPr rtlCol="0"/>
-          <a:lstStyle/>
-          <a:p>
-            <a:pPr rtl="0"/>
-            <a:endParaRPr lang="pt-BR" dirty="0"/>
-          </a:p>
-        </p:txBody>
-      </p:sp>
-      <p:sp>
-        <p:nvSpPr>
-          <p:cNvPr id="5" name="Espaço Reservado para Texto 4"/>
-          <p:cNvSpPr>
-            <a:spLocks noGrp="1"/>
-          </p:cNvSpPr>
-          <p:nvPr>
-            <p:ph type="body" sz="quarter" idx="3"/>
-          </p:nvPr>
-        </p:nvSpPr>
-        <p:spPr/>
-        <p:txBody>
-          <a:bodyPr rtlCol="0"/>
-          <a:lstStyle/>
-          <a:p>
-            <a:pPr rtl="0"/>
-            <a:endParaRPr lang="pt-BR" dirty="0"/>
-          </a:p>
-        </p:txBody>
-      </p:sp>
-      <p:sp>
-        <p:nvSpPr>
-          <p:cNvPr id="6" name="Espaço Reservado para Conteúdo 5"/>
-          <p:cNvSpPr>
-            <a:spLocks noGrp="1"/>
-          </p:cNvSpPr>
-          <p:nvPr>
-            <p:ph sz="quarter" idx="4"/>
-          </p:nvPr>
-        </p:nvSpPr>
-        <p:spPr/>
-        <p:txBody>
-          <a:bodyPr rtlCol="0"/>
-          <a:lstStyle/>
-          <a:p>
-            <a:pPr rtl="0"/>
+          <a:bodyPr/>
+          <a:lstStyle/>
+          <a:p>
+            <a:r>
+              <a:rPr lang="pt-BR" b="1" dirty="0"/>
+              <a:t>cmd Administrador</a:t>
+            </a:r>
+            <a:endParaRPr lang="pt-BR" b="1" dirty="0">
+              <a:solidFill>
+                <a:schemeClr val="tx1">
+                  <a:lumMod val="50000"/>
+                </a:schemeClr>
+              </a:solidFill>
+            </a:endParaRPr>
+          </a:p>
+          <a:p>
+            <a:pPr lvl="1"/>
+            <a:r>
+              <a:rPr lang="pt-BR" dirty="0"/>
+              <a:t>Cd “Diretório ODI” (com variável ambiente)</a:t>
+            </a:r>
+          </a:p>
+          <a:p>
+            <a:pPr lvl="1"/>
+            <a:r>
+              <a:rPr lang="pt-BR" dirty="0"/>
+              <a:t>java –jar fmw_12.2.1.3.0_odi.jar ou,</a:t>
+            </a:r>
+          </a:p>
+          <a:p>
+            <a:pPr lvl="1"/>
+            <a:r>
+              <a:rPr lang="pt-BR" dirty="0"/>
+              <a:t>java –jar “fmw_12.2.1.3.0_odi.jar”</a:t>
+            </a:r>
+          </a:p>
+          <a:p>
+            <a:endParaRPr lang="pt-BR" b="1" dirty="0"/>
+          </a:p>
+          <a:p>
+            <a:pPr lvl="1"/>
+            <a:r>
+              <a:rPr lang="pt-BR" dirty="0"/>
+              <a:t>cd C:\Program Files\Java\jdk1.8.0_151\bin</a:t>
+            </a:r>
+          </a:p>
+          <a:p>
+            <a:pPr lvl="1"/>
+            <a:r>
+              <a:rPr lang="pt-BR" dirty="0"/>
+              <a:t>java –jar “diretório odi”/fmw_12.2.1.3.0_odi.jar</a:t>
+            </a:r>
+          </a:p>
+          <a:p>
             <a:endParaRPr lang="pt-BR" dirty="0"/>
           </a:p>
         </p:txBody>
@@ -4707,7 +5217,7 @@
     </p:spTree>
     <p:extLst>
       <p:ext uri="{BB962C8B-B14F-4D97-AF65-F5344CB8AC3E}">
-        <p14:creationId xmlns:p14="http://schemas.microsoft.com/office/powerpoint/2010/main" val="1475842300"/>
+        <p14:creationId xmlns:p14="http://schemas.microsoft.com/office/powerpoint/2010/main" val="1038502352"/>
       </p:ext>
     </p:extLst>
   </p:cSld>
@@ -4750,14 +5260,49 @@
           <a:lstStyle/>
           <a:p>
             <a:pPr rtl="0"/>
-            <a:endParaRPr lang="pt-BR" dirty="0"/>
-          </a:p>
-        </p:txBody>
-      </p:sp>
+            <a:r>
+              <a:rPr lang="pt-BR" dirty="0"/>
+              <a:t>Instalando ODI 	</a:t>
+            </a:r>
+          </a:p>
+        </p:txBody>
+      </p:sp>
+      <p:pic>
+        <p:nvPicPr>
+          <p:cNvPr id="7" name="Content Placeholder 6">
+            <a:extLst>
+              <a:ext uri="{FF2B5EF4-FFF2-40B4-BE49-F238E27FC236}">
+                <a16:creationId xmlns:a16="http://schemas.microsoft.com/office/drawing/2014/main" id="{21977F16-93D3-46E8-B960-D1AFC24F6F60}"/>
+              </a:ext>
+            </a:extLst>
+          </p:cNvPr>
+          <p:cNvPicPr>
+            <a:picLocks noGrp="1" noChangeAspect="1"/>
+          </p:cNvPicPr>
+          <p:nvPr>
+            <p:ph idx="1"/>
+          </p:nvPr>
+        </p:nvPicPr>
+        <p:blipFill>
+          <a:blip r:embed="rId2"/>
+          <a:stretch>
+            <a:fillRect/>
+          </a:stretch>
+        </p:blipFill>
+        <p:spPr>
+          <a:xfrm>
+            <a:off x="838200" y="1678112"/>
+            <a:ext cx="10450452" cy="3263056"/>
+          </a:xfrm>
+          <a:prstGeom prst="rect">
+            <a:avLst/>
+          </a:prstGeom>
+        </p:spPr>
+      </p:pic>
     </p:spTree>
     <p:extLst>
       <p:ext uri="{BB962C8B-B14F-4D97-AF65-F5344CB8AC3E}">
-        <p14:creationId xmlns:p14="http://schemas.microsoft.com/office/powerpoint/2010/main" val="215988672"/>
+        <p14:creationId xmlns:p14="http://schemas.microsoft.com/office/powerpoint/2010/main" val="245015205"/>
       </p:ext>
     </p:extLst>
   </p:cSld>
@@ -4784,10 +5329,90 @@
           <a:chExt cx="0" cy="0"/>
         </a:xfrm>
       </p:grpSpPr>
+      <p:sp>
+        <p:nvSpPr>
+          <p:cNvPr id="2" name="Title 1">
+            <a:extLst>
+              <a:ext uri="{FF2B5EF4-FFF2-40B4-BE49-F238E27FC236}">
+                <a16:creationId xmlns:a16="http://schemas.microsoft.com/office/drawing/2014/main" id="{69106289-35F2-4A7C-82B0-57027C588F96}"/>
+              </a:ext>
+            </a:extLst>
+          </p:cNvPr>
+          <p:cNvSpPr>
+            <a:spLocks noGrp="1"/>
+          </p:cNvSpPr>
+          <p:nvPr>
+            <p:ph type="title"/>
+          </p:nvPr>
+        </p:nvSpPr>
+        <p:spPr/>
+        <p:txBody>
+          <a:bodyPr/>
+          <a:lstStyle/>
+          <a:p>
+            <a:endParaRPr lang="pt-BR"/>
+          </a:p>
+        </p:txBody>
+      </p:sp>
+      <p:sp>
+        <p:nvSpPr>
+          <p:cNvPr id="3" name="Content Placeholder 2">
+            <a:extLst>
+              <a:ext uri="{FF2B5EF4-FFF2-40B4-BE49-F238E27FC236}">
+                <a16:creationId xmlns:a16="http://schemas.microsoft.com/office/drawing/2014/main" id="{99082197-0DE2-4544-B402-6DD49E2C8BFD}"/>
+              </a:ext>
+            </a:extLst>
+          </p:cNvPr>
+          <p:cNvSpPr>
+            <a:spLocks noGrp="1"/>
+          </p:cNvSpPr>
+          <p:nvPr>
+            <p:ph idx="1"/>
+          </p:nvPr>
+        </p:nvSpPr>
+        <p:spPr/>
+        <p:txBody>
+          <a:bodyPr/>
+          <a:lstStyle/>
+          <a:p>
+            <a:endParaRPr lang="pt-BR"/>
+          </a:p>
+        </p:txBody>
+      </p:sp>
+      <p:pic>
+        <p:nvPicPr>
+          <p:cNvPr id="4" name="Picture 3">
+            <a:extLst>
+              <a:ext uri="{FF2B5EF4-FFF2-40B4-BE49-F238E27FC236}">
+                <a16:creationId xmlns:a16="http://schemas.microsoft.com/office/drawing/2014/main" id="{A4DBD427-9FD1-4DA2-B132-1F3976DF5941}"/>
+              </a:ext>
+            </a:extLst>
+          </p:cNvPr>
+          <p:cNvPicPr>
+            <a:picLocks noChangeAspect="1"/>
+          </p:cNvPicPr>
+          <p:nvPr/>
+        </p:nvPicPr>
+        <p:blipFill>
+          <a:blip r:embed="rId2"/>
+          <a:stretch>
+            <a:fillRect/>
+          </a:stretch>
+        </p:blipFill>
+        <p:spPr>
+          <a:xfrm>
+            <a:off x="2314575" y="365125"/>
+            <a:ext cx="7562850" cy="5915025"/>
+          </a:xfrm>
+          <a:prstGeom prst="rect">
+            <a:avLst/>
+          </a:prstGeom>
+        </p:spPr>
+      </p:pic>
     </p:spTree>
     <p:extLst>
       <p:ext uri="{BB962C8B-B14F-4D97-AF65-F5344CB8AC3E}">
-        <p14:creationId xmlns:p14="http://schemas.microsoft.com/office/powerpoint/2010/main" val="3661180859"/>
+        <p14:creationId xmlns:p14="http://schemas.microsoft.com/office/powerpoint/2010/main" val="4038665396"/>
       </p:ext>
     </p:extLst>
   </p:cSld>
@@ -4816,7 +5441,13 @@
       </p:grpSpPr>
       <p:sp>
         <p:nvSpPr>
-          <p:cNvPr id="2" name="Título 1"/>
+          <p:cNvPr id="2" name="Title 1">
+            <a:extLst>
+              <a:ext uri="{FF2B5EF4-FFF2-40B4-BE49-F238E27FC236}">
+                <a16:creationId xmlns:a16="http://schemas.microsoft.com/office/drawing/2014/main" id="{7558E48C-4237-42A8-AC28-6036C5FECE1C}"/>
+              </a:ext>
+            </a:extLst>
+          </p:cNvPr>
           <p:cNvSpPr>
             <a:spLocks noGrp="1"/>
           </p:cNvSpPr>
@@ -4826,17 +5457,22 @@
         </p:nvSpPr>
         <p:spPr/>
         <p:txBody>
-          <a:bodyPr rtlCol="0"/>
-          <a:lstStyle/>
-          <a:p>
-            <a:pPr rtl="0"/>
-            <a:endParaRPr lang="pt-BR" dirty="0"/>
-          </a:p>
-        </p:txBody>
-      </p:sp>
-      <p:sp>
-        <p:nvSpPr>
-          <p:cNvPr id="3" name="Espaço Reservado para Conteúdo 2"/>
+          <a:bodyPr/>
+          <a:lstStyle/>
+          <a:p>
+            <a:endParaRPr lang="pt-BR"/>
+          </a:p>
+        </p:txBody>
+      </p:sp>
+      <p:sp>
+        <p:nvSpPr>
+          <p:cNvPr id="3" name="Content Placeholder 2">
+            <a:extLst>
+              <a:ext uri="{FF2B5EF4-FFF2-40B4-BE49-F238E27FC236}">
+                <a16:creationId xmlns:a16="http://schemas.microsoft.com/office/drawing/2014/main" id="{62227F26-3002-455F-A307-F89C2607B5ED}"/>
+              </a:ext>
+            </a:extLst>
+          </p:cNvPr>
           <p:cNvSpPr>
             <a:spLocks noGrp="1"/>
           </p:cNvSpPr>
@@ -4846,38 +5482,47 @@
         </p:nvSpPr>
         <p:spPr/>
         <p:txBody>
-          <a:bodyPr rtlCol="0"/>
-          <a:lstStyle/>
-          <a:p>
-            <a:pPr rtl="0"/>
-            <a:endParaRPr lang="pt-BR" dirty="0"/>
-          </a:p>
-        </p:txBody>
-      </p:sp>
-      <p:sp>
-        <p:nvSpPr>
-          <p:cNvPr id="4" name="Espaço Reservado para Texto 3"/>
-          <p:cNvSpPr>
-            <a:spLocks noGrp="1"/>
-          </p:cNvSpPr>
-          <p:nvPr>
-            <p:ph type="body" sz="half" idx="2"/>
-          </p:nvPr>
-        </p:nvSpPr>
-        <p:spPr/>
-        <p:txBody>
-          <a:bodyPr rtlCol="0"/>
-          <a:lstStyle/>
-          <a:p>
-            <a:pPr rtl="0"/>
-            <a:endParaRPr lang="pt-BR" dirty="0"/>
-          </a:p>
-        </p:txBody>
-      </p:sp>
+          <a:bodyPr/>
+          <a:lstStyle/>
+          <a:p>
+            <a:endParaRPr lang="pt-BR"/>
+          </a:p>
+        </p:txBody>
+      </p:sp>
+      <p:pic>
+        <p:nvPicPr>
+          <p:cNvPr id="4" name="Picture 3">
+            <a:extLst>
+              <a:ext uri="{FF2B5EF4-FFF2-40B4-BE49-F238E27FC236}">
+                <a16:creationId xmlns:a16="http://schemas.microsoft.com/office/drawing/2014/main" id="{0FBA4375-DCF6-4145-A8E4-EE12DB2BEF97}"/>
+              </a:ext>
+            </a:extLst>
+          </p:cNvPr>
+          <p:cNvPicPr>
+            <a:picLocks noChangeAspect="1"/>
+          </p:cNvPicPr>
+          <p:nvPr/>
+        </p:nvPicPr>
+        <p:blipFill>
+          <a:blip r:embed="rId2"/>
+          <a:stretch>
+            <a:fillRect/>
+          </a:stretch>
+        </p:blipFill>
+        <p:spPr>
+          <a:xfrm>
+            <a:off x="2328862" y="377949"/>
+            <a:ext cx="7534275" cy="5876925"/>
+          </a:xfrm>
+          <a:prstGeom prst="rect">
+            <a:avLst/>
+          </a:prstGeom>
+        </p:spPr>
+      </p:pic>
     </p:spTree>
     <p:extLst>
       <p:ext uri="{BB962C8B-B14F-4D97-AF65-F5344CB8AC3E}">
-        <p14:creationId xmlns:p14="http://schemas.microsoft.com/office/powerpoint/2010/main" val="3232560146"/>
+        <p14:creationId xmlns:p14="http://schemas.microsoft.com/office/powerpoint/2010/main" val="263843351"/>
       </p:ext>
     </p:extLst>
   </p:cSld>
@@ -4888,58 +5533,110 @@
 </file>
 
 <file path=ppt/theme/theme1.xml><?xml version="1.0" encoding="utf-8"?>
-<a:theme xmlns:a="http://schemas.openxmlformats.org/drawingml/2006/main" name="Computador Técnico 16x9">
+<a:theme xmlns:a="http://schemas.openxmlformats.org/drawingml/2006/main" name="Office Theme">
   <a:themeElements>
-    <a:clrScheme name="TechComputer">
+    <a:clrScheme name="Office">
       <a:dk1>
-        <a:srgbClr val="000000"/>
+        <a:sysClr val="windowText" lastClr="000000"/>
       </a:dk1>
       <a:lt1>
         <a:sysClr val="window" lastClr="FFFFFF"/>
       </a:lt1>
       <a:dk2>
-        <a:srgbClr val="4D4D4D"/>
+        <a:srgbClr val="44546A"/>
       </a:dk2>
       <a:lt2>
-        <a:srgbClr val="DDDDDD"/>
+        <a:srgbClr val="E7E6E6"/>
       </a:lt2>
       <a:accent1>
-        <a:srgbClr val="92D050"/>
+        <a:srgbClr val="4472C4"/>
       </a:accent1>
       <a:accent2>
-        <a:srgbClr val="F7C331"/>
+        <a:srgbClr val="ED7D31"/>
       </a:accent2>
       <a:accent3>
-        <a:srgbClr val="47B8C7"/>
+        <a:srgbClr val="A5A5A5"/>
       </a:accent3>
       <a:accent4>
-        <a:srgbClr val="B074BA"/>
+        <a:srgbClr val="FFC000"/>
       </a:accent4>
       <a:accent5>
-        <a:srgbClr val="F34D47"/>
+        <a:srgbClr val="5B9BD5"/>
       </a:accent5>
       <a:accent6>
-        <a:srgbClr val="FA8F30"/>
+        <a:srgbClr val="70AD47"/>
       </a:accent6>
       <a:hlink>
-        <a:srgbClr val="47B8C7"/>
+        <a:srgbClr val="0563C1"/>
       </a:hlink>
       <a:folHlink>
-        <a:srgbClr val="969696"/>
+        <a:srgbClr val="954F72"/>
       </a:folHlink>
     </a:clrScheme>
-    <a:fontScheme name="Consolas-Candara">
+    <a:fontScheme name="Office">
       <a:majorFont>
-        <a:latin typeface="Consolas"/>
+        <a:latin typeface="Calibri Light" panose="020F0302020204030204"/>
         <a:ea typeface=""/>
         <a:cs typeface=""/>
-        <a:font script="Jpan" typeface="ＭＳ ゴシック"/>
-        <a:font script="Hang" typeface="HY중고딕"/>
-        <a:font script="Hans" typeface="幼圆"/>
-        <a:font script="Hant" typeface="微軟正黑體"/>
-        <a:font script="Arab" typeface="Tahoma"/>
-        <a:font script="Hebr" typeface="Gisha"/>
-        <a:font script="Thai" typeface="DilleniaUPC"/>
+        <a:font script="Jpan" typeface="游ゴシック Light"/>
+        <a:font script="Hang" typeface="맑은 고딕"/>
+        <a:font script="Hans" typeface="等线 Light"/>
+        <a:font script="Hant" typeface="新細明體"/>
+        <a:font script="Arab" typeface="Times New Roman"/>
+        <a:font script="Hebr" typeface="Times New Roman"/>
+        <a:font script="Thai" typeface="Angsana New"/>
+        <a:font script="Ethi" typeface="Nyala"/>
+        <a:font script="Beng" typeface="Vrinda"/>
+        <a:font script="Gujr" typeface="Shruti"/>
+        <a:font script="Khmr" typeface="MoolBoran"/>
+        <a:font script="Knda" typeface="Tunga"/>
+        <a:font script="Guru" typeface="Raavi"/>
+        <a:font script="Cans" typeface="Euphemia"/>
+        <a:font script="Cher" typeface="Plantagenet Cherokee"/>
+        <a:font script="Yiii" typeface="Microsoft Yi Baiti"/>
+        <a:font script="Tibt" typeface="Microsoft Himalaya"/>
+        <a:font script="Thaa" typeface="MV Boli"/>
+        <a:font script="Deva" typeface="Mangal"/>
+        <a:font script="Telu" typeface="Gautami"/>
+        <a:font script="Taml" typeface="Latha"/>
+        <a:font script="Syrc" typeface="Estrangelo Edessa"/>
+        <a:font script="Orya" typeface="Kalinga"/>
+        <a:font script="Mlym" typeface="Kartika"/>
+        <a:font script="Laoo" typeface="DokChampa"/>
+        <a:font script="Sinh" typeface="Iskoola Pota"/>
+        <a:font script="Mong" typeface="Mongolian Baiti"/>
+        <a:font script="Viet" typeface="Times New Roman"/>
+        <a:font script="Uigh" typeface="Microsoft Uighur"/>
+        <a:font script="Geor" typeface="Sylfaen"/>
+        <a:font script="Armn" typeface="Arial"/>
+        <a:font script="Bugi" typeface="Leelawadee UI"/>
+        <a:font script="Bopo" typeface="Microsoft JhengHei"/>
+        <a:font script="Java" typeface="Javanese Text"/>
+        <a:font script="Lisu" typeface="Segoe UI"/>
+        <a:font script="Mymr" typeface="Myanmar Text"/>
+        <a:font script="Nkoo" typeface="Ebrima"/>
+        <a:font script="Olck" typeface="Nirmala UI"/>
+        <a:font script="Osma" typeface="Ebrima"/>
+        <a:font script="Phag" typeface="Phagspa"/>
+        <a:font script="Syrn" typeface="Estrangelo Edessa"/>
+        <a:font script="Syrj" typeface="Estrangelo Edessa"/>
+        <a:font script="Syre" typeface="Estrangelo Edessa"/>
+        <a:font script="Sora" typeface="Nirmala UI"/>
+        <a:font script="Tale" typeface="Microsoft Tai Le"/>
+        <a:font script="Talu" typeface="Microsoft New Tai Lue"/>
+        <a:font script="Tfng" typeface="Ebrima"/>
+      </a:majorFont>
+      <a:minorFont>
+        <a:latin typeface="Calibri" panose="020F0502020204030204"/>
+        <a:ea typeface=""/>
+        <a:cs typeface=""/>
+        <a:font script="Jpan" typeface="游ゴシック"/>
+        <a:font script="Hang" typeface="맑은 고딕"/>
+        <a:font script="Hans" typeface="等线"/>
+        <a:font script="Hant" typeface="新細明體"/>
+        <a:font script="Arab" typeface="Arial"/>
+        <a:font script="Hebr" typeface="Arial"/>
+        <a:font script="Thai" typeface="Cordia New"/>
         <a:font script="Ethi" typeface="Nyala"/>
         <a:font script="Beng" typeface="Vrinda"/>
         <a:font script="Gujr" typeface="Shruti"/>
@@ -4960,44 +5657,26 @@
         <a:font script="Laoo" typeface="DokChampa"/>
         <a:font script="Sinh" typeface="Iskoola Pota"/>
         <a:font script="Mong" typeface="Mongolian Baiti"/>
-        <a:font script="Viet" typeface="Tahoma"/>
+        <a:font script="Viet" typeface="Arial"/>
         <a:font script="Uigh" typeface="Microsoft Uighur"/>
         <a:font script="Geor" typeface="Sylfaen"/>
-      </a:majorFont>
-      <a:minorFont>
-        <a:latin typeface="Candara"/>
-        <a:ea typeface=""/>
-        <a:cs typeface=""/>
-        <a:font script="Jpan" typeface="ＭＳ ゴシック"/>
-        <a:font script="Hang" typeface="HY중고딕"/>
-        <a:font script="Hans" typeface="幼圆"/>
-        <a:font script="Hant" typeface="微軟正黑體"/>
-        <a:font script="Arab" typeface="Tahoma"/>
-        <a:font script="Hebr" typeface="Gisha"/>
-        <a:font script="Thai" typeface="DilleniaUPC"/>
-        <a:font script="Ethi" typeface="Nyala"/>
-        <a:font script="Beng" typeface="Vrinda"/>
-        <a:font script="Gujr" typeface="Shruti"/>
-        <a:font script="Khmr" typeface="DaunPenh"/>
-        <a:font script="Knda" typeface="Tunga"/>
-        <a:font script="Guru" typeface="Raavi"/>
-        <a:font script="Cans" typeface="Euphemia"/>
-        <a:font script="Cher" typeface="Plantagenet Cherokee"/>
-        <a:font script="Yiii" typeface="Microsoft Yi Baiti"/>
-        <a:font script="Tibt" typeface="Microsoft Himalaya"/>
-        <a:font script="Thaa" typeface="MV Boli"/>
-        <a:font script="Deva" typeface="Mangal"/>
-        <a:font script="Telu" typeface="Gautami"/>
-        <a:font script="Taml" typeface="Latha"/>
-        <a:font script="Syrc" typeface="Estrangelo Edessa"/>
-        <a:font script="Orya" typeface="Kalinga"/>
-        <a:font script="Mlym" typeface="Kartika"/>
-        <a:font script="Laoo" typeface="DokChampa"/>
-        <a:font script="Sinh" typeface="Iskoola Pota"/>
-        <a:font script="Mong" typeface="Mongolian Baiti"/>
-        <a:font script="Viet" typeface="Verdana"/>
-        <a:font script="Uigh" typeface="Microsoft Uighur"/>
-        <a:font script="Geor" typeface="Sylfaen"/>
+        <a:font script="Armn" typeface="Arial"/>
+        <a:font script="Bugi" typeface="Leelawadee UI"/>
+        <a:font script="Bopo" typeface="Microsoft JhengHei"/>
+        <a:font script="Java" typeface="Javanese Text"/>
+        <a:font script="Lisu" typeface="Segoe UI"/>
+        <a:font script="Mymr" typeface="Myanmar Text"/>
+        <a:font script="Nkoo" typeface="Ebrima"/>
+        <a:font script="Olck" typeface="Nirmala UI"/>
+        <a:font script="Osma" typeface="Ebrima"/>
+        <a:font script="Phag" typeface="Phagspa"/>
+        <a:font script="Syrn" typeface="Estrangelo Edessa"/>
+        <a:font script="Syrj" typeface="Estrangelo Edessa"/>
+        <a:font script="Syre" typeface="Estrangelo Edessa"/>
+        <a:font script="Sora" typeface="Nirmala UI"/>
+        <a:font script="Tale" typeface="Microsoft Tai Le"/>
+        <a:font script="Talu" typeface="Microsoft New Tai Lue"/>
+        <a:font script="Tfng" typeface="Ebrima"/>
       </a:minorFont>
     </a:fontScheme>
     <a:fmtScheme name="Office">
@@ -5142,7 +5821,7 @@
   <a:extraClrSchemeLst/>
   <a:extLst>
     <a:ext uri="{05A4C25C-085E-4340-85A3-A5531E510DB2}">
-      <thm15:themeFamily xmlns:thm15="http://schemas.microsoft.com/office/thememl/2012/main" name="Office_10107896_TF02901026" id="{9F968763-F91C-42C9-AE49-6BD67CA2E1C8}" vid="{02176A96-6553-412C-8E8F-22987C19B997}"/>
+      <thm15:themeFamily xmlns:thm15="http://schemas.microsoft.com/office/thememl/2012/main" name="Office Theme" id="{62F939B6-93AF-4DB8-9C6B-D6C7DFDC589F}" vid="{4A3C46E8-61CC-4603-A589-7422A47A8E4A}"/>
     </a:ext>
   </a:extLst>
 </a:theme>
@@ -5680,6 +6359,132 @@
 </file>
 
 <file path=customXml/item2.xml><?xml version="1.0" encoding="utf-8"?>
+<p:properties xmlns:p="http://schemas.microsoft.com/office/2006/metadata/properties" xmlns:xsi="http://www.w3.org/2001/XMLSchema-instance" xmlns:pc="http://schemas.microsoft.com/office/infopath/2007/PartnerControls">
+  <documentManagement>
+    <DirectSourceMarket xmlns="4873beb7-5857-4685-be1f-d57550cc96cc" xsi:nil="true"/>
+    <ApprovalStatus xmlns="4873beb7-5857-4685-be1f-d57550cc96cc">InProgress</ApprovalStatus>
+    <MarketSpecific xmlns="4873beb7-5857-4685-be1f-d57550cc96cc">false</MarketSpecific>
+    <LocComments xmlns="4873beb7-5857-4685-be1f-d57550cc96cc" xsi:nil="true"/>
+    <ThumbnailAssetId xmlns="4873beb7-5857-4685-be1f-d57550cc96cc" xsi:nil="true"/>
+    <PrimaryImageGen xmlns="4873beb7-5857-4685-be1f-d57550cc96cc">true</PrimaryImageGen>
+    <LegacyData xmlns="4873beb7-5857-4685-be1f-d57550cc96cc" xsi:nil="true"/>
+    <LocRecommendedHandoff xmlns="4873beb7-5857-4685-be1f-d57550cc96cc" xsi:nil="true"/>
+    <BusinessGroup xmlns="4873beb7-5857-4685-be1f-d57550cc96cc" xsi:nil="true"/>
+    <BlockPublish xmlns="4873beb7-5857-4685-be1f-d57550cc96cc">false</BlockPublish>
+    <TPFriendlyName xmlns="4873beb7-5857-4685-be1f-d57550cc96cc" xsi:nil="true"/>
+    <NumericId xmlns="4873beb7-5857-4685-be1f-d57550cc96cc" xsi:nil="true"/>
+    <APEditor xmlns="4873beb7-5857-4685-be1f-d57550cc96cc">
+      <UserInfo>
+        <DisplayName/>
+        <AccountId xsi:nil="true"/>
+        <AccountType/>
+      </UserInfo>
+    </APEditor>
+    <SourceTitle xmlns="4873beb7-5857-4685-be1f-d57550cc96cc" xsi:nil="true"/>
+    <OpenTemplate xmlns="4873beb7-5857-4685-be1f-d57550cc96cc">true</OpenTemplate>
+    <UALocComments xmlns="4873beb7-5857-4685-be1f-d57550cc96cc" xsi:nil="true"/>
+    <ParentAssetId xmlns="4873beb7-5857-4685-be1f-d57550cc96cc" xsi:nil="true"/>
+    <IntlLangReviewDate xmlns="4873beb7-5857-4685-be1f-d57550cc96cc" xsi:nil="true"/>
+    <FeatureTagsTaxHTField0 xmlns="4873beb7-5857-4685-be1f-d57550cc96cc">
+      <Terms xmlns="http://schemas.microsoft.com/office/infopath/2007/PartnerControls"/>
+    </FeatureTagsTaxHTField0>
+    <PublishStatusLookup xmlns="4873beb7-5857-4685-be1f-d57550cc96cc">
+      <Value>1566889</Value>
+    </PublishStatusLookup>
+    <Providers xmlns="4873beb7-5857-4685-be1f-d57550cc96cc" xsi:nil="true"/>
+    <MachineTranslated xmlns="4873beb7-5857-4685-be1f-d57550cc96cc">false</MachineTranslated>
+    <OriginalSourceMarket xmlns="4873beb7-5857-4685-be1f-d57550cc96cc" xsi:nil="true"/>
+    <APDescription xmlns="4873beb7-5857-4685-be1f-d57550cc96cc" xsi:nil="true"/>
+    <ClipArtFilename xmlns="4873beb7-5857-4685-be1f-d57550cc96cc" xsi:nil="true"/>
+    <ContentItem xmlns="4873beb7-5857-4685-be1f-d57550cc96cc" xsi:nil="true"/>
+    <TPInstallLocation xmlns="4873beb7-5857-4685-be1f-d57550cc96cc" xsi:nil="true"/>
+    <PublishTargets xmlns="4873beb7-5857-4685-be1f-d57550cc96cc">OfficeOnlineVNext</PublishTargets>
+    <TimesCloned xmlns="4873beb7-5857-4685-be1f-d57550cc96cc" xsi:nil="true"/>
+    <AssetStart xmlns="4873beb7-5857-4685-be1f-d57550cc96cc">2012-05-23T08:44:00+00:00</AssetStart>
+    <Provider xmlns="4873beb7-5857-4685-be1f-d57550cc96cc" xsi:nil="true"/>
+    <AcquiredFrom xmlns="4873beb7-5857-4685-be1f-d57550cc96cc">Internal MS</AcquiredFrom>
+    <FriendlyTitle xmlns="4873beb7-5857-4685-be1f-d57550cc96cc" xsi:nil="true"/>
+    <LastHandOff xmlns="4873beb7-5857-4685-be1f-d57550cc96cc" xsi:nil="true"/>
+    <TPClientViewer xmlns="4873beb7-5857-4685-be1f-d57550cc96cc" xsi:nil="true"/>
+    <UACurrentWords xmlns="4873beb7-5857-4685-be1f-d57550cc96cc" xsi:nil="true"/>
+    <ArtSampleDocs xmlns="4873beb7-5857-4685-be1f-d57550cc96cc" xsi:nil="true"/>
+    <UALocRecommendation xmlns="4873beb7-5857-4685-be1f-d57550cc96cc">Localize</UALocRecommendation>
+    <Manager xmlns="4873beb7-5857-4685-be1f-d57550cc96cc" xsi:nil="true"/>
+    <ShowIn xmlns="4873beb7-5857-4685-be1f-d57550cc96cc">Show everywhere</ShowIn>
+    <UANotes xmlns="4873beb7-5857-4685-be1f-d57550cc96cc" xsi:nil="true"/>
+    <TemplateStatus xmlns="4873beb7-5857-4685-be1f-d57550cc96cc">Complete</TemplateStatus>
+    <InternalTagsTaxHTField0 xmlns="4873beb7-5857-4685-be1f-d57550cc96cc">
+      <Terms xmlns="http://schemas.microsoft.com/office/infopath/2007/PartnerControls"/>
+    </InternalTagsTaxHTField0>
+    <CSXHash xmlns="4873beb7-5857-4685-be1f-d57550cc96cc" xsi:nil="true"/>
+    <Downloads xmlns="4873beb7-5857-4685-be1f-d57550cc96cc">0</Downloads>
+    <VoteCount xmlns="4873beb7-5857-4685-be1f-d57550cc96cc" xsi:nil="true"/>
+    <OOCacheId xmlns="4873beb7-5857-4685-be1f-d57550cc96cc" xsi:nil="true"/>
+    <IsDeleted xmlns="4873beb7-5857-4685-be1f-d57550cc96cc">false</IsDeleted>
+    <AssetExpire xmlns="4873beb7-5857-4685-be1f-d57550cc96cc">2029-01-01T08:00:00+00:00</AssetExpire>
+    <DSATActionTaken xmlns="4873beb7-5857-4685-be1f-d57550cc96cc" xsi:nil="true"/>
+    <CSXSubmissionMarket xmlns="4873beb7-5857-4685-be1f-d57550cc96cc" xsi:nil="true"/>
+    <TPExecutable xmlns="4873beb7-5857-4685-be1f-d57550cc96cc" xsi:nil="true"/>
+    <SubmitterId xmlns="4873beb7-5857-4685-be1f-d57550cc96cc" xsi:nil="true"/>
+    <EditorialTags xmlns="4873beb7-5857-4685-be1f-d57550cc96cc" xsi:nil="true"/>
+    <ApprovalLog xmlns="4873beb7-5857-4685-be1f-d57550cc96cc" xsi:nil="true"/>
+    <AssetType xmlns="4873beb7-5857-4685-be1f-d57550cc96cc">TP</AssetType>
+    <BugNumber xmlns="4873beb7-5857-4685-be1f-d57550cc96cc" xsi:nil="true"/>
+    <CSXSubmissionDate xmlns="4873beb7-5857-4685-be1f-d57550cc96cc" xsi:nil="true"/>
+    <CSXUpdate xmlns="4873beb7-5857-4685-be1f-d57550cc96cc">false</CSXUpdate>
+    <Milestone xmlns="4873beb7-5857-4685-be1f-d57550cc96cc" xsi:nil="true"/>
+    <RecommendationsModifier xmlns="4873beb7-5857-4685-be1f-d57550cc96cc" xsi:nil="true"/>
+    <OriginAsset xmlns="4873beb7-5857-4685-be1f-d57550cc96cc" xsi:nil="true"/>
+    <TPComponent xmlns="4873beb7-5857-4685-be1f-d57550cc96cc" xsi:nil="true"/>
+    <AssetId xmlns="4873beb7-5857-4685-be1f-d57550cc96cc">TP102901017</AssetId>
+    <IntlLocPriority xmlns="4873beb7-5857-4685-be1f-d57550cc96cc" xsi:nil="true"/>
+    <PolicheckWords xmlns="4873beb7-5857-4685-be1f-d57550cc96cc" xsi:nil="true"/>
+    <TPLaunchHelpLink xmlns="4873beb7-5857-4685-be1f-d57550cc96cc" xsi:nil="true"/>
+    <TPApplication xmlns="4873beb7-5857-4685-be1f-d57550cc96cc" xsi:nil="true"/>
+    <CrawlForDependencies xmlns="4873beb7-5857-4685-be1f-d57550cc96cc">false</CrawlForDependencies>
+    <HandoffToMSDN xmlns="4873beb7-5857-4685-be1f-d57550cc96cc" xsi:nil="true"/>
+    <PlannedPubDate xmlns="4873beb7-5857-4685-be1f-d57550cc96cc" xsi:nil="true"/>
+    <IntlLangReviewer xmlns="4873beb7-5857-4685-be1f-d57550cc96cc" xsi:nil="true"/>
+    <TrustLevel xmlns="4873beb7-5857-4685-be1f-d57550cc96cc">1 Microsoft Managed Content</TrustLevel>
+    <LocLastLocAttemptVersionLookup xmlns="4873beb7-5857-4685-be1f-d57550cc96cc">836753</LocLastLocAttemptVersionLookup>
+    <IsSearchable xmlns="4873beb7-5857-4685-be1f-d57550cc96cc">true</IsSearchable>
+    <TemplateTemplateType xmlns="4873beb7-5857-4685-be1f-d57550cc96cc">PowerPoint Design Template</TemplateTemplateType>
+    <CampaignTagsTaxHTField0 xmlns="4873beb7-5857-4685-be1f-d57550cc96cc">
+      <Terms xmlns="http://schemas.microsoft.com/office/infopath/2007/PartnerControls"/>
+    </CampaignTagsTaxHTField0>
+    <TPNamespace xmlns="4873beb7-5857-4685-be1f-d57550cc96cc" xsi:nil="true"/>
+    <TaxCatchAll xmlns="4873beb7-5857-4685-be1f-d57550cc96cc"/>
+    <Markets xmlns="4873beb7-5857-4685-be1f-d57550cc96cc"/>
+    <UAProjectedTotalWords xmlns="4873beb7-5857-4685-be1f-d57550cc96cc" xsi:nil="true"/>
+    <IntlLangReview xmlns="4873beb7-5857-4685-be1f-d57550cc96cc">false</IntlLangReview>
+    <OutputCachingOn xmlns="4873beb7-5857-4685-be1f-d57550cc96cc">false</OutputCachingOn>
+    <AverageRating xmlns="4873beb7-5857-4685-be1f-d57550cc96cc" xsi:nil="true"/>
+    <APAuthor xmlns="4873beb7-5857-4685-be1f-d57550cc96cc">
+      <UserInfo>
+        <DisplayName>REDMOND\v-anij</DisplayName>
+        <AccountId>2469</AccountId>
+        <AccountType/>
+      </UserInfo>
+    </APAuthor>
+    <LocManualTestRequired xmlns="4873beb7-5857-4685-be1f-d57550cc96cc">false</LocManualTestRequired>
+    <TPCommandLine xmlns="4873beb7-5857-4685-be1f-d57550cc96cc" xsi:nil="true"/>
+    <TPAppVersion xmlns="4873beb7-5857-4685-be1f-d57550cc96cc" xsi:nil="true"/>
+    <EditorialStatus xmlns="4873beb7-5857-4685-be1f-d57550cc96cc">Complete</EditorialStatus>
+    <LastModifiedDateTime xmlns="4873beb7-5857-4685-be1f-d57550cc96cc" xsi:nil="true"/>
+    <ScenarioTagsTaxHTField0 xmlns="4873beb7-5857-4685-be1f-d57550cc96cc">
+      <Terms xmlns="http://schemas.microsoft.com/office/infopath/2007/PartnerControls"/>
+    </ScenarioTagsTaxHTField0>
+    <OriginalRelease xmlns="4873beb7-5857-4685-be1f-d57550cc96cc">15</OriginalRelease>
+    <TPLaunchHelpLinkType xmlns="4873beb7-5857-4685-be1f-d57550cc96cc">Template</TPLaunchHelpLinkType>
+    <LocalizationTagsTaxHTField0 xmlns="4873beb7-5857-4685-be1f-d57550cc96cc">
+      <Terms xmlns="http://schemas.microsoft.com/office/infopath/2007/PartnerControls"/>
+    </LocalizationTagsTaxHTField0>
+    <LocMarketGroupTiers2 xmlns="4873beb7-5857-4685-be1f-d57550cc96cc" xsi:nil="true"/>
+  </documentManagement>
+</p:properties>
+</file>
+
+<file path=customXml/item3.xml><?xml version="1.0" encoding="utf-8"?>
 <ct:contentTypeSchema xmlns:ct="http://schemas.microsoft.com/office/2006/metadata/contentType" xmlns:ma="http://schemas.microsoft.com/office/2006/metadata/properties/metaAttributes" ct:_="" ma:_="" ma:contentTypeName="TemplateFile" ma:contentTypeID="0x0101006EDDDB5EE6D98C44930B742096920B300400F5B6D36B3EF94B4E9A635CDF2A18F5B8" ma:contentTypeVersion="72" ma:contentTypeDescription="Create a new document." ma:contentTypeScope="" ma:versionID="a23e56308344d904b51738559c3d67c9">
   <xsd:schema xmlns:xsd="http://www.w3.org/2001/XMLSchema" xmlns:xs="http://www.w3.org/2001/XMLSchema" xmlns:p="http://schemas.microsoft.com/office/2006/metadata/properties" xmlns:ns2="4873beb7-5857-4685-be1f-d57550cc96cc" targetNamespace="http://schemas.microsoft.com/office/2006/metadata/properties" ma:root="true" ma:fieldsID="cd0908cc4600e77bf5da051303e00c8d" ns2:_="">
     <xsd:import namespace="4873beb7-5857-4685-be1f-d57550cc96cc"/>
@@ -6719,132 +7524,6 @@
 </ct:contentTypeSchema>
 </file>
 
-<file path=customXml/item3.xml><?xml version="1.0" encoding="utf-8"?>
-<p:properties xmlns:p="http://schemas.microsoft.com/office/2006/metadata/properties" xmlns:xsi="http://www.w3.org/2001/XMLSchema-instance" xmlns:pc="http://schemas.microsoft.com/office/infopath/2007/PartnerControls">
-  <documentManagement>
-    <DirectSourceMarket xmlns="4873beb7-5857-4685-be1f-d57550cc96cc" xsi:nil="true"/>
-    <ApprovalStatus xmlns="4873beb7-5857-4685-be1f-d57550cc96cc">InProgress</ApprovalStatus>
-    <MarketSpecific xmlns="4873beb7-5857-4685-be1f-d57550cc96cc">false</MarketSpecific>
-    <LocComments xmlns="4873beb7-5857-4685-be1f-d57550cc96cc" xsi:nil="true"/>
-    <ThumbnailAssetId xmlns="4873beb7-5857-4685-be1f-d57550cc96cc" xsi:nil="true"/>
-    <PrimaryImageGen xmlns="4873beb7-5857-4685-be1f-d57550cc96cc">true</PrimaryImageGen>
-    <LegacyData xmlns="4873beb7-5857-4685-be1f-d57550cc96cc" xsi:nil="true"/>
-    <LocRecommendedHandoff xmlns="4873beb7-5857-4685-be1f-d57550cc96cc" xsi:nil="true"/>
-    <BusinessGroup xmlns="4873beb7-5857-4685-be1f-d57550cc96cc" xsi:nil="true"/>
-    <BlockPublish xmlns="4873beb7-5857-4685-be1f-d57550cc96cc">false</BlockPublish>
-    <TPFriendlyName xmlns="4873beb7-5857-4685-be1f-d57550cc96cc" xsi:nil="true"/>
-    <NumericId xmlns="4873beb7-5857-4685-be1f-d57550cc96cc" xsi:nil="true"/>
-    <APEditor xmlns="4873beb7-5857-4685-be1f-d57550cc96cc">
-      <UserInfo>
-        <DisplayName/>
-        <AccountId xsi:nil="true"/>
-        <AccountType/>
-      </UserInfo>
-    </APEditor>
-    <SourceTitle xmlns="4873beb7-5857-4685-be1f-d57550cc96cc" xsi:nil="true"/>
-    <OpenTemplate xmlns="4873beb7-5857-4685-be1f-d57550cc96cc">true</OpenTemplate>
-    <UALocComments xmlns="4873beb7-5857-4685-be1f-d57550cc96cc" xsi:nil="true"/>
-    <ParentAssetId xmlns="4873beb7-5857-4685-be1f-d57550cc96cc" xsi:nil="true"/>
-    <IntlLangReviewDate xmlns="4873beb7-5857-4685-be1f-d57550cc96cc" xsi:nil="true"/>
-    <FeatureTagsTaxHTField0 xmlns="4873beb7-5857-4685-be1f-d57550cc96cc">
-      <Terms xmlns="http://schemas.microsoft.com/office/infopath/2007/PartnerControls"/>
-    </FeatureTagsTaxHTField0>
-    <PublishStatusLookup xmlns="4873beb7-5857-4685-be1f-d57550cc96cc">
-      <Value>1566889</Value>
-    </PublishStatusLookup>
-    <Providers xmlns="4873beb7-5857-4685-be1f-d57550cc96cc" xsi:nil="true"/>
-    <MachineTranslated xmlns="4873beb7-5857-4685-be1f-d57550cc96cc">false</MachineTranslated>
-    <OriginalSourceMarket xmlns="4873beb7-5857-4685-be1f-d57550cc96cc" xsi:nil="true"/>
-    <APDescription xmlns="4873beb7-5857-4685-be1f-d57550cc96cc" xsi:nil="true"/>
-    <ClipArtFilename xmlns="4873beb7-5857-4685-be1f-d57550cc96cc" xsi:nil="true"/>
-    <ContentItem xmlns="4873beb7-5857-4685-be1f-d57550cc96cc" xsi:nil="true"/>
-    <TPInstallLocation xmlns="4873beb7-5857-4685-be1f-d57550cc96cc" xsi:nil="true"/>
-    <PublishTargets xmlns="4873beb7-5857-4685-be1f-d57550cc96cc">OfficeOnlineVNext</PublishTargets>
-    <TimesCloned xmlns="4873beb7-5857-4685-be1f-d57550cc96cc" xsi:nil="true"/>
-    <AssetStart xmlns="4873beb7-5857-4685-be1f-d57550cc96cc">2012-05-23T08:44:00+00:00</AssetStart>
-    <Provider xmlns="4873beb7-5857-4685-be1f-d57550cc96cc" xsi:nil="true"/>
-    <AcquiredFrom xmlns="4873beb7-5857-4685-be1f-d57550cc96cc">Internal MS</AcquiredFrom>
-    <FriendlyTitle xmlns="4873beb7-5857-4685-be1f-d57550cc96cc" xsi:nil="true"/>
-    <LastHandOff xmlns="4873beb7-5857-4685-be1f-d57550cc96cc" xsi:nil="true"/>
-    <TPClientViewer xmlns="4873beb7-5857-4685-be1f-d57550cc96cc" xsi:nil="true"/>
-    <UACurrentWords xmlns="4873beb7-5857-4685-be1f-d57550cc96cc" xsi:nil="true"/>
-    <ArtSampleDocs xmlns="4873beb7-5857-4685-be1f-d57550cc96cc" xsi:nil="true"/>
-    <UALocRecommendation xmlns="4873beb7-5857-4685-be1f-d57550cc96cc">Localize</UALocRecommendation>
-    <Manager xmlns="4873beb7-5857-4685-be1f-d57550cc96cc" xsi:nil="true"/>
-    <ShowIn xmlns="4873beb7-5857-4685-be1f-d57550cc96cc">Show everywhere</ShowIn>
-    <UANotes xmlns="4873beb7-5857-4685-be1f-d57550cc96cc" xsi:nil="true"/>
-    <TemplateStatus xmlns="4873beb7-5857-4685-be1f-d57550cc96cc">Complete</TemplateStatus>
-    <InternalTagsTaxHTField0 xmlns="4873beb7-5857-4685-be1f-d57550cc96cc">
-      <Terms xmlns="http://schemas.microsoft.com/office/infopath/2007/PartnerControls"/>
-    </InternalTagsTaxHTField0>
-    <CSXHash xmlns="4873beb7-5857-4685-be1f-d57550cc96cc" xsi:nil="true"/>
-    <Downloads xmlns="4873beb7-5857-4685-be1f-d57550cc96cc">0</Downloads>
-    <VoteCount xmlns="4873beb7-5857-4685-be1f-d57550cc96cc" xsi:nil="true"/>
-    <OOCacheId xmlns="4873beb7-5857-4685-be1f-d57550cc96cc" xsi:nil="true"/>
-    <IsDeleted xmlns="4873beb7-5857-4685-be1f-d57550cc96cc">false</IsDeleted>
-    <AssetExpire xmlns="4873beb7-5857-4685-be1f-d57550cc96cc">2029-01-01T08:00:00+00:00</AssetExpire>
-    <DSATActionTaken xmlns="4873beb7-5857-4685-be1f-d57550cc96cc" xsi:nil="true"/>
-    <CSXSubmissionMarket xmlns="4873beb7-5857-4685-be1f-d57550cc96cc" xsi:nil="true"/>
-    <TPExecutable xmlns="4873beb7-5857-4685-be1f-d57550cc96cc" xsi:nil="true"/>
-    <SubmitterId xmlns="4873beb7-5857-4685-be1f-d57550cc96cc" xsi:nil="true"/>
-    <EditorialTags xmlns="4873beb7-5857-4685-be1f-d57550cc96cc" xsi:nil="true"/>
-    <ApprovalLog xmlns="4873beb7-5857-4685-be1f-d57550cc96cc" xsi:nil="true"/>
-    <AssetType xmlns="4873beb7-5857-4685-be1f-d57550cc96cc">TP</AssetType>
-    <BugNumber xmlns="4873beb7-5857-4685-be1f-d57550cc96cc" xsi:nil="true"/>
-    <CSXSubmissionDate xmlns="4873beb7-5857-4685-be1f-d57550cc96cc" xsi:nil="true"/>
-    <CSXUpdate xmlns="4873beb7-5857-4685-be1f-d57550cc96cc">false</CSXUpdate>
-    <Milestone xmlns="4873beb7-5857-4685-be1f-d57550cc96cc" xsi:nil="true"/>
-    <RecommendationsModifier xmlns="4873beb7-5857-4685-be1f-d57550cc96cc" xsi:nil="true"/>
-    <OriginAsset xmlns="4873beb7-5857-4685-be1f-d57550cc96cc" xsi:nil="true"/>
-    <TPComponent xmlns="4873beb7-5857-4685-be1f-d57550cc96cc" xsi:nil="true"/>
-    <AssetId xmlns="4873beb7-5857-4685-be1f-d57550cc96cc">TP102901017</AssetId>
-    <IntlLocPriority xmlns="4873beb7-5857-4685-be1f-d57550cc96cc" xsi:nil="true"/>
-    <PolicheckWords xmlns="4873beb7-5857-4685-be1f-d57550cc96cc" xsi:nil="true"/>
-    <TPLaunchHelpLink xmlns="4873beb7-5857-4685-be1f-d57550cc96cc" xsi:nil="true"/>
-    <TPApplication xmlns="4873beb7-5857-4685-be1f-d57550cc96cc" xsi:nil="true"/>
-    <CrawlForDependencies xmlns="4873beb7-5857-4685-be1f-d57550cc96cc">false</CrawlForDependencies>
-    <HandoffToMSDN xmlns="4873beb7-5857-4685-be1f-d57550cc96cc" xsi:nil="true"/>
-    <PlannedPubDate xmlns="4873beb7-5857-4685-be1f-d57550cc96cc" xsi:nil="true"/>
-    <IntlLangReviewer xmlns="4873beb7-5857-4685-be1f-d57550cc96cc" xsi:nil="true"/>
-    <TrustLevel xmlns="4873beb7-5857-4685-be1f-d57550cc96cc">1 Microsoft Managed Content</TrustLevel>
-    <LocLastLocAttemptVersionLookup xmlns="4873beb7-5857-4685-be1f-d57550cc96cc">836753</LocLastLocAttemptVersionLookup>
-    <IsSearchable xmlns="4873beb7-5857-4685-be1f-d57550cc96cc">true</IsSearchable>
-    <TemplateTemplateType xmlns="4873beb7-5857-4685-be1f-d57550cc96cc">PowerPoint Design Template</TemplateTemplateType>
-    <CampaignTagsTaxHTField0 xmlns="4873beb7-5857-4685-be1f-d57550cc96cc">
-      <Terms xmlns="http://schemas.microsoft.com/office/infopath/2007/PartnerControls"/>
-    </CampaignTagsTaxHTField0>
-    <TPNamespace xmlns="4873beb7-5857-4685-be1f-d57550cc96cc" xsi:nil="true"/>
-    <TaxCatchAll xmlns="4873beb7-5857-4685-be1f-d57550cc96cc"/>
-    <Markets xmlns="4873beb7-5857-4685-be1f-d57550cc96cc"/>
-    <UAProjectedTotalWords xmlns="4873beb7-5857-4685-be1f-d57550cc96cc" xsi:nil="true"/>
-    <IntlLangReview xmlns="4873beb7-5857-4685-be1f-d57550cc96cc">false</IntlLangReview>
-    <OutputCachingOn xmlns="4873beb7-5857-4685-be1f-d57550cc96cc">false</OutputCachingOn>
-    <AverageRating xmlns="4873beb7-5857-4685-be1f-d57550cc96cc" xsi:nil="true"/>
-    <APAuthor xmlns="4873beb7-5857-4685-be1f-d57550cc96cc">
-      <UserInfo>
-        <DisplayName>REDMOND\v-anij</DisplayName>
-        <AccountId>2469</AccountId>
-        <AccountType/>
-      </UserInfo>
-    </APAuthor>
-    <LocManualTestRequired xmlns="4873beb7-5857-4685-be1f-d57550cc96cc">false</LocManualTestRequired>
-    <TPCommandLine xmlns="4873beb7-5857-4685-be1f-d57550cc96cc" xsi:nil="true"/>
-    <TPAppVersion xmlns="4873beb7-5857-4685-be1f-d57550cc96cc" xsi:nil="true"/>
-    <EditorialStatus xmlns="4873beb7-5857-4685-be1f-d57550cc96cc">Complete</EditorialStatus>
-    <LastModifiedDateTime xmlns="4873beb7-5857-4685-be1f-d57550cc96cc" xsi:nil="true"/>
-    <ScenarioTagsTaxHTField0 xmlns="4873beb7-5857-4685-be1f-d57550cc96cc">
-      <Terms xmlns="http://schemas.microsoft.com/office/infopath/2007/PartnerControls"/>
-    </ScenarioTagsTaxHTField0>
-    <OriginalRelease xmlns="4873beb7-5857-4685-be1f-d57550cc96cc">15</OriginalRelease>
-    <TPLaunchHelpLinkType xmlns="4873beb7-5857-4685-be1f-d57550cc96cc">Template</TPLaunchHelpLinkType>
-    <LocalizationTagsTaxHTField0 xmlns="4873beb7-5857-4685-be1f-d57550cc96cc">
-      <Terms xmlns="http://schemas.microsoft.com/office/infopath/2007/PartnerControls"/>
-    </LocalizationTagsTaxHTField0>
-    <LocMarketGroupTiers2 xmlns="4873beb7-5857-4685-be1f-d57550cc96cc" xsi:nil="true"/>
-  </documentManagement>
-</p:properties>
-</file>
-
 <file path=customXml/itemProps1.xml><?xml version="1.0" encoding="utf-8"?>
 <ds:datastoreItem xmlns:ds="http://schemas.openxmlformats.org/officeDocument/2006/customXml" ds:itemID="{746CFF6F-D9AA-4BC0-911A-0A1356771912}">
   <ds:schemaRefs>
@@ -6854,6 +7533,22 @@
 </file>
 
 <file path=customXml/itemProps2.xml><?xml version="1.0" encoding="utf-8"?>
+<ds:datastoreItem xmlns:ds="http://schemas.openxmlformats.org/officeDocument/2006/customXml" ds:itemID="{04098515-0C12-46CF-BC7C-69B4A13CD5FA}">
+  <ds:schemaRefs>
+    <ds:schemaRef ds:uri="http://purl.org/dc/terms/"/>
+    <ds:schemaRef ds:uri="http://schemas.microsoft.com/office/2006/documentManagement/types"/>
+    <ds:schemaRef ds:uri="4873beb7-5857-4685-be1f-d57550cc96cc"/>
+    <ds:schemaRef ds:uri="http://schemas.openxmlformats.org/package/2006/metadata/core-properties"/>
+    <ds:schemaRef ds:uri="http://purl.org/dc/elements/1.1/"/>
+    <ds:schemaRef ds:uri="http://schemas.microsoft.com/office/2006/metadata/properties"/>
+    <ds:schemaRef ds:uri="http://schemas.microsoft.com/office/infopath/2007/PartnerControls"/>
+    <ds:schemaRef ds:uri="http://www.w3.org/XML/1998/namespace"/>
+    <ds:schemaRef ds:uri="http://purl.org/dc/dcmitype/"/>
+  </ds:schemaRefs>
+</ds:datastoreItem>
+</file>
+
+<file path=customXml/itemProps3.xml><?xml version="1.0" encoding="utf-8"?>
 <ds:datastoreItem xmlns:ds="http://schemas.openxmlformats.org/officeDocument/2006/customXml" ds:itemID="{0B5C6E15-39DC-470B-9445-F754B9458020}">
   <ds:schemaRefs>
     <ds:schemaRef ds:uri="http://schemas.microsoft.com/office/2006/metadata/contentType"/>
@@ -6869,20 +7564,4 @@
     <ds:schemaRef ds:uri="http://schemas.microsoft.com/internal/obd"/>
   </ds:schemaRefs>
 </ds:datastoreItem>
-</file>
-
-<file path=customXml/itemProps3.xml><?xml version="1.0" encoding="utf-8"?>
-<ds:datastoreItem xmlns:ds="http://schemas.openxmlformats.org/officeDocument/2006/customXml" ds:itemID="{04098515-0C12-46CF-BC7C-69B4A13CD5FA}">
-  <ds:schemaRefs>
-    <ds:schemaRef ds:uri="http://purl.org/dc/terms/"/>
-    <ds:schemaRef ds:uri="http://schemas.microsoft.com/office/2006/documentManagement/types"/>
-    <ds:schemaRef ds:uri="4873beb7-5857-4685-be1f-d57550cc96cc"/>
-    <ds:schemaRef ds:uri="http://schemas.openxmlformats.org/package/2006/metadata/core-properties"/>
-    <ds:schemaRef ds:uri="http://purl.org/dc/elements/1.1/"/>
-    <ds:schemaRef ds:uri="http://schemas.microsoft.com/office/2006/metadata/properties"/>
-    <ds:schemaRef ds:uri="http://schemas.microsoft.com/office/infopath/2007/PartnerControls"/>
-    <ds:schemaRef ds:uri="http://www.w3.org/XML/1998/namespace"/>
-    <ds:schemaRef ds:uri="http://purl.org/dc/dcmitype/"/>
-  </ds:schemaRefs>
-</ds:datastoreItem>
 </file>